--- a/resources/adaptiveAppliances.pptx
+++ b/resources/adaptiveAppliances.pptx
@@ -169,6 +169,22 @@
       </a:defRPr>
     </a:lvl9pPr>
   </p:defaultTextStyle>
+  <p:extLst>
+    <p:ext uri="{EFAFB233-063F-42B5-8137-9DF3F51BA10A}">
+      <p15:sldGuideLst xmlns:p15="http://schemas.microsoft.com/office/powerpoint/2012/main">
+        <p15:guide id="1" orient="horz" pos="2160">
+          <p15:clr>
+            <a:srgbClr val="A4A3A4"/>
+          </p15:clr>
+        </p15:guide>
+        <p15:guide id="2" pos="2880">
+          <p15:clr>
+            <a:srgbClr val="A4A3A4"/>
+          </p15:clr>
+        </p15:guide>
+      </p15:sldGuideLst>
+    </p:ext>
+  </p:extLst>
 </p:presentation>
 </file>
 
@@ -359,35 +375,35 @@
           <a:p>
             <a:pPr lvl="0"/>
             <a:r>
-              <a:rPr lang="en-US" noProof="0" smtClean="0"/>
+              <a:rPr lang="en-US" noProof="0"/>
               <a:t>Click to edit Master text styles</a:t>
             </a:r>
           </a:p>
           <a:p>
             <a:pPr lvl="1"/>
             <a:r>
-              <a:rPr lang="en-US" noProof="0" smtClean="0"/>
+              <a:rPr lang="en-US" noProof="0"/>
               <a:t>Second level</a:t>
             </a:r>
           </a:p>
           <a:p>
             <a:pPr lvl="2"/>
             <a:r>
-              <a:rPr lang="en-US" noProof="0" smtClean="0"/>
+              <a:rPr lang="en-US" noProof="0"/>
               <a:t>Third level</a:t>
             </a:r>
           </a:p>
           <a:p>
             <a:pPr lvl="3"/>
             <a:r>
-              <a:rPr lang="en-US" noProof="0" smtClean="0"/>
+              <a:rPr lang="en-US" noProof="0"/>
               <a:t>Fourth level</a:t>
             </a:r>
           </a:p>
           <a:p>
             <a:pPr lvl="4"/>
             <a:r>
-              <a:rPr lang="en-US" noProof="0" smtClean="0"/>
+              <a:rPr lang="en-US" noProof="0"/>
               <a:t>Fifth level</a:t>
             </a:r>
           </a:p>
@@ -663,7 +679,7 @@
               <a:pPr/>
               <a:t>1</a:t>
             </a:fld>
-            <a:endParaRPr lang="en-US" smtClean="0"/>
+            <a:endParaRPr lang="en-US"/>
           </a:p>
         </p:txBody>
       </p:sp>
@@ -700,7 +716,7 @@
           <a:lstStyle/>
           <a:p>
             <a:pPr eaLnBrk="1" hangingPunct="1"/>
-            <a:endParaRPr lang="fr-FR" smtClean="0"/>
+            <a:endParaRPr lang="fr-FR"/>
           </a:p>
         </p:txBody>
       </p:sp>
@@ -750,7 +766,7 @@
           <a:lstStyle/>
           <a:p>
             <a:r>
-              <a:rPr lang="en-US" dirty="0" smtClean="0"/>
+              <a:rPr lang="en-US" dirty="0"/>
               <a:t>Click to edit Master title style</a:t>
             </a:r>
             <a:endParaRPr lang="fr-CH" dirty="0"/>
@@ -815,7 +831,7 @@
           </a:lstStyle>
           <a:p>
             <a:r>
-              <a:rPr lang="en-US" smtClean="0"/>
+              <a:rPr lang="en-US"/>
               <a:t>Click to edit Master subtitle style</a:t>
             </a:r>
             <a:endParaRPr lang="fr-CH"/>
@@ -898,7 +914,7 @@
           <a:lstStyle/>
           <a:p>
             <a:r>
-              <a:rPr lang="en-US" smtClean="0"/>
+              <a:rPr lang="en-US"/>
               <a:t>Click to edit Master title style</a:t>
             </a:r>
             <a:endParaRPr lang="fr-CH"/>
@@ -922,35 +938,35 @@
           <a:p>
             <a:pPr lvl="0"/>
             <a:r>
-              <a:rPr lang="en-US" smtClean="0"/>
+              <a:rPr lang="en-US"/>
               <a:t>Click to edit Master text styles</a:t>
             </a:r>
           </a:p>
           <a:p>
             <a:pPr lvl="1"/>
             <a:r>
-              <a:rPr lang="en-US" smtClean="0"/>
+              <a:rPr lang="en-US"/>
               <a:t>Second level</a:t>
             </a:r>
           </a:p>
           <a:p>
             <a:pPr lvl="2"/>
             <a:r>
-              <a:rPr lang="en-US" smtClean="0"/>
+              <a:rPr lang="en-US"/>
               <a:t>Third level</a:t>
             </a:r>
           </a:p>
           <a:p>
             <a:pPr lvl="3"/>
             <a:r>
-              <a:rPr lang="en-US" smtClean="0"/>
+              <a:rPr lang="en-US"/>
               <a:t>Fourth level</a:t>
             </a:r>
           </a:p>
           <a:p>
             <a:pPr lvl="4"/>
             <a:r>
-              <a:rPr lang="en-US" smtClean="0"/>
+              <a:rPr lang="en-US"/>
               <a:t>Fifth level</a:t>
             </a:r>
             <a:endParaRPr lang="fr-CH"/>
@@ -1038,7 +1054,7 @@
           <a:lstStyle/>
           <a:p>
             <a:r>
-              <a:rPr lang="en-US" smtClean="0"/>
+              <a:rPr lang="en-US"/>
               <a:t>Click to edit Master title style</a:t>
             </a:r>
             <a:endParaRPr lang="fr-CH"/>
@@ -1067,35 +1083,35 @@
           <a:p>
             <a:pPr lvl="0"/>
             <a:r>
-              <a:rPr lang="en-US" smtClean="0"/>
+              <a:rPr lang="en-US"/>
               <a:t>Click to edit Master text styles</a:t>
             </a:r>
           </a:p>
           <a:p>
             <a:pPr lvl="1"/>
             <a:r>
-              <a:rPr lang="en-US" smtClean="0"/>
+              <a:rPr lang="en-US"/>
               <a:t>Second level</a:t>
             </a:r>
           </a:p>
           <a:p>
             <a:pPr lvl="2"/>
             <a:r>
-              <a:rPr lang="en-US" smtClean="0"/>
+              <a:rPr lang="en-US"/>
               <a:t>Third level</a:t>
             </a:r>
           </a:p>
           <a:p>
             <a:pPr lvl="3"/>
             <a:r>
-              <a:rPr lang="en-US" smtClean="0"/>
+              <a:rPr lang="en-US"/>
               <a:t>Fourth level</a:t>
             </a:r>
           </a:p>
           <a:p>
             <a:pPr lvl="4"/>
             <a:r>
-              <a:rPr lang="en-US" smtClean="0"/>
+              <a:rPr lang="en-US"/>
               <a:t>Fifth level</a:t>
             </a:r>
             <a:endParaRPr lang="fr-CH"/>
@@ -1183,7 +1199,7 @@
           <a:lstStyle/>
           <a:p>
             <a:r>
-              <a:rPr lang="en-US" smtClean="0"/>
+              <a:rPr lang="en-US"/>
               <a:t>Click to edit Master title style</a:t>
             </a:r>
             <a:endParaRPr lang="fr-CH"/>
@@ -1212,35 +1228,35 @@
           <a:p>
             <a:pPr lvl="0"/>
             <a:r>
-              <a:rPr lang="en-US" smtClean="0"/>
+              <a:rPr lang="en-US"/>
               <a:t>Click to edit Master text styles</a:t>
             </a:r>
           </a:p>
           <a:p>
             <a:pPr lvl="1"/>
             <a:r>
-              <a:rPr lang="en-US" smtClean="0"/>
+              <a:rPr lang="en-US"/>
               <a:t>Second level</a:t>
             </a:r>
           </a:p>
           <a:p>
             <a:pPr lvl="2"/>
             <a:r>
-              <a:rPr lang="en-US" smtClean="0"/>
+              <a:rPr lang="en-US"/>
               <a:t>Third level</a:t>
             </a:r>
           </a:p>
           <a:p>
             <a:pPr lvl="3"/>
             <a:r>
-              <a:rPr lang="en-US" smtClean="0"/>
+              <a:rPr lang="en-US"/>
               <a:t>Fourth level</a:t>
             </a:r>
           </a:p>
           <a:p>
             <a:pPr lvl="4"/>
             <a:r>
-              <a:rPr lang="en-US" smtClean="0"/>
+              <a:rPr lang="en-US"/>
               <a:t>Fifth level</a:t>
             </a:r>
             <a:endParaRPr lang="fr-CH"/>
@@ -1269,35 +1285,35 @@
           <a:p>
             <a:pPr lvl="0"/>
             <a:r>
-              <a:rPr lang="en-US" smtClean="0"/>
+              <a:rPr lang="en-US"/>
               <a:t>Click to edit Master text styles</a:t>
             </a:r>
           </a:p>
           <a:p>
             <a:pPr lvl="1"/>
             <a:r>
-              <a:rPr lang="en-US" smtClean="0"/>
+              <a:rPr lang="en-US"/>
               <a:t>Second level</a:t>
             </a:r>
           </a:p>
           <a:p>
             <a:pPr lvl="2"/>
             <a:r>
-              <a:rPr lang="en-US" smtClean="0"/>
+              <a:rPr lang="en-US"/>
               <a:t>Third level</a:t>
             </a:r>
           </a:p>
           <a:p>
             <a:pPr lvl="3"/>
             <a:r>
-              <a:rPr lang="en-US" smtClean="0"/>
+              <a:rPr lang="en-US"/>
               <a:t>Fourth level</a:t>
             </a:r>
           </a:p>
           <a:p>
             <a:pPr lvl="4"/>
             <a:r>
-              <a:rPr lang="en-US" smtClean="0"/>
+              <a:rPr lang="en-US"/>
               <a:t>Fifth level</a:t>
             </a:r>
             <a:endParaRPr lang="fr-CH"/>
@@ -1440,35 +1456,35 @@
           <a:p>
             <a:pPr lvl="0"/>
             <a:r>
-              <a:rPr lang="en-US" dirty="0" smtClean="0"/>
+              <a:rPr lang="en-US" dirty="0"/>
               <a:t>Click to edit Master text styles</a:t>
             </a:r>
           </a:p>
           <a:p>
             <a:pPr lvl="1"/>
             <a:r>
-              <a:rPr lang="en-US" dirty="0" smtClean="0"/>
+              <a:rPr lang="en-US" dirty="0"/>
               <a:t>Second level</a:t>
             </a:r>
           </a:p>
           <a:p>
             <a:pPr lvl="2"/>
             <a:r>
-              <a:rPr lang="en-US" dirty="0" smtClean="0"/>
+              <a:rPr lang="en-US" dirty="0"/>
               <a:t>Third level</a:t>
             </a:r>
           </a:p>
           <a:p>
             <a:pPr lvl="3"/>
             <a:r>
-              <a:rPr lang="en-US" dirty="0" smtClean="0"/>
+              <a:rPr lang="en-US" dirty="0"/>
               <a:t>Fourth level</a:t>
             </a:r>
           </a:p>
           <a:p>
             <a:pPr lvl="4"/>
             <a:r>
-              <a:rPr lang="en-US" dirty="0" smtClean="0"/>
+              <a:rPr lang="en-US" dirty="0"/>
               <a:t>Fifth level</a:t>
             </a:r>
             <a:endParaRPr lang="fr-CH" dirty="0"/>
@@ -1520,7 +1536,7 @@
           </a:lstStyle>
           <a:p>
             <a:r>
-              <a:rPr lang="en-US" dirty="0" smtClean="0"/>
+              <a:rPr lang="en-US" dirty="0"/>
               <a:t>Click to edit Master title style</a:t>
             </a:r>
             <a:endParaRPr lang="fr-CH" dirty="0"/>
@@ -1554,35 +1570,35 @@
           <a:p>
             <a:pPr lvl="0"/>
             <a:r>
-              <a:rPr lang="en-US" dirty="0" smtClean="0"/>
+              <a:rPr lang="en-US" dirty="0"/>
               <a:t>Click to edit Master text styles</a:t>
             </a:r>
           </a:p>
           <a:p>
             <a:pPr lvl="1"/>
             <a:r>
-              <a:rPr lang="en-US" dirty="0" smtClean="0"/>
+              <a:rPr lang="en-US" dirty="0"/>
               <a:t>Second level</a:t>
             </a:r>
           </a:p>
           <a:p>
             <a:pPr lvl="2"/>
             <a:r>
-              <a:rPr lang="en-US" dirty="0" smtClean="0"/>
+              <a:rPr lang="en-US" dirty="0"/>
               <a:t>Third level</a:t>
             </a:r>
           </a:p>
           <a:p>
             <a:pPr lvl="3"/>
             <a:r>
-              <a:rPr lang="en-US" dirty="0" smtClean="0"/>
+              <a:rPr lang="en-US" dirty="0"/>
               <a:t>Fourth level</a:t>
             </a:r>
           </a:p>
           <a:p>
             <a:pPr lvl="4"/>
             <a:r>
-              <a:rPr lang="en-US" dirty="0" smtClean="0"/>
+              <a:rPr lang="en-US" dirty="0"/>
               <a:t>Fifth level</a:t>
             </a:r>
             <a:endParaRPr lang="fr-CH" dirty="0"/>
@@ -1674,7 +1690,7 @@
           </a:lstStyle>
           <a:p>
             <a:r>
-              <a:rPr lang="en-US" dirty="0" smtClean="0"/>
+              <a:rPr lang="en-US" dirty="0"/>
               <a:t>Click to edit Master title style</a:t>
             </a:r>
             <a:endParaRPr lang="fr-CH" dirty="0"/>
@@ -1740,7 +1756,7 @@
           <a:p>
             <a:pPr lvl="0"/>
             <a:r>
-              <a:rPr lang="en-US" smtClean="0"/>
+              <a:rPr lang="en-US"/>
               <a:t>Click to edit Master text styles</a:t>
             </a:r>
           </a:p>
@@ -1826,7 +1842,7 @@
           </a:lstStyle>
           <a:p>
             <a:r>
-              <a:rPr lang="en-US" dirty="0" smtClean="0"/>
+              <a:rPr lang="en-US" dirty="0"/>
               <a:t>Click to edit Master title style</a:t>
             </a:r>
             <a:endParaRPr lang="fr-CH" dirty="0"/>
@@ -1883,35 +1899,35 @@
           <a:p>
             <a:pPr lvl="0"/>
             <a:r>
-              <a:rPr lang="en-US" dirty="0" smtClean="0"/>
+              <a:rPr lang="en-US" dirty="0"/>
               <a:t>Click to edit Master text styles</a:t>
             </a:r>
           </a:p>
           <a:p>
             <a:pPr lvl="1"/>
             <a:r>
-              <a:rPr lang="en-US" dirty="0" smtClean="0"/>
+              <a:rPr lang="en-US" dirty="0"/>
               <a:t>Second level</a:t>
             </a:r>
           </a:p>
           <a:p>
             <a:pPr lvl="2"/>
             <a:r>
-              <a:rPr lang="en-US" dirty="0" smtClean="0"/>
+              <a:rPr lang="en-US" dirty="0"/>
               <a:t>Third level</a:t>
             </a:r>
           </a:p>
           <a:p>
             <a:pPr lvl="3"/>
             <a:r>
-              <a:rPr lang="en-US" dirty="0" smtClean="0"/>
+              <a:rPr lang="en-US" dirty="0"/>
               <a:t>Fourth level</a:t>
             </a:r>
           </a:p>
           <a:p>
             <a:pPr lvl="4"/>
             <a:r>
-              <a:rPr lang="en-US" dirty="0" smtClean="0"/>
+              <a:rPr lang="en-US" dirty="0"/>
               <a:t>Fifth level</a:t>
             </a:r>
             <a:endParaRPr lang="fr-CH" dirty="0"/>
@@ -1968,35 +1984,35 @@
           <a:p>
             <a:pPr lvl="0"/>
             <a:r>
-              <a:rPr lang="en-US" dirty="0" smtClean="0"/>
+              <a:rPr lang="en-US" dirty="0"/>
               <a:t>Click to edit Master text styles</a:t>
             </a:r>
           </a:p>
           <a:p>
             <a:pPr lvl="1"/>
             <a:r>
-              <a:rPr lang="en-US" dirty="0" smtClean="0"/>
+              <a:rPr lang="en-US" dirty="0"/>
               <a:t>Second level</a:t>
             </a:r>
           </a:p>
           <a:p>
             <a:pPr lvl="2"/>
             <a:r>
-              <a:rPr lang="en-US" dirty="0" smtClean="0"/>
+              <a:rPr lang="en-US" dirty="0"/>
               <a:t>Third level</a:t>
             </a:r>
           </a:p>
           <a:p>
             <a:pPr lvl="3"/>
             <a:r>
-              <a:rPr lang="en-US" dirty="0" smtClean="0"/>
+              <a:rPr lang="en-US" dirty="0"/>
               <a:t>Fourth level</a:t>
             </a:r>
           </a:p>
           <a:p>
             <a:pPr lvl="4"/>
             <a:r>
-              <a:rPr lang="en-US" dirty="0" smtClean="0"/>
+              <a:rPr lang="en-US" dirty="0"/>
               <a:t>Fifth level</a:t>
             </a:r>
             <a:endParaRPr lang="fr-CH" dirty="0"/>
@@ -2088,7 +2104,7 @@
           </a:lstStyle>
           <a:p>
             <a:r>
-              <a:rPr lang="en-US" dirty="0" smtClean="0"/>
+              <a:rPr lang="en-US" dirty="0"/>
               <a:t>Click to edit Master title style</a:t>
             </a:r>
             <a:endParaRPr lang="fr-CH" dirty="0"/>
@@ -2154,7 +2170,7 @@
           <a:p>
             <a:pPr lvl="0"/>
             <a:r>
-              <a:rPr lang="en-US" smtClean="0"/>
+              <a:rPr lang="en-US"/>
               <a:t>Click to edit Master text styles</a:t>
             </a:r>
           </a:p>
@@ -2210,35 +2226,35 @@
           <a:p>
             <a:pPr lvl="0"/>
             <a:r>
-              <a:rPr lang="en-US" dirty="0" smtClean="0"/>
+              <a:rPr lang="en-US" dirty="0"/>
               <a:t>Click to edit Master text styles</a:t>
             </a:r>
           </a:p>
           <a:p>
             <a:pPr lvl="1"/>
             <a:r>
-              <a:rPr lang="en-US" dirty="0" smtClean="0"/>
+              <a:rPr lang="en-US" dirty="0"/>
               <a:t>Second level</a:t>
             </a:r>
           </a:p>
           <a:p>
             <a:pPr lvl="2"/>
             <a:r>
-              <a:rPr lang="en-US" dirty="0" smtClean="0"/>
+              <a:rPr lang="en-US" dirty="0"/>
               <a:t>Third level</a:t>
             </a:r>
           </a:p>
           <a:p>
             <a:pPr lvl="3"/>
             <a:r>
-              <a:rPr lang="en-US" dirty="0" smtClean="0"/>
+              <a:rPr lang="en-US" dirty="0"/>
               <a:t>Fourth level</a:t>
             </a:r>
           </a:p>
           <a:p>
             <a:pPr lvl="4"/>
             <a:r>
-              <a:rPr lang="en-US" dirty="0" smtClean="0"/>
+              <a:rPr lang="en-US" dirty="0"/>
               <a:t>Fifth level</a:t>
             </a:r>
             <a:endParaRPr lang="fr-CH" dirty="0"/>
@@ -2304,7 +2320,7 @@
           <a:p>
             <a:pPr lvl="0"/>
             <a:r>
-              <a:rPr lang="en-US" smtClean="0"/>
+              <a:rPr lang="en-US"/>
               <a:t>Click to edit Master text styles</a:t>
             </a:r>
           </a:p>
@@ -2360,35 +2376,35 @@
           <a:p>
             <a:pPr lvl="0"/>
             <a:r>
-              <a:rPr lang="en-US" smtClean="0"/>
+              <a:rPr lang="en-US"/>
               <a:t>Click to edit Master text styles</a:t>
             </a:r>
           </a:p>
           <a:p>
             <a:pPr lvl="1"/>
             <a:r>
-              <a:rPr lang="en-US" smtClean="0"/>
+              <a:rPr lang="en-US"/>
               <a:t>Second level</a:t>
             </a:r>
           </a:p>
           <a:p>
             <a:pPr lvl="2"/>
             <a:r>
-              <a:rPr lang="en-US" smtClean="0"/>
+              <a:rPr lang="en-US"/>
               <a:t>Third level</a:t>
             </a:r>
           </a:p>
           <a:p>
             <a:pPr lvl="3"/>
             <a:r>
-              <a:rPr lang="en-US" smtClean="0"/>
+              <a:rPr lang="en-US"/>
               <a:t>Fourth level</a:t>
             </a:r>
           </a:p>
           <a:p>
             <a:pPr lvl="4"/>
             <a:r>
-              <a:rPr lang="en-US" smtClean="0"/>
+              <a:rPr lang="en-US"/>
               <a:t>Fifth level</a:t>
             </a:r>
             <a:endParaRPr lang="fr-CH"/>
@@ -2475,7 +2491,7 @@
           </a:lstStyle>
           <a:p>
             <a:r>
-              <a:rPr lang="en-US" dirty="0" smtClean="0"/>
+              <a:rPr lang="en-US" dirty="0"/>
               <a:t>Click to edit Master title style</a:t>
             </a:r>
             <a:endParaRPr lang="fr-CH" dirty="0"/>
@@ -2627,7 +2643,7 @@
           </a:lstStyle>
           <a:p>
             <a:r>
-              <a:rPr lang="en-US" smtClean="0"/>
+              <a:rPr lang="en-US"/>
               <a:t>Click to edit Master title style</a:t>
             </a:r>
             <a:endParaRPr lang="fr-CH"/>
@@ -2684,35 +2700,35 @@
           <a:p>
             <a:pPr lvl="0"/>
             <a:r>
-              <a:rPr lang="en-US" smtClean="0"/>
+              <a:rPr lang="en-US"/>
               <a:t>Click to edit Master text styles</a:t>
             </a:r>
           </a:p>
           <a:p>
             <a:pPr lvl="1"/>
             <a:r>
-              <a:rPr lang="en-US" smtClean="0"/>
+              <a:rPr lang="en-US"/>
               <a:t>Second level</a:t>
             </a:r>
           </a:p>
           <a:p>
             <a:pPr lvl="2"/>
             <a:r>
-              <a:rPr lang="en-US" smtClean="0"/>
+              <a:rPr lang="en-US"/>
               <a:t>Third level</a:t>
             </a:r>
           </a:p>
           <a:p>
             <a:pPr lvl="3"/>
             <a:r>
-              <a:rPr lang="en-US" smtClean="0"/>
+              <a:rPr lang="en-US"/>
               <a:t>Fourth level</a:t>
             </a:r>
           </a:p>
           <a:p>
             <a:pPr lvl="4"/>
             <a:r>
-              <a:rPr lang="en-US" smtClean="0"/>
+              <a:rPr lang="en-US"/>
               <a:t>Fifth level</a:t>
             </a:r>
             <a:endParaRPr lang="fr-CH"/>
@@ -2778,7 +2794,7 @@
           <a:p>
             <a:pPr lvl="0"/>
             <a:r>
-              <a:rPr lang="en-US" smtClean="0"/>
+              <a:rPr lang="en-US"/>
               <a:t>Click to edit Master text styles</a:t>
             </a:r>
           </a:p>
@@ -2869,7 +2885,7 @@
           </a:lstStyle>
           <a:p>
             <a:r>
-              <a:rPr lang="en-US" smtClean="0"/>
+              <a:rPr lang="en-US"/>
               <a:t>Click to edit Master title style</a:t>
             </a:r>
             <a:endParaRPr lang="fr-CH"/>
@@ -2935,10 +2951,10 @@
           <a:p>
             <a:pPr lvl="0"/>
             <a:r>
-              <a:rPr lang="en-US" noProof="0" smtClean="0"/>
+              <a:rPr lang="en-US" noProof="0"/>
               <a:t>Click icon to add picture</a:t>
             </a:r>
-            <a:endParaRPr lang="fr-CH" noProof="0" smtClean="0"/>
+            <a:endParaRPr lang="fr-CH" noProof="0"/>
           </a:p>
         </p:txBody>
       </p:sp>
@@ -3001,7 +3017,7 @@
           <a:p>
             <a:pPr lvl="0"/>
             <a:r>
-              <a:rPr lang="en-US" smtClean="0"/>
+              <a:rPr lang="en-US"/>
               <a:t>Click to edit Master text styles</a:t>
             </a:r>
           </a:p>
@@ -3108,7 +3124,7 @@
           <a:p>
             <a:pPr lvl="0"/>
             <a:r>
-              <a:rPr lang="en-US" dirty="0" smtClean="0"/>
+              <a:rPr lang="en-US" dirty="0"/>
               <a:t>Click to edit Master title style</a:t>
             </a:r>
           </a:p>
@@ -3150,35 +3166,35 @@
           <a:p>
             <a:pPr lvl="0"/>
             <a:r>
-              <a:rPr lang="en-US" dirty="0" smtClean="0"/>
+              <a:rPr lang="en-US" dirty="0"/>
               <a:t>Click to edit Master text styles</a:t>
             </a:r>
           </a:p>
           <a:p>
             <a:pPr lvl="1"/>
             <a:r>
-              <a:rPr lang="en-US" dirty="0" smtClean="0"/>
+              <a:rPr lang="en-US" dirty="0"/>
               <a:t>Second level</a:t>
             </a:r>
           </a:p>
           <a:p>
             <a:pPr lvl="2"/>
             <a:r>
-              <a:rPr lang="en-US" dirty="0" smtClean="0"/>
+              <a:rPr lang="en-US" dirty="0"/>
               <a:t>Third level</a:t>
             </a:r>
           </a:p>
           <a:p>
             <a:pPr lvl="3"/>
             <a:r>
-              <a:rPr lang="en-US" dirty="0" smtClean="0"/>
+              <a:rPr lang="en-US" dirty="0"/>
               <a:t>Fourth level</a:t>
             </a:r>
           </a:p>
           <a:p>
             <a:pPr lvl="4"/>
             <a:r>
-              <a:rPr lang="en-US" dirty="0" smtClean="0"/>
+              <a:rPr lang="en-US" dirty="0"/>
               <a:t>Fifth level</a:t>
             </a:r>
           </a:p>
@@ -3697,14 +3713,10 @@
           <a:p>
             <a:pPr algn="r" eaLnBrk="1" hangingPunct="1"/>
             <a:r>
-              <a:rPr lang="en-US" sz="4000" dirty="0" err="1" smtClean="0"/>
-              <a:t>Satisfiability</a:t>
-            </a:r>
-            <a:r>
-              <a:rPr lang="en-US" sz="4000" dirty="0" smtClean="0"/>
-              <a:t> of Elastic Demand in the smart grid</a:t>
-            </a:r>
-            <a:endParaRPr lang="en-US" i="1" dirty="0" smtClean="0"/>
+              <a:rPr lang="en-US" sz="4000" dirty="0"/>
+              <a:t>Satisfiability of Elastic Demand in the smart grid</a:t>
+            </a:r>
+            <a:endParaRPr lang="en-US" i="1" dirty="0"/>
           </a:p>
         </p:txBody>
       </p:sp>
@@ -3730,49 +3742,49 @@
           <a:p>
             <a:pPr algn="r" eaLnBrk="1" hangingPunct="1"/>
             <a:r>
-              <a:rPr lang="en-US" dirty="0" smtClean="0"/>
+              <a:rPr lang="en-US" dirty="0"/>
               <a:t>Jean-Yves Le Boudec,</a:t>
             </a:r>
           </a:p>
           <a:p>
             <a:pPr algn="r" eaLnBrk="1" hangingPunct="1"/>
             <a:r>
-              <a:rPr lang="en-US" dirty="0" smtClean="0"/>
+              <a:rPr lang="en-US" dirty="0"/>
               <a:t>Joint work with Dan-</a:t>
             </a:r>
             <a:r>
-              <a:rPr lang="en-US" dirty="0" err="1" smtClean="0"/>
+              <a:rPr lang="en-US" dirty="0" err="1"/>
               <a:t>Cristian</a:t>
             </a:r>
             <a:r>
-              <a:rPr lang="en-US" dirty="0" smtClean="0"/>
+              <a:rPr lang="en-US" dirty="0"/>
               <a:t> </a:t>
             </a:r>
             <a:r>
-              <a:rPr lang="en-US" dirty="0" err="1" smtClean="0"/>
+              <a:rPr lang="en-US" dirty="0" err="1"/>
               <a:t>Tomozei</a:t>
             </a:r>
-            <a:endParaRPr lang="en-US" dirty="0" smtClean="0"/>
+            <a:endParaRPr lang="en-US" dirty="0"/>
           </a:p>
           <a:p>
             <a:pPr algn="r" eaLnBrk="1" hangingPunct="1"/>
             <a:r>
-              <a:rPr lang="en-US" dirty="0" smtClean="0"/>
+              <a:rPr lang="en-US" dirty="0"/>
               <a:t>EPFL</a:t>
             </a:r>
           </a:p>
           <a:p>
             <a:pPr algn="r" eaLnBrk="1" hangingPunct="1"/>
             <a:r>
-              <a:rPr lang="en-US" dirty="0" smtClean="0"/>
+              <a:rPr lang="en-US" dirty="0"/>
               <a:t>Feb 2</a:t>
             </a:r>
             <a:r>
-              <a:rPr lang="en-US" baseline="30000" dirty="0" smtClean="0"/>
+              <a:rPr lang="en-US" baseline="30000" dirty="0"/>
               <a:t>nd</a:t>
             </a:r>
             <a:r>
-              <a:rPr lang="en-US" dirty="0" smtClean="0"/>
+              <a:rPr lang="en-US" dirty="0"/>
               <a:t>, 2011</a:t>
             </a:r>
           </a:p>
@@ -3800,7 +3812,7 @@
               <a:pPr/>
               <a:t>1</a:t>
             </a:fld>
-            <a:endParaRPr lang="en-US" smtClean="0"/>
+            <a:endParaRPr lang="en-US"/>
           </a:p>
         </p:txBody>
       </p:sp>
@@ -3833,13 +3845,6 @@
   <p:clrMapOvr>
     <a:masterClrMapping/>
   </p:clrMapOvr>
-  <p:timing>
-    <p:tnLst>
-      <p:par>
-        <p:cTn id="1" dur="indefinite" restart="never" nodeType="tmRoot"/>
-      </p:par>
-    </p:tnLst>
-  </p:timing>
 </p:sld>
 </file>
 
@@ -3881,122 +3886,122 @@
           <a:lstStyle/>
           <a:p>
             <a:r>
-              <a:rPr lang="fr-CH" dirty="0" smtClean="0"/>
+              <a:rPr lang="fr-CH" dirty="0"/>
               <a:t>Robert </a:t>
             </a:r>
             <a:r>
-              <a:rPr lang="fr-CH" dirty="0" err="1" smtClean="0"/>
+              <a:rPr lang="fr-CH" dirty="0" err="1"/>
               <a:t>wakes</a:t>
             </a:r>
             <a:r>
-              <a:rPr lang="fr-CH" dirty="0" smtClean="0"/>
+              <a:rPr lang="fr-CH" dirty="0"/>
               <a:t> up </a:t>
             </a:r>
             <a:r>
-              <a:rPr lang="fr-CH" dirty="0" err="1" smtClean="0"/>
+              <a:rPr lang="fr-CH" dirty="0" err="1"/>
               <a:t>at</a:t>
             </a:r>
             <a:r>
-              <a:rPr lang="fr-CH" dirty="0" smtClean="0"/>
+              <a:rPr lang="fr-CH" dirty="0"/>
               <a:t> 6:45</a:t>
             </a:r>
           </a:p>
           <a:p>
             <a:r>
-              <a:rPr lang="fr-CH" dirty="0" err="1" smtClean="0"/>
+              <a:rPr lang="fr-CH" dirty="0" err="1"/>
               <a:t>Walks</a:t>
             </a:r>
             <a:r>
-              <a:rPr lang="fr-CH" dirty="0" smtClean="0"/>
+              <a:rPr lang="fr-CH" dirty="0"/>
               <a:t> to the </a:t>
             </a:r>
             <a:r>
-              <a:rPr lang="fr-CH" dirty="0" err="1" smtClean="0"/>
+              <a:rPr lang="fr-CH" dirty="0" err="1"/>
               <a:t>bathroom</a:t>
             </a:r>
             <a:r>
-              <a:rPr lang="fr-CH" dirty="0" smtClean="0"/>
+              <a:rPr lang="fr-CH" dirty="0"/>
               <a:t> to </a:t>
             </a:r>
             <a:r>
-              <a:rPr lang="fr-CH" dirty="0" err="1" smtClean="0"/>
+              <a:rPr lang="fr-CH" dirty="0" err="1"/>
               <a:t>take</a:t>
             </a:r>
             <a:r>
-              <a:rPr lang="fr-CH" dirty="0" smtClean="0"/>
+              <a:rPr lang="fr-CH" dirty="0"/>
               <a:t> a </a:t>
             </a:r>
             <a:r>
-              <a:rPr lang="fr-CH" dirty="0" err="1" smtClean="0"/>
+              <a:rPr lang="fr-CH" dirty="0" err="1"/>
               <a:t>shower</a:t>
             </a:r>
-            <a:endParaRPr lang="fr-CH" dirty="0" smtClean="0"/>
-          </a:p>
-          <a:p>
-            <a:r>
-              <a:rPr lang="fr-CH" dirty="0" smtClean="0"/>
+            <a:endParaRPr lang="fr-CH" dirty="0"/>
+          </a:p>
+          <a:p>
+            <a:r>
+              <a:rPr lang="fr-CH" dirty="0"/>
               <a:t>No hot water !</a:t>
             </a:r>
           </a:p>
           <a:p>
-            <a:endParaRPr lang="fr-CH" dirty="0" smtClean="0"/>
-          </a:p>
-          <a:p>
-            <a:r>
-              <a:rPr lang="fr-CH" dirty="0" smtClean="0"/>
+            <a:endParaRPr lang="fr-CH" dirty="0"/>
+          </a:p>
+          <a:p>
+            <a:r>
+              <a:rPr lang="fr-CH" dirty="0"/>
               <a:t>Home automation </a:t>
             </a:r>
             <a:r>
-              <a:rPr lang="fr-CH" dirty="0" err="1" smtClean="0"/>
+              <a:rPr lang="fr-CH" dirty="0" err="1"/>
               <a:t>controller</a:t>
             </a:r>
             <a:r>
-              <a:rPr lang="fr-CH" dirty="0" smtClean="0"/>
+              <a:rPr lang="fr-CH" dirty="0"/>
               <a:t> </a:t>
             </a:r>
             <a:r>
-              <a:rPr lang="fr-CH" dirty="0" err="1" smtClean="0"/>
+              <a:rPr lang="fr-CH" dirty="0" err="1"/>
               <a:t>hung</a:t>
             </a:r>
             <a:r>
-              <a:rPr lang="fr-CH" dirty="0" smtClean="0"/>
+              <a:rPr lang="fr-CH" dirty="0"/>
               <a:t> </a:t>
             </a:r>
             <a:r>
-              <a:rPr lang="fr-CH" dirty="0" err="1" smtClean="0"/>
+              <a:rPr lang="fr-CH" dirty="0" err="1"/>
               <a:t>yesterday</a:t>
             </a:r>
             <a:r>
-              <a:rPr lang="fr-CH" dirty="0" smtClean="0"/>
+              <a:rPr lang="fr-CH" dirty="0"/>
               <a:t> night. Hot water </a:t>
             </a:r>
             <a:r>
-              <a:rPr lang="fr-CH" dirty="0" err="1" smtClean="0"/>
+              <a:rPr lang="fr-CH" dirty="0" err="1"/>
               <a:t>was</a:t>
             </a:r>
             <a:r>
-              <a:rPr lang="fr-CH" dirty="0" smtClean="0"/>
+              <a:rPr lang="fr-CH" dirty="0"/>
               <a:t> not </a:t>
             </a:r>
             <a:r>
-              <a:rPr lang="fr-CH" dirty="0" err="1" smtClean="0"/>
+              <a:rPr lang="fr-CH" dirty="0" err="1"/>
               <a:t>replenished</a:t>
             </a:r>
             <a:r>
-              <a:rPr lang="fr-CH" dirty="0" smtClean="0"/>
+              <a:rPr lang="fr-CH" dirty="0"/>
               <a:t> </a:t>
             </a:r>
             <a:r>
-              <a:rPr lang="fr-CH" dirty="0" err="1" smtClean="0"/>
+              <a:rPr lang="fr-CH" dirty="0" err="1"/>
               <a:t>overnight</a:t>
             </a:r>
             <a:r>
-              <a:rPr lang="fr-CH" dirty="0" smtClean="0"/>
+              <a:rPr lang="fr-CH" dirty="0"/>
               <a:t>.</a:t>
             </a:r>
           </a:p>
           <a:p>
-            <a:endParaRPr lang="fr-CH" dirty="0" smtClean="0"/>
+            <a:endParaRPr lang="fr-CH" dirty="0"/>
           </a:p>
           <a:p>
             <a:endParaRPr lang="fr-CH" dirty="0"/>
@@ -4054,7 +4059,7 @@
               <a:buNone/>
               <a:tabLst/>
             </a:pPr>
-            <a:endParaRPr kumimoji="0" lang="fr-CH" sz="1400" b="1" i="0" u="none" strike="noStrike" cap="none" normalizeH="0" baseline="0" dirty="0" smtClean="0">
+            <a:endParaRPr kumimoji="0" lang="fr-CH" sz="1400" b="1" i="0" u="none" strike="noStrike" cap="none" normalizeH="0" baseline="0" dirty="0">
               <a:ln>
                 <a:noFill/>
               </a:ln>
@@ -4082,7 +4087,7 @@
               <a:buNone/>
               <a:tabLst/>
             </a:pPr>
-            <a:endParaRPr lang="fr-CH" sz="1400" b="1" dirty="0" smtClean="0">
+            <a:endParaRPr lang="fr-CH" sz="1400" b="1" dirty="0">
               <a:solidFill>
                 <a:schemeClr val="bg1"/>
               </a:solidFill>
@@ -4106,7 +4111,7 @@
               <a:buNone/>
               <a:tabLst/>
             </a:pPr>
-            <a:endParaRPr kumimoji="0" lang="fr-CH" sz="1400" b="1" i="0" u="none" strike="noStrike" cap="none" normalizeH="0" baseline="0" dirty="0" smtClean="0">
+            <a:endParaRPr kumimoji="0" lang="fr-CH" sz="1400" b="1" i="0" u="none" strike="noStrike" cap="none" normalizeH="0" baseline="0" dirty="0">
               <a:ln>
                 <a:noFill/>
               </a:ln>
@@ -4134,7 +4139,7 @@
               <a:buNone/>
               <a:tabLst/>
             </a:pPr>
-            <a:endParaRPr lang="fr-CH" sz="1400" b="1" dirty="0" smtClean="0">
+            <a:endParaRPr lang="fr-CH" sz="1400" b="1" dirty="0">
               <a:solidFill>
                 <a:schemeClr val="bg1"/>
               </a:solidFill>
@@ -4158,7 +4163,7 @@
               <a:buNone/>
               <a:tabLst/>
             </a:pPr>
-            <a:endParaRPr kumimoji="0" lang="fr-CH" sz="1400" b="1" i="0" u="none" strike="noStrike" cap="none" normalizeH="0" baseline="0" dirty="0" smtClean="0">
+            <a:endParaRPr kumimoji="0" lang="fr-CH" sz="1400" b="1" i="0" u="none" strike="noStrike" cap="none" normalizeH="0" baseline="0" dirty="0">
               <a:ln>
                 <a:noFill/>
               </a:ln>
@@ -4186,7 +4191,7 @@
               <a:buNone/>
               <a:tabLst/>
             </a:pPr>
-            <a:endParaRPr kumimoji="0" lang="fr-CH" sz="1400" b="1" i="0" u="none" strike="noStrike" cap="none" normalizeH="0" baseline="0" dirty="0" smtClean="0">
+            <a:endParaRPr kumimoji="0" lang="fr-CH" sz="1400" b="1" i="0" u="none" strike="noStrike" cap="none" normalizeH="0" baseline="0" dirty="0">
               <a:ln>
                 <a:noFill/>
               </a:ln>
@@ -4211,7 +4216,7 @@
               <a:buNone/>
               <a:tabLst/>
             </a:pPr>
-            <a:endParaRPr lang="fr-CH" sz="1400" b="1" dirty="0" smtClean="0">
+            <a:endParaRPr lang="fr-CH" sz="1400" b="1" dirty="0">
               <a:latin typeface="Lucida Console" pitchFamily="49" charset="0"/>
             </a:endParaRPr>
           </a:p>
@@ -4233,13 +4238,13 @@
               <a:tabLst/>
             </a:pPr>
             <a:r>
-              <a:rPr lang="fr-CH" sz="1400" b="1" dirty="0" smtClean="0">
+              <a:rPr lang="fr-CH" sz="1400" b="1" dirty="0">
                 <a:latin typeface="Lucida Console" pitchFamily="49" charset="0"/>
               </a:rPr>
               <a:t>    </a:t>
             </a:r>
             <a:r>
-              <a:rPr kumimoji="0" lang="fr-CH" sz="1400" b="1" i="0" u="none" strike="noStrike" cap="none" normalizeH="0" baseline="0" dirty="0" smtClean="0">
+              <a:rPr kumimoji="0" lang="fr-CH" sz="1400" b="1" i="0" u="none" strike="noStrike" cap="none" normalizeH="0" baseline="0" dirty="0">
                 <a:ln>
                   <a:noFill/>
                 </a:ln>
@@ -4249,13 +4254,13 @@
               <a:t>A fatal exception </a:t>
             </a:r>
             <a:r>
-              <a:rPr lang="fr-CH" sz="1400" b="1" dirty="0" smtClean="0">
+              <a:rPr lang="fr-CH" sz="1400" b="1" dirty="0">
                 <a:latin typeface="Lucida Console" pitchFamily="49" charset="0"/>
               </a:rPr>
               <a:t>8E</a:t>
             </a:r>
             <a:r>
-              <a:rPr kumimoji="0" lang="fr-CH" sz="1400" b="1" i="0" u="none" strike="noStrike" cap="none" normalizeH="0" baseline="0" dirty="0" smtClean="0">
+              <a:rPr kumimoji="0" lang="fr-CH" sz="1400" b="1" i="0" u="none" strike="noStrike" cap="none" normalizeH="0" baseline="0" dirty="0">
                 <a:ln>
                   <a:noFill/>
                 </a:ln>
@@ -4265,7 +4270,7 @@
               <a:t> has </a:t>
             </a:r>
             <a:r>
-              <a:rPr kumimoji="0" lang="fr-CH" sz="1400" b="1" i="0" u="none" strike="noStrike" cap="none" normalizeH="0" baseline="0" dirty="0" err="1" smtClean="0">
+              <a:rPr kumimoji="0" lang="fr-CH" sz="1400" b="1" i="0" u="none" strike="noStrike" cap="none" normalizeH="0" baseline="0" dirty="0" err="1">
                 <a:ln>
                   <a:noFill/>
                 </a:ln>
@@ -4275,7 +4280,7 @@
               <a:t>occurred</a:t>
             </a:r>
             <a:r>
-              <a:rPr kumimoji="0" lang="fr-CH" sz="1400" b="1" i="0" u="none" strike="noStrike" cap="none" normalizeH="0" dirty="0" smtClean="0">
+              <a:rPr kumimoji="0" lang="fr-CH" sz="1400" b="1" i="0" u="none" strike="noStrike" cap="none" normalizeH="0" dirty="0">
                 <a:ln>
                   <a:noFill/>
                 </a:ln>
@@ -4285,7 +4290,7 @@
               <a:t> </a:t>
             </a:r>
             <a:r>
-              <a:rPr kumimoji="0" lang="fr-CH" sz="1400" b="1" i="0" u="none" strike="noStrike" cap="none" normalizeH="0" dirty="0" err="1" smtClean="0">
+              <a:rPr kumimoji="0" lang="fr-CH" sz="1400" b="1" i="0" u="none" strike="noStrike" cap="none" normalizeH="0" dirty="0" err="1">
                 <a:ln>
                   <a:noFill/>
                 </a:ln>
@@ -4295,7 +4300,7 @@
               <a:t>at</a:t>
             </a:r>
             <a:r>
-              <a:rPr kumimoji="0" lang="fr-CH" sz="1400" b="1" i="0" u="none" strike="noStrike" cap="none" normalizeH="0" dirty="0" smtClean="0">
+              <a:rPr kumimoji="0" lang="fr-CH" sz="1400" b="1" i="0" u="none" strike="noStrike" cap="none" normalizeH="0" dirty="0">
                 <a:ln>
                   <a:noFill/>
                 </a:ln>
@@ -4323,7 +4328,7 @@
               <a:tabLst/>
             </a:pPr>
             <a:r>
-              <a:rPr kumimoji="0" lang="fr-CH" sz="1400" b="1" i="0" u="none" strike="noStrike" cap="none" normalizeH="0" dirty="0" smtClean="0">
+              <a:rPr kumimoji="0" lang="fr-CH" sz="1400" b="1" i="0" u="none" strike="noStrike" cap="none" normalizeH="0" dirty="0">
                 <a:ln>
                   <a:noFill/>
                 </a:ln>
@@ -4333,7 +4338,7 @@
               <a:t>    883FA2332EBD. The </a:t>
             </a:r>
             <a:r>
-              <a:rPr kumimoji="0" lang="fr-CH" sz="1400" b="1" i="0" u="none" strike="noStrike" cap="none" normalizeH="0" dirty="0" err="1" smtClean="0">
+              <a:rPr kumimoji="0" lang="fr-CH" sz="1400" b="1" i="0" u="none" strike="noStrike" cap="none" normalizeH="0" dirty="0" err="1">
                 <a:ln>
                   <a:noFill/>
                 </a:ln>
@@ -4343,7 +4348,7 @@
               <a:t>current</a:t>
             </a:r>
             <a:r>
-              <a:rPr kumimoji="0" lang="fr-CH" sz="1400" b="1" i="0" u="none" strike="noStrike" cap="none" normalizeH="0" dirty="0" smtClean="0">
+              <a:rPr kumimoji="0" lang="fr-CH" sz="1400" b="1" i="0" u="none" strike="noStrike" cap="none" normalizeH="0" dirty="0">
                 <a:ln>
                   <a:noFill/>
                 </a:ln>
@@ -4353,7 +4358,7 @@
               <a:t> application </a:t>
             </a:r>
             <a:r>
-              <a:rPr kumimoji="0" lang="fr-CH" sz="1400" b="1" i="0" u="none" strike="noStrike" cap="none" normalizeH="0" dirty="0" err="1" smtClean="0">
+              <a:rPr kumimoji="0" lang="fr-CH" sz="1400" b="1" i="0" u="none" strike="noStrike" cap="none" normalizeH="0" dirty="0" err="1">
                 <a:ln>
                   <a:noFill/>
                 </a:ln>
@@ -4363,7 +4368,7 @@
               <a:t>will</a:t>
             </a:r>
             <a:r>
-              <a:rPr kumimoji="0" lang="fr-CH" sz="1400" b="1" i="0" u="none" strike="noStrike" cap="none" normalizeH="0" dirty="0" smtClean="0">
+              <a:rPr kumimoji="0" lang="fr-CH" sz="1400" b="1" i="0" u="none" strike="noStrike" cap="none" normalizeH="0" dirty="0">
                 <a:ln>
                   <a:noFill/>
                 </a:ln>
@@ -4373,7 +4378,7 @@
               <a:t> </a:t>
             </a:r>
             <a:r>
-              <a:rPr kumimoji="0" lang="fr-CH" sz="1400" b="1" i="0" u="none" strike="noStrike" cap="none" normalizeH="0" dirty="0" err="1" smtClean="0">
+              <a:rPr kumimoji="0" lang="fr-CH" sz="1400" b="1" i="0" u="none" strike="noStrike" cap="none" normalizeH="0" dirty="0" err="1">
                 <a:ln>
                   <a:noFill/>
                 </a:ln>
@@ -4383,7 +4388,7 @@
               <a:t>be</a:t>
             </a:r>
             <a:r>
-              <a:rPr kumimoji="0" lang="fr-CH" sz="1400" b="1" i="0" u="none" strike="noStrike" cap="none" normalizeH="0" dirty="0" smtClean="0">
+              <a:rPr kumimoji="0" lang="fr-CH" sz="1400" b="1" i="0" u="none" strike="noStrike" cap="none" normalizeH="0" dirty="0">
                 <a:ln>
                   <a:noFill/>
                 </a:ln>
@@ -4393,7 +4398,7 @@
               <a:t> </a:t>
             </a:r>
             <a:r>
-              <a:rPr kumimoji="0" lang="fr-CH" sz="1400" b="1" i="0" u="none" strike="noStrike" cap="none" normalizeH="0" dirty="0" err="1" smtClean="0">
+              <a:rPr kumimoji="0" lang="fr-CH" sz="1400" b="1" i="0" u="none" strike="noStrike" cap="none" normalizeH="0" dirty="0" err="1">
                 <a:ln>
                   <a:noFill/>
                 </a:ln>
@@ -4403,7 +4408,7 @@
               <a:t>terminated</a:t>
             </a:r>
             <a:r>
-              <a:rPr kumimoji="0" lang="fr-CH" sz="1400" b="1" i="0" u="none" strike="noStrike" cap="none" normalizeH="0" dirty="0" smtClean="0">
+              <a:rPr kumimoji="0" lang="fr-CH" sz="1400" b="1" i="0" u="none" strike="noStrike" cap="none" normalizeH="0" dirty="0">
                 <a:ln>
                   <a:noFill/>
                 </a:ln>
@@ -4413,7 +4418,7 @@
               <a:t>. </a:t>
             </a:r>
             <a:br>
-              <a:rPr kumimoji="0" lang="fr-CH" sz="1400" b="1" i="0" u="none" strike="noStrike" cap="none" normalizeH="0" dirty="0" smtClean="0">
+              <a:rPr kumimoji="0" lang="fr-CH" sz="1400" b="1" i="0" u="none" strike="noStrike" cap="none" normalizeH="0" dirty="0">
                 <a:ln>
                   <a:noFill/>
                 </a:ln>
@@ -4421,18 +4426,8 @@
                 <a:latin typeface="Lucida Console" pitchFamily="49" charset="0"/>
               </a:rPr>
             </a:br>
-            <a:r>
-              <a:rPr kumimoji="0" lang="fr-CH" sz="1400" b="1" i="0" u="none" strike="noStrike" cap="none" normalizeH="0" dirty="0" smtClean="0">
-                <a:ln>
-                  <a:noFill/>
-                </a:ln>
-                <a:effectLst/>
-                <a:latin typeface="Lucida Console" pitchFamily="49" charset="0"/>
-              </a:rPr>
-              <a:t/>
-            </a:r>
             <a:br>
-              <a:rPr kumimoji="0" lang="fr-CH" sz="1400" b="1" i="0" u="none" strike="noStrike" cap="none" normalizeH="0" dirty="0" smtClean="0">
+              <a:rPr kumimoji="0" lang="fr-CH" sz="1400" b="1" i="0" u="none" strike="noStrike" cap="none" normalizeH="0" dirty="0">
                 <a:ln>
                   <a:noFill/>
                 </a:ln>
@@ -4441,7 +4436,7 @@
               </a:rPr>
             </a:br>
             <a:r>
-              <a:rPr kumimoji="0" lang="fr-CH" sz="1400" b="1" i="0" u="none" strike="noStrike" cap="none" normalizeH="0" dirty="0" smtClean="0">
+              <a:rPr kumimoji="0" lang="fr-CH" sz="1400" b="1" i="0" u="none" strike="noStrike" cap="none" normalizeH="0" dirty="0">
                 <a:ln>
                   <a:noFill/>
                 </a:ln>
@@ -4471,7 +4466,7 @@
               <a:buNone/>
               <a:tabLst/>
             </a:pPr>
-            <a:endParaRPr lang="fr-CH" sz="1400" b="1" baseline="0" dirty="0" smtClean="0">
+            <a:endParaRPr lang="fr-CH" sz="1400" b="1" baseline="0" dirty="0">
               <a:solidFill>
                 <a:schemeClr val="bg1"/>
               </a:solidFill>
@@ -4495,7 +4490,7 @@
               <a:buNone/>
               <a:tabLst/>
             </a:pPr>
-            <a:endParaRPr kumimoji="0" lang="fr-CH" sz="1400" b="1" i="0" u="none" strike="noStrike" cap="none" normalizeH="0" dirty="0" smtClean="0">
+            <a:endParaRPr kumimoji="0" lang="fr-CH" sz="1400" b="1" i="0" u="none" strike="noStrike" cap="none" normalizeH="0" dirty="0">
               <a:ln>
                 <a:noFill/>
               </a:ln>
@@ -4523,7 +4518,7 @@
               <a:buNone/>
               <a:tabLst/>
             </a:pPr>
-            <a:endParaRPr lang="fr-CH" sz="1400" b="1" baseline="0" dirty="0" smtClean="0">
+            <a:endParaRPr lang="fr-CH" sz="1400" b="1" baseline="0" dirty="0">
               <a:solidFill>
                 <a:schemeClr val="bg1"/>
               </a:solidFill>
@@ -4547,7 +4542,7 @@
               <a:buNone/>
               <a:tabLst/>
             </a:pPr>
-            <a:endParaRPr kumimoji="0" lang="fr-CH" sz="1400" b="1" i="0" u="none" strike="noStrike" cap="none" normalizeH="0" dirty="0" smtClean="0">
+            <a:endParaRPr kumimoji="0" lang="fr-CH" sz="1400" b="1" i="0" u="none" strike="noStrike" cap="none" normalizeH="0" dirty="0">
               <a:ln>
                 <a:noFill/>
               </a:ln>
@@ -4575,7 +4570,7 @@
               <a:buNone/>
               <a:tabLst/>
             </a:pPr>
-            <a:endParaRPr lang="fr-CH" sz="1400" b="1" baseline="0" dirty="0" smtClean="0">
+            <a:endParaRPr lang="fr-CH" sz="1400" b="1" baseline="0" dirty="0">
               <a:solidFill>
                 <a:schemeClr val="bg1"/>
               </a:solidFill>
@@ -4599,7 +4594,7 @@
               <a:buNone/>
               <a:tabLst/>
             </a:pPr>
-            <a:endParaRPr kumimoji="0" lang="fr-CH" sz="1400" b="1" i="0" u="none" strike="noStrike" cap="none" normalizeH="0" dirty="0" smtClean="0">
+            <a:endParaRPr kumimoji="0" lang="fr-CH" sz="1400" b="1" i="0" u="none" strike="noStrike" cap="none" normalizeH="0" dirty="0">
               <a:ln>
                 <a:noFill/>
               </a:ln>
@@ -4627,7 +4622,7 @@
               <a:buNone/>
               <a:tabLst/>
             </a:pPr>
-            <a:endParaRPr kumimoji="0" lang="fr-CH" sz="1400" b="1" i="0" u="none" strike="noStrike" cap="none" normalizeH="0" baseline="0" dirty="0" smtClean="0">
+            <a:endParaRPr kumimoji="0" lang="fr-CH" sz="1400" b="1" i="0" u="none" strike="noStrike" cap="none" normalizeH="0" baseline="0" dirty="0">
               <a:ln>
                 <a:noFill/>
               </a:ln>
@@ -4961,105 +4956,105 @@
           <a:lstStyle/>
           <a:p>
             <a:r>
-              <a:rPr lang="fr-CH" dirty="0" smtClean="0"/>
+              <a:rPr lang="fr-CH" dirty="0"/>
               <a:t>	Robert </a:t>
             </a:r>
             <a:r>
-              <a:rPr lang="fr-CH" dirty="0" err="1" smtClean="0"/>
+              <a:rPr lang="fr-CH" dirty="0" err="1"/>
               <a:t>is</a:t>
             </a:r>
             <a:r>
-              <a:rPr lang="fr-CH" dirty="0" smtClean="0"/>
+              <a:rPr lang="fr-CH" dirty="0"/>
               <a:t> a </a:t>
             </a:r>
             <a:r>
-              <a:rPr lang="fr-CH" dirty="0" err="1" smtClean="0"/>
+              <a:rPr lang="fr-CH" dirty="0" err="1"/>
               <a:t>philosoph</a:t>
             </a:r>
             <a:r>
-              <a:rPr lang="fr-CH" dirty="0" smtClean="0"/>
+              <a:rPr lang="fr-CH" dirty="0"/>
               <a:t> and </a:t>
             </a:r>
             <a:r>
-              <a:rPr lang="fr-CH" dirty="0" err="1" smtClean="0"/>
+              <a:rPr lang="fr-CH" dirty="0" err="1"/>
               <a:t>takes</a:t>
             </a:r>
             <a:r>
-              <a:rPr lang="fr-CH" dirty="0" smtClean="0"/>
+              <a:rPr lang="fr-CH" dirty="0"/>
               <a:t> a cold </a:t>
             </a:r>
             <a:r>
-              <a:rPr lang="fr-CH" dirty="0" err="1" smtClean="0"/>
+              <a:rPr lang="fr-CH" dirty="0" err="1"/>
               <a:t>shower</a:t>
             </a:r>
             <a:r>
-              <a:rPr lang="fr-CH" dirty="0" smtClean="0"/>
+              <a:rPr lang="fr-CH" dirty="0"/>
               <a:t>. </a:t>
             </a:r>
           </a:p>
           <a:p>
-            <a:endParaRPr lang="fr-CH" dirty="0" smtClean="0"/>
-          </a:p>
-          <a:p>
-            <a:r>
-              <a:rPr lang="fr-CH" dirty="0" smtClean="0"/>
+            <a:endParaRPr lang="fr-CH" dirty="0"/>
+          </a:p>
+          <a:p>
+            <a:r>
+              <a:rPr lang="fr-CH" dirty="0"/>
               <a:t>	</a:t>
             </a:r>
             <a:r>
-              <a:rPr lang="fr-CH" dirty="0" err="1" smtClean="0"/>
+              <a:rPr lang="fr-CH" dirty="0" err="1"/>
               <a:t>Now</a:t>
             </a:r>
             <a:r>
-              <a:rPr lang="fr-CH" dirty="0" smtClean="0"/>
+              <a:rPr lang="fr-CH" dirty="0"/>
               <a:t> </a:t>
             </a:r>
             <a:r>
-              <a:rPr lang="fr-CH" dirty="0" err="1" smtClean="0"/>
+              <a:rPr lang="fr-CH" dirty="0" err="1"/>
               <a:t>is</a:t>
             </a:r>
             <a:r>
-              <a:rPr lang="fr-CH" dirty="0" smtClean="0"/>
+              <a:rPr lang="fr-CH" dirty="0"/>
               <a:t> time for a good, hot, </a:t>
             </a:r>
             <a:r>
-              <a:rPr lang="fr-CH" dirty="0" err="1" smtClean="0"/>
+              <a:rPr lang="fr-CH" dirty="0" err="1"/>
               <a:t>espresso</a:t>
             </a:r>
             <a:r>
-              <a:rPr lang="fr-CH" dirty="0" smtClean="0"/>
+              <a:rPr lang="fr-CH" dirty="0"/>
               <a:t>. Robert imagines the </a:t>
             </a:r>
             <a:r>
-              <a:rPr lang="fr-CH" dirty="0" err="1" smtClean="0"/>
+              <a:rPr lang="fr-CH" dirty="0" err="1"/>
               <a:t>smell</a:t>
             </a:r>
             <a:r>
-              <a:rPr lang="fr-CH" dirty="0" smtClean="0"/>
+              <a:rPr lang="fr-CH" dirty="0"/>
               <a:t> of the first coffee of the </a:t>
             </a:r>
             <a:r>
-              <a:rPr lang="fr-CH" dirty="0" err="1" smtClean="0"/>
+              <a:rPr lang="fr-CH" dirty="0" err="1"/>
               <a:t>day</a:t>
             </a:r>
             <a:r>
-              <a:rPr lang="fr-CH" dirty="0" smtClean="0"/>
+              <a:rPr lang="fr-CH" dirty="0"/>
               <a:t> and </a:t>
             </a:r>
             <a:r>
-              <a:rPr lang="fr-CH" dirty="0" err="1" smtClean="0"/>
+              <a:rPr lang="fr-CH" dirty="0" err="1"/>
               <a:t>smiles</a:t>
             </a:r>
             <a:r>
-              <a:rPr lang="fr-CH" dirty="0" smtClean="0"/>
+              <a:rPr lang="fr-CH" dirty="0"/>
               <a:t> …</a:t>
             </a:r>
           </a:p>
           <a:p>
-            <a:endParaRPr lang="fr-CH" dirty="0" smtClean="0"/>
-          </a:p>
-          <a:p>
-            <a:r>
-              <a:rPr lang="fr-CH" dirty="0" smtClean="0"/>
+            <a:endParaRPr lang="fr-CH" dirty="0"/>
+          </a:p>
+          <a:p>
+            <a:r>
+              <a:rPr lang="fr-CH" dirty="0"/>
               <a:t>	…but no coffee !  </a:t>
             </a:r>
           </a:p>
@@ -5286,137 +5281,137 @@
           <a:lstStyle/>
           <a:p>
             <a:r>
-              <a:rPr lang="fr-CH" dirty="0" smtClean="0"/>
+              <a:rPr lang="fr-CH" dirty="0"/>
               <a:t>Robert </a:t>
             </a:r>
             <a:r>
-              <a:rPr lang="fr-CH" dirty="0" err="1" smtClean="0"/>
+              <a:rPr lang="fr-CH" dirty="0" err="1"/>
               <a:t>re</a:t>
             </a:r>
             <a:r>
-              <a:rPr lang="fr-CH" dirty="0" smtClean="0"/>
+              <a:rPr lang="fr-CH" dirty="0"/>
               <a:t>-</a:t>
             </a:r>
             <a:r>
-              <a:rPr lang="fr-CH" dirty="0" err="1" smtClean="0"/>
+              <a:rPr lang="fr-CH" dirty="0" err="1"/>
               <a:t>programmed</a:t>
             </a:r>
             <a:r>
-              <a:rPr lang="fr-CH" dirty="0" smtClean="0"/>
+              <a:rPr lang="fr-CH" dirty="0"/>
               <a:t> </a:t>
             </a:r>
             <a:r>
-              <a:rPr lang="fr-CH" dirty="0" err="1" smtClean="0"/>
+              <a:rPr lang="fr-CH" dirty="0" err="1"/>
               <a:t>his</a:t>
             </a:r>
             <a:r>
-              <a:rPr lang="fr-CH" dirty="0" smtClean="0"/>
+              <a:rPr lang="fr-CH" dirty="0"/>
               <a:t> end user </a:t>
             </a:r>
             <a:r>
-              <a:rPr lang="fr-CH" dirty="0" err="1" smtClean="0"/>
+              <a:rPr lang="fr-CH" dirty="0" err="1"/>
               <a:t>preferences</a:t>
             </a:r>
             <a:r>
-              <a:rPr lang="fr-CH" dirty="0" smtClean="0"/>
+              <a:rPr lang="fr-CH" dirty="0"/>
               <a:t> in the smart </a:t>
             </a:r>
             <a:r>
-              <a:rPr lang="fr-CH" dirty="0" err="1" smtClean="0"/>
+              <a:rPr lang="fr-CH" dirty="0" err="1"/>
               <a:t>grid</a:t>
             </a:r>
             <a:r>
-              <a:rPr lang="fr-CH" dirty="0" smtClean="0"/>
+              <a:rPr lang="fr-CH" dirty="0"/>
               <a:t> </a:t>
             </a:r>
             <a:r>
-              <a:rPr lang="fr-CH" dirty="0" err="1" smtClean="0"/>
+              <a:rPr lang="fr-CH" dirty="0" err="1"/>
               <a:t>yesterday</a:t>
             </a:r>
             <a:r>
-              <a:rPr lang="fr-CH" dirty="0" smtClean="0"/>
+              <a:rPr lang="fr-CH" dirty="0"/>
               <a:t> night and made a </a:t>
             </a:r>
             <a:r>
-              <a:rPr lang="fr-CH" dirty="0" err="1" smtClean="0"/>
+              <a:rPr lang="fr-CH" dirty="0" err="1"/>
               <a:t>mistake</a:t>
             </a:r>
             <a:r>
-              <a:rPr lang="fr-CH" dirty="0" smtClean="0"/>
+              <a:rPr lang="fr-CH" dirty="0"/>
               <a:t> !</a:t>
             </a:r>
           </a:p>
           <a:p>
-            <a:endParaRPr lang="fr-CH" dirty="0" smtClean="0"/>
-          </a:p>
-          <a:p>
-            <a:r>
-              <a:rPr lang="fr-CH" dirty="0" err="1" smtClean="0"/>
+            <a:endParaRPr lang="fr-CH" dirty="0"/>
+          </a:p>
+          <a:p>
+            <a:r>
+              <a:rPr lang="fr-CH" dirty="0" err="1"/>
               <a:t>Fortunately</a:t>
             </a:r>
             <a:r>
-              <a:rPr lang="fr-CH" dirty="0" smtClean="0"/>
+              <a:rPr lang="fr-CH" dirty="0"/>
               <a:t>, the </a:t>
             </a:r>
             <a:r>
-              <a:rPr lang="fr-CH" dirty="0" err="1" smtClean="0"/>
+              <a:rPr lang="fr-CH" dirty="0" err="1"/>
               <a:t>fridge</a:t>
             </a:r>
             <a:r>
-              <a:rPr lang="fr-CH" dirty="0" smtClean="0"/>
+              <a:rPr lang="fr-CH" dirty="0"/>
               <a:t> </a:t>
             </a:r>
             <a:r>
-              <a:rPr lang="fr-CH" dirty="0" err="1" smtClean="0"/>
+              <a:rPr lang="fr-CH" dirty="0" err="1"/>
               <a:t>works</a:t>
             </a:r>
             <a:r>
-              <a:rPr lang="fr-CH" dirty="0" smtClean="0"/>
+              <a:rPr lang="fr-CH" dirty="0"/>
               <a:t> and </a:t>
             </a:r>
             <a:r>
-              <a:rPr lang="fr-CH" dirty="0" err="1" smtClean="0"/>
+              <a:rPr lang="fr-CH" dirty="0" err="1"/>
               <a:t>there</a:t>
             </a:r>
             <a:r>
-              <a:rPr lang="fr-CH" dirty="0" smtClean="0"/>
+              <a:rPr lang="fr-CH" dirty="0"/>
               <a:t> </a:t>
             </a:r>
             <a:r>
-              <a:rPr lang="fr-CH" dirty="0" err="1" smtClean="0"/>
+              <a:rPr lang="fr-CH" dirty="0" err="1"/>
               <a:t>is</a:t>
             </a:r>
             <a:r>
-              <a:rPr lang="fr-CH" dirty="0" smtClean="0"/>
+              <a:rPr lang="fr-CH" dirty="0"/>
               <a:t> </a:t>
             </a:r>
             <a:r>
-              <a:rPr lang="fr-CH" dirty="0" err="1" smtClean="0"/>
+              <a:rPr lang="fr-CH" dirty="0" err="1"/>
               <a:t>some</a:t>
             </a:r>
             <a:r>
-              <a:rPr lang="fr-CH" dirty="0" smtClean="0"/>
+              <a:rPr lang="fr-CH" dirty="0"/>
               <a:t> orange </a:t>
             </a:r>
             <a:r>
-              <a:rPr lang="fr-CH" dirty="0" err="1" smtClean="0"/>
+              <a:rPr lang="fr-CH" dirty="0" err="1"/>
               <a:t>juice</a:t>
             </a:r>
             <a:r>
-              <a:rPr lang="fr-CH" dirty="0" smtClean="0"/>
+              <a:rPr lang="fr-CH" dirty="0"/>
               <a:t> </a:t>
             </a:r>
             <a:r>
-              <a:rPr lang="fr-CH" dirty="0" err="1" smtClean="0"/>
+              <a:rPr lang="fr-CH" dirty="0" err="1"/>
               <a:t>left</a:t>
             </a:r>
             <a:r>
-              <a:rPr lang="fr-CH" dirty="0" smtClean="0"/>
+              <a:rPr lang="fr-CH" dirty="0"/>
               <a:t>.</a:t>
             </a:r>
           </a:p>
           <a:p>
-            <a:endParaRPr lang="fr-CH" dirty="0" smtClean="0"/>
+            <a:endParaRPr lang="fr-CH" dirty="0"/>
           </a:p>
         </p:txBody>
       </p:sp>
@@ -5592,175 +5587,174 @@
           <a:lstStyle/>
           <a:p>
             <a:r>
-              <a:rPr lang="fr-CH" dirty="0" smtClean="0"/>
+              <a:rPr lang="fr-CH" dirty="0"/>
               <a:t>Robert </a:t>
             </a:r>
             <a:r>
-              <a:rPr lang="fr-CH" dirty="0" err="1" smtClean="0"/>
+              <a:rPr lang="fr-CH" dirty="0" err="1"/>
               <a:t>now</a:t>
             </a:r>
             <a:r>
-              <a:rPr lang="fr-CH" dirty="0" smtClean="0"/>
+              <a:rPr lang="fr-CH" dirty="0"/>
               <a:t> </a:t>
             </a:r>
             <a:r>
-              <a:rPr lang="fr-CH" dirty="0" err="1" smtClean="0"/>
+              <a:rPr lang="fr-CH" dirty="0" err="1"/>
               <a:t>walks</a:t>
             </a:r>
             <a:r>
-              <a:rPr lang="fr-CH" dirty="0" smtClean="0"/>
+              <a:rPr lang="fr-CH" dirty="0"/>
               <a:t> to </a:t>
             </a:r>
             <a:r>
-              <a:rPr lang="fr-CH" dirty="0" err="1" smtClean="0"/>
+              <a:rPr lang="fr-CH" dirty="0" err="1"/>
               <a:t>his</a:t>
             </a:r>
             <a:r>
-              <a:rPr lang="fr-CH" dirty="0" smtClean="0"/>
+              <a:rPr lang="fr-CH" dirty="0"/>
               <a:t> </a:t>
             </a:r>
             <a:r>
-              <a:rPr lang="fr-CH" dirty="0" err="1" smtClean="0"/>
+              <a:rPr lang="fr-CH" dirty="0" err="1"/>
               <a:t>lounge</a:t>
             </a:r>
             <a:r>
-              <a:rPr lang="fr-CH" dirty="0" smtClean="0"/>
+              <a:rPr lang="fr-CH" dirty="0"/>
               <a:t> and </a:t>
             </a:r>
             <a:r>
-              <a:rPr lang="fr-CH" dirty="0" err="1" smtClean="0"/>
+              <a:rPr lang="fr-CH" dirty="0" err="1"/>
               <a:t>prepares</a:t>
             </a:r>
             <a:r>
-              <a:rPr lang="fr-CH" dirty="0" smtClean="0"/>
+              <a:rPr lang="fr-CH" dirty="0"/>
               <a:t> to </a:t>
             </a:r>
             <a:r>
-              <a:rPr lang="fr-CH" dirty="0" err="1" smtClean="0"/>
+              <a:rPr lang="fr-CH" dirty="0" err="1"/>
               <a:t>work</a:t>
             </a:r>
             <a:r>
-              <a:rPr lang="fr-CH" dirty="0" smtClean="0"/>
+              <a:rPr lang="fr-CH" dirty="0"/>
               <a:t>. </a:t>
             </a:r>
             <a:r>
-              <a:rPr lang="fr-CH" dirty="0" err="1" smtClean="0"/>
+              <a:rPr lang="fr-CH" dirty="0" err="1"/>
               <a:t>Today</a:t>
             </a:r>
             <a:r>
-              <a:rPr lang="fr-CH" dirty="0" smtClean="0"/>
+              <a:rPr lang="fr-CH" dirty="0"/>
               <a:t>, Robert </a:t>
             </a:r>
             <a:r>
-              <a:rPr lang="fr-CH" dirty="0" err="1" smtClean="0"/>
+              <a:rPr lang="fr-CH" dirty="0" err="1"/>
               <a:t>is</a:t>
             </a:r>
             <a:r>
-              <a:rPr lang="fr-CH" dirty="0" smtClean="0"/>
+              <a:rPr lang="fr-CH" dirty="0"/>
               <a:t> </a:t>
             </a:r>
             <a:r>
-              <a:rPr lang="fr-CH" dirty="0" err="1" smtClean="0"/>
+              <a:rPr lang="fr-CH" dirty="0" err="1"/>
               <a:t>telecommuting</a:t>
             </a:r>
             <a:r>
-              <a:rPr lang="fr-CH" dirty="0" smtClean="0"/>
+              <a:rPr lang="fr-CH" dirty="0"/>
               <a:t> – </a:t>
             </a:r>
             <a:r>
-              <a:rPr lang="fr-CH" dirty="0" err="1" smtClean="0"/>
+              <a:rPr lang="fr-CH" dirty="0" err="1"/>
               <a:t>this</a:t>
             </a:r>
             <a:r>
-              <a:rPr lang="fr-CH" dirty="0" smtClean="0"/>
+              <a:rPr lang="fr-CH" dirty="0"/>
               <a:t> </a:t>
             </a:r>
             <a:r>
-              <a:rPr lang="fr-CH" dirty="0" err="1" smtClean="0"/>
+              <a:rPr lang="fr-CH" dirty="0" err="1"/>
               <a:t>saves</a:t>
             </a:r>
             <a:r>
-              <a:rPr lang="fr-CH" dirty="0" smtClean="0"/>
+              <a:rPr lang="fr-CH" dirty="0"/>
               <a:t> time and </a:t>
             </a:r>
             <a:r>
-              <a:rPr lang="fr-CH" dirty="0" err="1" smtClean="0"/>
+              <a:rPr lang="fr-CH" dirty="0" err="1"/>
               <a:t>energy</a:t>
             </a:r>
             <a:r>
-              <a:rPr lang="fr-CH" dirty="0" smtClean="0"/>
+              <a:rPr lang="fr-CH" dirty="0"/>
               <a:t>.</a:t>
             </a:r>
           </a:p>
           <a:p>
-            <a:endParaRPr lang="fr-CH" dirty="0" smtClean="0"/>
-          </a:p>
-          <a:p>
-            <a:r>
-              <a:rPr lang="fr-CH" dirty="0" err="1" smtClean="0"/>
+            <a:endParaRPr lang="fr-CH" dirty="0"/>
+          </a:p>
+          <a:p>
+            <a:r>
+              <a:rPr lang="fr-CH" dirty="0" err="1"/>
               <a:t>Strange</a:t>
             </a:r>
             <a:r>
-              <a:rPr lang="fr-CH" dirty="0" smtClean="0"/>
+              <a:rPr lang="fr-CH" dirty="0"/>
               <a:t>, the </a:t>
             </a:r>
             <a:r>
-              <a:rPr lang="fr-CH" dirty="0" err="1" smtClean="0"/>
+              <a:rPr lang="fr-CH" dirty="0" err="1"/>
               <a:t>lounge</a:t>
             </a:r>
             <a:r>
-              <a:rPr lang="fr-CH" dirty="0" smtClean="0"/>
+              <a:rPr lang="fr-CH" dirty="0"/>
               <a:t> </a:t>
             </a:r>
             <a:r>
-              <a:rPr lang="fr-CH" dirty="0" err="1" smtClean="0"/>
+              <a:rPr lang="fr-CH" dirty="0" err="1"/>
               <a:t>is</a:t>
             </a:r>
             <a:r>
-              <a:rPr lang="fr-CH" dirty="0" smtClean="0"/>
+              <a:rPr lang="fr-CH" dirty="0"/>
               <a:t> </a:t>
             </a:r>
             <a:r>
-              <a:rPr lang="fr-CH" dirty="0" err="1" smtClean="0"/>
+              <a:rPr lang="fr-CH" dirty="0" err="1"/>
               <a:t>dark</a:t>
             </a:r>
             <a:r>
-              <a:rPr lang="fr-CH" dirty="0" smtClean="0"/>
+              <a:rPr lang="fr-CH" dirty="0"/>
               <a:t> – </a:t>
             </a:r>
             <a:r>
-              <a:rPr lang="fr-CH" dirty="0" err="1" smtClean="0"/>
+              <a:rPr lang="fr-CH" dirty="0" err="1"/>
               <a:t>shutters</a:t>
             </a:r>
             <a:r>
-              <a:rPr lang="fr-CH" dirty="0" smtClean="0"/>
+              <a:rPr lang="fr-CH" dirty="0"/>
               <a:t> are </a:t>
             </a:r>
             <a:r>
-              <a:rPr lang="fr-CH" dirty="0" err="1" smtClean="0"/>
+              <a:rPr lang="fr-CH" dirty="0" err="1"/>
               <a:t>blocked</a:t>
             </a:r>
             <a:r>
-              <a:rPr lang="fr-CH" dirty="0" smtClean="0"/>
+              <a:rPr lang="fr-CH" dirty="0"/>
               <a:t> </a:t>
             </a:r>
             <a:r>
-              <a:rPr lang="fr-CH" dirty="0" err="1" smtClean="0"/>
+              <a:rPr lang="fr-CH" dirty="0" err="1"/>
               <a:t>closed</a:t>
             </a:r>
             <a:r>
-              <a:rPr lang="fr-CH" dirty="0" smtClean="0"/>
+              <a:rPr lang="fr-CH" dirty="0"/>
               <a:t> … the home automation </a:t>
             </a:r>
             <a:r>
-              <a:rPr lang="fr-CH" dirty="0" err="1" smtClean="0"/>
+              <a:rPr lang="fr-CH" dirty="0" err="1"/>
               <a:t>controller</a:t>
             </a:r>
             <a:r>
-              <a:rPr lang="fr-CH" dirty="0" smtClean="0"/>
+              <a:rPr lang="fr-CH" dirty="0"/>
               <a:t>, of course !</a:t>
             </a:r>
-            <a:endParaRPr lang="fr-CH" dirty="0"/>
           </a:p>
         </p:txBody>
       </p:sp>
@@ -5936,115 +5930,114 @@
           <a:lstStyle/>
           <a:p>
             <a:r>
-              <a:rPr lang="fr-CH" dirty="0" smtClean="0"/>
+              <a:rPr lang="fr-CH" dirty="0"/>
               <a:t>Not a </a:t>
             </a:r>
             <a:r>
-              <a:rPr lang="fr-CH" dirty="0" err="1" smtClean="0"/>
+              <a:rPr lang="fr-CH" dirty="0" err="1"/>
               <a:t>serious</a:t>
             </a:r>
             <a:r>
-              <a:rPr lang="fr-CH" dirty="0" smtClean="0"/>
+              <a:rPr lang="fr-CH" dirty="0"/>
               <a:t> </a:t>
             </a:r>
             <a:r>
-              <a:rPr lang="fr-CH" dirty="0" err="1" smtClean="0"/>
+              <a:rPr lang="fr-CH" dirty="0" err="1"/>
               <a:t>problem</a:t>
             </a:r>
             <a:r>
-              <a:rPr lang="fr-CH" dirty="0" smtClean="0"/>
+              <a:rPr lang="fr-CH" dirty="0"/>
               <a:t> </a:t>
             </a:r>
             <a:r>
-              <a:rPr lang="fr-CH" dirty="0" err="1" smtClean="0"/>
+              <a:rPr lang="fr-CH" dirty="0" err="1"/>
               <a:t>anyhow</a:t>
             </a:r>
             <a:r>
-              <a:rPr lang="fr-CH" dirty="0" smtClean="0"/>
+              <a:rPr lang="fr-CH" dirty="0"/>
               <a:t>; the </a:t>
             </a:r>
             <a:r>
-              <a:rPr lang="fr-CH" dirty="0" err="1" smtClean="0"/>
+              <a:rPr lang="fr-CH" dirty="0" err="1"/>
               <a:t>shutters</a:t>
             </a:r>
             <a:r>
-              <a:rPr lang="fr-CH" dirty="0" smtClean="0"/>
+              <a:rPr lang="fr-CH" dirty="0"/>
               <a:t> </a:t>
             </a:r>
             <a:r>
-              <a:rPr lang="fr-CH" dirty="0" err="1" smtClean="0"/>
+              <a:rPr lang="fr-CH" dirty="0" err="1"/>
               <a:t>can</a:t>
             </a:r>
             <a:r>
-              <a:rPr lang="fr-CH" dirty="0" smtClean="0"/>
+              <a:rPr lang="fr-CH" dirty="0"/>
               <a:t> </a:t>
             </a:r>
             <a:r>
-              <a:rPr lang="fr-CH" dirty="0" err="1" smtClean="0"/>
+              <a:rPr lang="fr-CH" dirty="0" err="1"/>
               <a:t>be</a:t>
             </a:r>
             <a:r>
-              <a:rPr lang="fr-CH" dirty="0" smtClean="0"/>
+              <a:rPr lang="fr-CH" dirty="0"/>
               <a:t> </a:t>
             </a:r>
             <a:r>
-              <a:rPr lang="fr-CH" dirty="0" err="1" smtClean="0"/>
+              <a:rPr lang="fr-CH" dirty="0" err="1"/>
               <a:t>opened</a:t>
             </a:r>
             <a:r>
-              <a:rPr lang="fr-CH" dirty="0" smtClean="0"/>
+              <a:rPr lang="fr-CH" dirty="0"/>
               <a:t> </a:t>
             </a:r>
             <a:r>
-              <a:rPr lang="fr-CH" dirty="0" err="1" smtClean="0"/>
+              <a:rPr lang="fr-CH" dirty="0" err="1"/>
               <a:t>manually</a:t>
             </a:r>
             <a:r>
-              <a:rPr lang="fr-CH" dirty="0" smtClean="0"/>
+              <a:rPr lang="fr-CH" dirty="0"/>
               <a:t>.</a:t>
             </a:r>
           </a:p>
           <a:p>
-            <a:endParaRPr lang="fr-CH" dirty="0" smtClean="0"/>
-          </a:p>
-          <a:p>
-            <a:r>
-              <a:rPr lang="fr-CH" dirty="0" smtClean="0"/>
+            <a:endParaRPr lang="fr-CH" dirty="0"/>
+          </a:p>
+          <a:p>
+            <a:r>
+              <a:rPr lang="fr-CH" dirty="0"/>
               <a:t>Robert </a:t>
             </a:r>
             <a:r>
-              <a:rPr lang="fr-CH" dirty="0" err="1" smtClean="0"/>
+              <a:rPr lang="fr-CH" dirty="0" err="1"/>
               <a:t>sits</a:t>
             </a:r>
             <a:r>
-              <a:rPr lang="fr-CH" dirty="0" smtClean="0"/>
+              <a:rPr lang="fr-CH" dirty="0"/>
               <a:t> </a:t>
             </a:r>
             <a:r>
-              <a:rPr lang="fr-CH" dirty="0" err="1" smtClean="0"/>
+              <a:rPr lang="fr-CH" dirty="0" err="1"/>
               <a:t>at</a:t>
             </a:r>
             <a:r>
-              <a:rPr lang="fr-CH" dirty="0" smtClean="0"/>
+              <a:rPr lang="fr-CH" dirty="0"/>
               <a:t> </a:t>
             </a:r>
             <a:r>
-              <a:rPr lang="fr-CH" dirty="0" err="1" smtClean="0"/>
+              <a:rPr lang="fr-CH" dirty="0" err="1"/>
               <a:t>his</a:t>
             </a:r>
             <a:r>
-              <a:rPr lang="fr-CH" dirty="0" smtClean="0"/>
+              <a:rPr lang="fr-CH" dirty="0"/>
               <a:t> table and opens </a:t>
             </a:r>
             <a:r>
-              <a:rPr lang="fr-CH" dirty="0" err="1" smtClean="0"/>
+              <a:rPr lang="fr-CH" dirty="0" err="1"/>
               <a:t>his</a:t>
             </a:r>
             <a:r>
-              <a:rPr lang="fr-CH" dirty="0" smtClean="0"/>
+              <a:rPr lang="fr-CH" dirty="0"/>
               <a:t> desktop …</a:t>
             </a:r>
-            <a:endParaRPr lang="fr-CH" dirty="0"/>
           </a:p>
         </p:txBody>
       </p:sp>
@@ -6251,34 +6244,33 @@
           <a:lstStyle/>
           <a:p>
             <a:r>
-              <a:rPr lang="fr-CH" dirty="0" smtClean="0"/>
+              <a:rPr lang="fr-CH" dirty="0"/>
               <a:t>The </a:t>
             </a:r>
             <a:r>
-              <a:rPr lang="fr-CH" dirty="0" err="1" smtClean="0"/>
+              <a:rPr lang="fr-CH" dirty="0" err="1"/>
               <a:t>femtocell</a:t>
             </a:r>
             <a:r>
-              <a:rPr lang="fr-CH" dirty="0" smtClean="0"/>
+              <a:rPr lang="fr-CH" dirty="0"/>
               <a:t> has </a:t>
             </a:r>
             <a:r>
-              <a:rPr lang="fr-CH" dirty="0" err="1" smtClean="0"/>
+              <a:rPr lang="fr-CH" dirty="0" err="1"/>
               <a:t>burnt</a:t>
             </a:r>
             <a:r>
-              <a:rPr lang="fr-CH" dirty="0" smtClean="0"/>
+              <a:rPr lang="fr-CH" dirty="0"/>
               <a:t>, no internet </a:t>
             </a:r>
             <a:r>
-              <a:rPr lang="fr-CH" dirty="0" err="1" smtClean="0"/>
+              <a:rPr lang="fr-CH" dirty="0" err="1"/>
               <a:t>access</a:t>
             </a:r>
             <a:r>
-              <a:rPr lang="fr-CH" dirty="0" smtClean="0"/>
+              <a:rPr lang="fr-CH" dirty="0"/>
               <a:t> …</a:t>
             </a:r>
-            <a:endParaRPr lang="fr-CH" dirty="0"/>
           </a:p>
         </p:txBody>
       </p:sp>
@@ -6405,217 +6397,216 @@
           <a:lstStyle/>
           <a:p>
             <a:r>
-              <a:rPr lang="fr-CH" dirty="0" smtClean="0"/>
+              <a:rPr lang="fr-CH" dirty="0"/>
               <a:t>Robert </a:t>
             </a:r>
             <a:r>
-              <a:rPr lang="fr-CH" dirty="0" err="1" smtClean="0"/>
+              <a:rPr lang="fr-CH" dirty="0" err="1"/>
               <a:t>is</a:t>
             </a:r>
             <a:r>
-              <a:rPr lang="fr-CH" dirty="0" smtClean="0"/>
+              <a:rPr lang="fr-CH" dirty="0"/>
               <a:t> a bit </a:t>
             </a:r>
             <a:r>
-              <a:rPr lang="fr-CH" dirty="0" err="1" smtClean="0"/>
+              <a:rPr lang="fr-CH" dirty="0" err="1"/>
               <a:t>worried</a:t>
             </a:r>
             <a:r>
-              <a:rPr lang="fr-CH" dirty="0" smtClean="0"/>
+              <a:rPr lang="fr-CH" dirty="0"/>
               <a:t>. There </a:t>
             </a:r>
             <a:r>
-              <a:rPr lang="fr-CH" dirty="0" err="1" smtClean="0"/>
+              <a:rPr lang="fr-CH" dirty="0" err="1"/>
               <a:t>is</a:t>
             </a:r>
             <a:r>
-              <a:rPr lang="fr-CH" dirty="0" smtClean="0"/>
+              <a:rPr lang="fr-CH" dirty="0"/>
               <a:t> an important meeting </a:t>
             </a:r>
             <a:r>
-              <a:rPr lang="fr-CH" dirty="0" err="1" smtClean="0"/>
+              <a:rPr lang="fr-CH" dirty="0" err="1"/>
               <a:t>at</a:t>
             </a:r>
             <a:r>
-              <a:rPr lang="fr-CH" dirty="0" smtClean="0"/>
+              <a:rPr lang="fr-CH" dirty="0"/>
               <a:t> 10:00 </a:t>
             </a:r>
             <a:r>
-              <a:rPr lang="fr-CH" dirty="0" err="1" smtClean="0"/>
+              <a:rPr lang="fr-CH" dirty="0" err="1"/>
               <a:t>scheduled</a:t>
             </a:r>
             <a:r>
-              <a:rPr lang="fr-CH" dirty="0" smtClean="0"/>
+              <a:rPr lang="fr-CH" dirty="0"/>
               <a:t> </a:t>
             </a:r>
             <a:r>
-              <a:rPr lang="fr-CH" dirty="0" err="1" smtClean="0"/>
+              <a:rPr lang="fr-CH" dirty="0" err="1"/>
               <a:t>with</a:t>
             </a:r>
             <a:r>
-              <a:rPr lang="fr-CH" dirty="0" smtClean="0"/>
+              <a:rPr lang="fr-CH" dirty="0"/>
               <a:t> </a:t>
             </a:r>
             <a:r>
-              <a:rPr lang="fr-CH" dirty="0" err="1" smtClean="0"/>
+              <a:rPr lang="fr-CH" dirty="0" err="1"/>
               <a:t>two</a:t>
             </a:r>
             <a:r>
-              <a:rPr lang="fr-CH" dirty="0" smtClean="0"/>
+              <a:rPr lang="fr-CH" dirty="0"/>
               <a:t> </a:t>
             </a:r>
             <a:r>
-              <a:rPr lang="fr-CH" dirty="0" err="1" smtClean="0"/>
+              <a:rPr lang="fr-CH" dirty="0" err="1"/>
               <a:t>co</a:t>
             </a:r>
             <a:r>
-              <a:rPr lang="fr-CH" dirty="0" smtClean="0"/>
+              <a:rPr lang="fr-CH" dirty="0"/>
               <a:t>-</a:t>
             </a:r>
             <a:r>
-              <a:rPr lang="fr-CH" dirty="0" err="1" smtClean="0"/>
+              <a:rPr lang="fr-CH" dirty="0" err="1"/>
               <a:t>workers</a:t>
             </a:r>
             <a:r>
-              <a:rPr lang="fr-CH" dirty="0" smtClean="0"/>
+              <a:rPr lang="fr-CH" dirty="0"/>
               <a:t>. </a:t>
             </a:r>
           </a:p>
           <a:p>
             <a:r>
-              <a:rPr lang="fr-CH" dirty="0" smtClean="0"/>
+              <a:rPr lang="fr-CH" dirty="0"/>
               <a:t>« If I </a:t>
             </a:r>
             <a:r>
-              <a:rPr lang="fr-CH" dirty="0" err="1" smtClean="0"/>
+              <a:rPr lang="fr-CH" dirty="0" err="1"/>
               <a:t>am</a:t>
             </a:r>
             <a:r>
-              <a:rPr lang="fr-CH" dirty="0" smtClean="0"/>
+              <a:rPr lang="fr-CH" dirty="0"/>
               <a:t> not </a:t>
             </a:r>
             <a:r>
-              <a:rPr lang="fr-CH" dirty="0" err="1" smtClean="0"/>
+              <a:rPr lang="fr-CH" dirty="0" err="1"/>
               <a:t>at</a:t>
             </a:r>
             <a:r>
-              <a:rPr lang="fr-CH" dirty="0" smtClean="0"/>
+              <a:rPr lang="fr-CH" dirty="0"/>
               <a:t> </a:t>
             </a:r>
             <a:r>
-              <a:rPr lang="fr-CH" dirty="0" err="1" smtClean="0"/>
+              <a:rPr lang="fr-CH" dirty="0" err="1"/>
               <a:t>that</a:t>
             </a:r>
             <a:r>
-              <a:rPr lang="fr-CH" dirty="0" smtClean="0"/>
+              <a:rPr lang="fr-CH" dirty="0"/>
               <a:t> meeting, </a:t>
             </a:r>
             <a:r>
-              <a:rPr lang="fr-CH" dirty="0" err="1" smtClean="0"/>
+              <a:rPr lang="fr-CH" dirty="0" err="1"/>
               <a:t>it</a:t>
             </a:r>
             <a:r>
-              <a:rPr lang="fr-CH" dirty="0" smtClean="0"/>
+              <a:rPr lang="fr-CH" dirty="0"/>
               <a:t> </a:t>
             </a:r>
             <a:r>
-              <a:rPr lang="fr-CH" dirty="0" err="1" smtClean="0"/>
+              <a:rPr lang="fr-CH" dirty="0" err="1"/>
               <a:t>is</a:t>
             </a:r>
             <a:r>
-              <a:rPr lang="fr-CH" dirty="0" smtClean="0"/>
+              <a:rPr lang="fr-CH" dirty="0"/>
               <a:t> George </a:t>
             </a:r>
             <a:r>
-              <a:rPr lang="fr-CH" dirty="0" err="1" smtClean="0"/>
+              <a:rPr lang="fr-CH" dirty="0" err="1"/>
               <a:t>who</a:t>
             </a:r>
             <a:r>
-              <a:rPr lang="fr-CH" dirty="0" smtClean="0"/>
+              <a:rPr lang="fr-CH" dirty="0"/>
               <a:t> </a:t>
             </a:r>
             <a:r>
-              <a:rPr lang="fr-CH" dirty="0" err="1" smtClean="0"/>
+              <a:rPr lang="fr-CH" dirty="0" err="1"/>
               <a:t>will</a:t>
             </a:r>
             <a:r>
-              <a:rPr lang="fr-CH" dirty="0" smtClean="0"/>
+              <a:rPr lang="fr-CH" dirty="0"/>
               <a:t> </a:t>
             </a:r>
             <a:r>
-              <a:rPr lang="fr-CH" dirty="0" err="1" smtClean="0"/>
+              <a:rPr lang="fr-CH" dirty="0" err="1"/>
               <a:t>get</a:t>
             </a:r>
             <a:r>
-              <a:rPr lang="fr-CH" dirty="0" smtClean="0"/>
+              <a:rPr lang="fr-CH" dirty="0"/>
               <a:t> the </a:t>
             </a:r>
             <a:r>
-              <a:rPr lang="fr-CH" dirty="0" err="1" smtClean="0"/>
+              <a:rPr lang="fr-CH" dirty="0" err="1"/>
               <a:t>work</a:t>
             </a:r>
             <a:r>
-              <a:rPr lang="fr-CH" dirty="0" smtClean="0"/>
+              <a:rPr lang="fr-CH" dirty="0"/>
               <a:t>. I must </a:t>
             </a:r>
             <a:r>
-              <a:rPr lang="fr-CH" dirty="0" err="1" smtClean="0"/>
+              <a:rPr lang="fr-CH" dirty="0" err="1"/>
               <a:t>be</a:t>
             </a:r>
             <a:r>
-              <a:rPr lang="fr-CH" dirty="0" smtClean="0"/>
+              <a:rPr lang="fr-CH" dirty="0"/>
               <a:t> </a:t>
             </a:r>
             <a:r>
-              <a:rPr lang="fr-CH" dirty="0" err="1" smtClean="0"/>
+              <a:rPr lang="fr-CH" dirty="0" err="1"/>
               <a:t>there</a:t>
             </a:r>
             <a:r>
-              <a:rPr lang="fr-CH" dirty="0" smtClean="0"/>
+              <a:rPr lang="fr-CH" dirty="0"/>
               <a:t> »</a:t>
             </a:r>
           </a:p>
           <a:p>
-            <a:endParaRPr lang="fr-CH" dirty="0" smtClean="0"/>
-          </a:p>
-          <a:p>
-            <a:r>
-              <a:rPr lang="fr-CH" dirty="0" smtClean="0"/>
+            <a:endParaRPr lang="fr-CH" dirty="0"/>
+          </a:p>
+          <a:p>
+            <a:r>
+              <a:rPr lang="fr-CH" dirty="0"/>
               <a:t>Robert </a:t>
             </a:r>
             <a:r>
-              <a:rPr lang="fr-CH" dirty="0" err="1" smtClean="0"/>
+              <a:rPr lang="fr-CH" dirty="0" err="1"/>
               <a:t>decides</a:t>
             </a:r>
             <a:r>
-              <a:rPr lang="fr-CH" dirty="0" smtClean="0"/>
+              <a:rPr lang="fr-CH" dirty="0"/>
               <a:t> to do </a:t>
             </a:r>
             <a:r>
-              <a:rPr lang="fr-CH" dirty="0" err="1" smtClean="0"/>
+              <a:rPr lang="fr-CH" dirty="0" err="1"/>
               <a:t>something</a:t>
             </a:r>
             <a:r>
-              <a:rPr lang="fr-CH" dirty="0" smtClean="0"/>
+              <a:rPr lang="fr-CH" dirty="0"/>
               <a:t> </a:t>
             </a:r>
             <a:r>
-              <a:rPr lang="fr-CH" dirty="0" err="1" smtClean="0"/>
+              <a:rPr lang="fr-CH" dirty="0" err="1"/>
               <a:t>exceptional</a:t>
             </a:r>
             <a:r>
-              <a:rPr lang="fr-CH" dirty="0" smtClean="0"/>
+              <a:rPr lang="fr-CH" dirty="0"/>
               <a:t>: drive to </a:t>
             </a:r>
             <a:r>
-              <a:rPr lang="fr-CH" dirty="0" err="1" smtClean="0"/>
+              <a:rPr lang="fr-CH" dirty="0" err="1"/>
               <a:t>work</a:t>
             </a:r>
             <a:r>
-              <a:rPr lang="fr-CH" dirty="0" smtClean="0"/>
+              <a:rPr lang="fr-CH" dirty="0"/>
               <a:t> !</a:t>
             </a:r>
-            <a:endParaRPr lang="fr-CH" dirty="0"/>
           </a:p>
         </p:txBody>
       </p:sp>
@@ -6840,93 +6831,92 @@
           <a:lstStyle/>
           <a:p>
             <a:r>
-              <a:rPr lang="fr-CH" dirty="0" smtClean="0"/>
+              <a:rPr lang="fr-CH" dirty="0"/>
               <a:t>In the garage …</a:t>
             </a:r>
           </a:p>
           <a:p>
-            <a:endParaRPr lang="fr-CH" dirty="0" smtClean="0"/>
-          </a:p>
-          <a:p>
-            <a:r>
-              <a:rPr lang="fr-CH" dirty="0" smtClean="0"/>
+            <a:endParaRPr lang="fr-CH" dirty="0"/>
+          </a:p>
+          <a:p>
+            <a:r>
+              <a:rPr lang="fr-CH" dirty="0"/>
               <a:t>The e-car </a:t>
             </a:r>
             <a:r>
-              <a:rPr lang="fr-CH" dirty="0" err="1" smtClean="0"/>
+              <a:rPr lang="fr-CH" dirty="0" err="1"/>
               <a:t>is</a:t>
             </a:r>
             <a:r>
-              <a:rPr lang="fr-CH" dirty="0" smtClean="0"/>
+              <a:rPr lang="fr-CH" dirty="0"/>
               <a:t> not </a:t>
             </a:r>
             <a:r>
-              <a:rPr lang="fr-CH" dirty="0" err="1" smtClean="0"/>
+              <a:rPr lang="fr-CH" dirty="0" err="1"/>
               <a:t>charged</a:t>
             </a:r>
             <a:r>
-              <a:rPr lang="fr-CH" dirty="0" smtClean="0"/>
+              <a:rPr lang="fr-CH" dirty="0"/>
               <a:t>. </a:t>
             </a:r>
             <a:br>
-              <a:rPr lang="fr-CH" dirty="0" smtClean="0"/>
+              <a:rPr lang="fr-CH" dirty="0"/>
             </a:br>
-            <a:endParaRPr lang="fr-CH" dirty="0" smtClean="0"/>
-          </a:p>
-          <a:p>
-            <a:r>
-              <a:rPr lang="fr-CH" dirty="0" smtClean="0"/>
+            <a:endParaRPr lang="fr-CH" dirty="0"/>
+          </a:p>
+          <a:p>
+            <a:r>
+              <a:rPr lang="fr-CH" dirty="0"/>
               <a:t>The batteries </a:t>
             </a:r>
             <a:r>
-              <a:rPr lang="fr-CH" dirty="0" err="1" smtClean="0"/>
+              <a:rPr lang="fr-CH" dirty="0" err="1"/>
               <a:t>were</a:t>
             </a:r>
             <a:r>
-              <a:rPr lang="fr-CH" dirty="0" smtClean="0"/>
+              <a:rPr lang="fr-CH" dirty="0"/>
               <a:t> </a:t>
             </a:r>
             <a:r>
-              <a:rPr lang="fr-CH" dirty="0" err="1" smtClean="0"/>
+              <a:rPr lang="fr-CH" dirty="0" err="1"/>
               <a:t>used</a:t>
             </a:r>
             <a:r>
-              <a:rPr lang="fr-CH" dirty="0" smtClean="0"/>
+              <a:rPr lang="fr-CH" dirty="0"/>
               <a:t> to power the </a:t>
             </a:r>
             <a:r>
-              <a:rPr lang="fr-CH" dirty="0" err="1" smtClean="0"/>
+              <a:rPr lang="fr-CH" dirty="0" err="1"/>
               <a:t>grid</a:t>
             </a:r>
             <a:r>
-              <a:rPr lang="fr-CH" dirty="0" smtClean="0"/>
+              <a:rPr lang="fr-CH" dirty="0"/>
               <a:t>. Normal, Robert </a:t>
             </a:r>
             <a:r>
-              <a:rPr lang="fr-CH" dirty="0" err="1" smtClean="0"/>
+              <a:rPr lang="fr-CH" dirty="0" err="1"/>
               <a:t>did</a:t>
             </a:r>
             <a:r>
-              <a:rPr lang="fr-CH" dirty="0" smtClean="0"/>
+              <a:rPr lang="fr-CH" dirty="0"/>
               <a:t> not plan to go </a:t>
             </a:r>
             <a:r>
-              <a:rPr lang="fr-CH" dirty="0" err="1" smtClean="0"/>
+              <a:rPr lang="fr-CH" dirty="0" err="1"/>
               <a:t>anywhere</a:t>
             </a:r>
             <a:r>
-              <a:rPr lang="fr-CH" dirty="0" smtClean="0"/>
+              <a:rPr lang="fr-CH" dirty="0"/>
               <a:t> </a:t>
             </a:r>
             <a:r>
-              <a:rPr lang="fr-CH" dirty="0" err="1" smtClean="0"/>
+              <a:rPr lang="fr-CH" dirty="0" err="1"/>
               <a:t>today</a:t>
             </a:r>
             <a:r>
-              <a:rPr lang="fr-CH" dirty="0" smtClean="0"/>
+              <a:rPr lang="fr-CH" dirty="0"/>
               <a:t>…</a:t>
             </a:r>
-            <a:endParaRPr lang="fr-CH" dirty="0"/>
           </a:p>
         </p:txBody>
       </p:sp>
@@ -7151,92 +7141,91 @@
           <a:lstStyle/>
           <a:p>
             <a:r>
-              <a:rPr lang="fr-CH" dirty="0" smtClean="0"/>
+              <a:rPr lang="fr-CH" dirty="0"/>
               <a:t>Robert cycles to </a:t>
             </a:r>
             <a:r>
-              <a:rPr lang="fr-CH" dirty="0" err="1" smtClean="0"/>
+              <a:rPr lang="fr-CH" dirty="0" err="1"/>
               <a:t>work</a:t>
             </a:r>
-            <a:endParaRPr lang="fr-CH" dirty="0" smtClean="0"/>
-          </a:p>
-          <a:p>
-            <a:endParaRPr lang="fr-CH" dirty="0" smtClean="0"/>
-          </a:p>
-          <a:p>
-            <a:r>
-              <a:rPr lang="fr-CH" dirty="0" err="1" smtClean="0"/>
+            <a:endParaRPr lang="fr-CH" dirty="0"/>
+          </a:p>
+          <a:p>
+            <a:endParaRPr lang="fr-CH" dirty="0"/>
+          </a:p>
+          <a:p>
+            <a:r>
+              <a:rPr lang="fr-CH" dirty="0" err="1"/>
               <a:t>While</a:t>
             </a:r>
             <a:r>
-              <a:rPr lang="fr-CH" dirty="0" smtClean="0"/>
+              <a:rPr lang="fr-CH" dirty="0"/>
               <a:t> </a:t>
             </a:r>
             <a:r>
-              <a:rPr lang="fr-CH" dirty="0" err="1" smtClean="0"/>
+              <a:rPr lang="fr-CH" dirty="0" err="1"/>
               <a:t>pedalling</a:t>
             </a:r>
             <a:r>
-              <a:rPr lang="fr-CH" dirty="0" smtClean="0"/>
+              <a:rPr lang="fr-CH" dirty="0"/>
               <a:t> back home in the </a:t>
             </a:r>
             <a:r>
-              <a:rPr lang="fr-CH" dirty="0" err="1" smtClean="0"/>
+              <a:rPr lang="fr-CH" dirty="0" err="1"/>
               <a:t>evening</a:t>
             </a:r>
             <a:r>
-              <a:rPr lang="fr-CH" dirty="0" smtClean="0"/>
+              <a:rPr lang="fr-CH" dirty="0"/>
               <a:t>, </a:t>
             </a:r>
             <a:r>
-              <a:rPr lang="fr-CH" dirty="0" err="1" smtClean="0"/>
+              <a:rPr lang="fr-CH" dirty="0" err="1"/>
               <a:t>he</a:t>
             </a:r>
             <a:r>
-              <a:rPr lang="fr-CH" dirty="0" smtClean="0"/>
+              <a:rPr lang="fr-CH" dirty="0"/>
               <a:t> </a:t>
             </a:r>
             <a:r>
-              <a:rPr lang="fr-CH" dirty="0" err="1" smtClean="0"/>
+              <a:rPr lang="fr-CH" dirty="0" err="1"/>
               <a:t>hopes</a:t>
             </a:r>
             <a:r>
-              <a:rPr lang="fr-CH" dirty="0" smtClean="0"/>
+              <a:rPr lang="fr-CH" dirty="0"/>
               <a:t> </a:t>
             </a:r>
             <a:r>
-              <a:rPr lang="fr-CH" dirty="0" err="1" smtClean="0"/>
+              <a:rPr lang="fr-CH" dirty="0" err="1"/>
               <a:t>that</a:t>
             </a:r>
             <a:r>
-              <a:rPr lang="fr-CH" dirty="0" smtClean="0"/>
+              <a:rPr lang="fr-CH" dirty="0"/>
               <a:t> the </a:t>
             </a:r>
             <a:r>
-              <a:rPr lang="fr-CH" dirty="0" err="1" smtClean="0"/>
+              <a:rPr lang="fr-CH" dirty="0" err="1"/>
               <a:t>washing</a:t>
             </a:r>
             <a:r>
-              <a:rPr lang="fr-CH" dirty="0" smtClean="0"/>
+              <a:rPr lang="fr-CH" dirty="0"/>
               <a:t> machine </a:t>
             </a:r>
             <a:r>
-              <a:rPr lang="fr-CH" dirty="0" err="1" smtClean="0"/>
+              <a:rPr lang="fr-CH" dirty="0" err="1"/>
               <a:t>did</a:t>
             </a:r>
             <a:r>
-              <a:rPr lang="fr-CH" dirty="0" smtClean="0"/>
+              <a:rPr lang="fr-CH" dirty="0"/>
               <a:t> </a:t>
             </a:r>
             <a:r>
-              <a:rPr lang="fr-CH" dirty="0" err="1" smtClean="0"/>
+              <a:rPr lang="fr-CH" dirty="0" err="1"/>
               <a:t>its</a:t>
             </a:r>
             <a:r>
-              <a:rPr lang="fr-CH" dirty="0" smtClean="0"/>
+              <a:rPr lang="fr-CH" dirty="0"/>
               <a:t> job…</a:t>
             </a:r>
-            <a:endParaRPr lang="fr-CH" dirty="0"/>
           </a:p>
         </p:txBody>
       </p:sp>
@@ -7417,19 +7406,19 @@
           <a:lstStyle/>
           <a:p>
             <a:r>
-              <a:rPr lang="fr-CH" dirty="0" smtClean="0"/>
+              <a:rPr lang="fr-CH" dirty="0"/>
               <a:t>Intelligent </a:t>
             </a:r>
             <a:r>
-              <a:rPr lang="fr-CH" dirty="0" err="1" smtClean="0"/>
+              <a:rPr lang="fr-CH" dirty="0" err="1"/>
               <a:t>Demand</a:t>
             </a:r>
             <a:r>
-              <a:rPr lang="fr-CH" dirty="0" smtClean="0"/>
+              <a:rPr lang="fr-CH" dirty="0"/>
               <a:t> Management must Be Simple, Adaptive and </a:t>
             </a:r>
             <a:r>
-              <a:rPr lang="fr-CH" dirty="0" err="1" smtClean="0"/>
+              <a:rPr lang="fr-CH" dirty="0" err="1"/>
               <a:t>Distributed</a:t>
             </a:r>
             <a:endParaRPr lang="fr-CH" dirty="0"/>
@@ -7457,152 +7446,152 @@
           <a:lstStyle/>
           <a:p>
             <a:r>
-              <a:rPr lang="fr-CH" sz="2800" dirty="0" smtClean="0"/>
+              <a:rPr lang="fr-CH" sz="2800" dirty="0"/>
               <a:t>Global, optimal </a:t>
             </a:r>
             <a:r>
-              <a:rPr lang="fr-CH" sz="2800" dirty="0" err="1" smtClean="0"/>
+              <a:rPr lang="fr-CH" sz="2800" dirty="0" err="1"/>
               <a:t>schedules</a:t>
             </a:r>
             <a:r>
-              <a:rPr lang="fr-CH" sz="2800" dirty="0" smtClean="0"/>
+              <a:rPr lang="fr-CH" sz="2800" dirty="0"/>
               <a:t> </a:t>
             </a:r>
           </a:p>
           <a:p>
             <a:pPr lvl="1"/>
             <a:r>
-              <a:rPr lang="fr-CH" dirty="0" smtClean="0"/>
+              <a:rPr lang="fr-CH" dirty="0"/>
               <a:t>are hard,</a:t>
             </a:r>
           </a:p>
           <a:p>
             <a:pPr lvl="1"/>
             <a:r>
-              <a:rPr lang="fr-CH" dirty="0" err="1" smtClean="0"/>
+              <a:rPr lang="fr-CH" dirty="0" err="1"/>
               <a:t>error</a:t>
             </a:r>
             <a:r>
-              <a:rPr lang="fr-CH" dirty="0" smtClean="0"/>
+              <a:rPr lang="fr-CH" dirty="0"/>
               <a:t> </a:t>
             </a:r>
             <a:r>
-              <a:rPr lang="fr-CH" dirty="0" err="1" smtClean="0"/>
+              <a:rPr lang="fr-CH" dirty="0" err="1"/>
               <a:t>prone</a:t>
             </a:r>
-            <a:endParaRPr lang="fr-CH" dirty="0" smtClean="0"/>
+            <a:endParaRPr lang="fr-CH" dirty="0"/>
           </a:p>
           <a:p>
             <a:pPr lvl="1"/>
             <a:r>
-              <a:rPr lang="fr-CH" sz="2000" dirty="0" smtClean="0"/>
+              <a:rPr lang="fr-CH" sz="2000" dirty="0"/>
               <a:t>and do not </a:t>
             </a:r>
             <a:r>
-              <a:rPr lang="fr-CH" sz="2000" dirty="0" err="1" smtClean="0"/>
+              <a:rPr lang="fr-CH" sz="2000" dirty="0" err="1"/>
               <a:t>account</a:t>
             </a:r>
             <a:r>
-              <a:rPr lang="fr-CH" sz="2000" dirty="0" smtClean="0"/>
+              <a:rPr lang="fr-CH" sz="2000" dirty="0"/>
               <a:t> for last minute changes</a:t>
             </a:r>
           </a:p>
           <a:p>
             <a:pPr lvl="1"/>
-            <a:endParaRPr lang="fr-CH" sz="2400" dirty="0" smtClean="0"/>
-          </a:p>
-          <a:p>
-            <a:r>
-              <a:rPr lang="fr-CH" sz="2800" dirty="0" smtClean="0"/>
+            <a:endParaRPr lang="fr-CH" sz="2400" dirty="0"/>
+          </a:p>
+          <a:p>
+            <a:r>
+              <a:rPr lang="fr-CH" sz="2800" dirty="0"/>
               <a:t>More </a:t>
             </a:r>
             <a:r>
-              <a:rPr lang="fr-CH" sz="2800" dirty="0" err="1" smtClean="0"/>
+              <a:rPr lang="fr-CH" sz="2800" dirty="0" err="1"/>
               <a:t>realistic</a:t>
             </a:r>
             <a:r>
-              <a:rPr lang="fr-CH" sz="2800" dirty="0" smtClean="0"/>
+              <a:rPr lang="fr-CH" sz="2800" dirty="0"/>
               <a:t> </a:t>
             </a:r>
             <a:r>
-              <a:rPr lang="fr-CH" sz="2800" dirty="0" err="1" smtClean="0"/>
+              <a:rPr lang="fr-CH" sz="2800" dirty="0" err="1"/>
               <a:t>is</a:t>
             </a:r>
             <a:r>
-              <a:rPr lang="fr-CH" sz="2800" dirty="0" smtClean="0"/>
+              <a:rPr lang="fr-CH" sz="2800" dirty="0"/>
               <a:t> </a:t>
             </a:r>
           </a:p>
           <a:p>
             <a:pPr lvl="1"/>
             <a:r>
-              <a:rPr lang="fr-CH" dirty="0" err="1" smtClean="0"/>
+              <a:rPr lang="fr-CH" dirty="0" err="1"/>
               <a:t>elastic</a:t>
             </a:r>
             <a:r>
-              <a:rPr lang="fr-CH" dirty="0" smtClean="0"/>
+              <a:rPr lang="fr-CH" dirty="0"/>
               <a:t>  </a:t>
             </a:r>
             <a:r>
-              <a:rPr lang="fr-CH" dirty="0" err="1" smtClean="0"/>
+              <a:rPr lang="fr-CH" dirty="0" err="1"/>
               <a:t>demand</a:t>
             </a:r>
             <a:r>
-              <a:rPr lang="fr-CH" dirty="0" smtClean="0"/>
+              <a:rPr lang="fr-CH" dirty="0"/>
               <a:t>,</a:t>
             </a:r>
           </a:p>
           <a:p>
             <a:pPr lvl="1"/>
             <a:r>
-              <a:rPr lang="fr-CH" dirty="0" err="1" smtClean="0"/>
+              <a:rPr lang="fr-CH" dirty="0" err="1"/>
               <a:t>with</a:t>
             </a:r>
             <a:r>
-              <a:rPr lang="fr-CH" dirty="0" smtClean="0"/>
+              <a:rPr lang="fr-CH" dirty="0"/>
               <a:t> best effort service </a:t>
             </a:r>
             <a:r>
-              <a:rPr lang="fr-CH" dirty="0" err="1" smtClean="0"/>
+              <a:rPr lang="fr-CH" dirty="0" err="1"/>
               <a:t>with</a:t>
             </a:r>
             <a:r>
-              <a:rPr lang="fr-CH" dirty="0" smtClean="0"/>
+              <a:rPr lang="fr-CH" dirty="0"/>
               <a:t> </a:t>
             </a:r>
             <a:r>
-              <a:rPr lang="fr-CH" dirty="0" err="1" smtClean="0"/>
+              <a:rPr lang="fr-CH" dirty="0" err="1"/>
               <a:t>statistical</a:t>
             </a:r>
             <a:r>
-              <a:rPr lang="fr-CH" dirty="0" smtClean="0"/>
+              <a:rPr lang="fr-CH" dirty="0"/>
               <a:t> </a:t>
             </a:r>
             <a:r>
-              <a:rPr lang="fr-CH" dirty="0" err="1" smtClean="0"/>
+              <a:rPr lang="fr-CH" dirty="0" err="1"/>
               <a:t>guarantees</a:t>
             </a:r>
             <a:r>
-              <a:rPr lang="fr-CH" dirty="0" smtClean="0"/>
+              <a:rPr lang="fr-CH" dirty="0"/>
               <a:t>.</a:t>
             </a:r>
           </a:p>
           <a:p>
             <a:pPr lvl="1"/>
-            <a:endParaRPr lang="fr-CH" dirty="0" smtClean="0"/>
+            <a:endParaRPr lang="fr-CH" dirty="0"/>
           </a:p>
           <a:p>
             <a:pPr lvl="1"/>
             <a:r>
-              <a:rPr lang="fr-CH" dirty="0" smtClean="0"/>
+              <a:rPr lang="fr-CH" dirty="0"/>
               <a:t>[</a:t>
             </a:r>
             <a:r>
-              <a:rPr lang="fr-CH" dirty="0" err="1" smtClean="0"/>
+              <a:rPr lang="fr-CH" dirty="0" err="1"/>
               <a:t>Keshav</a:t>
             </a:r>
             <a:r>
-              <a:rPr lang="fr-CH" dirty="0" smtClean="0"/>
+              <a:rPr lang="fr-CH" dirty="0"/>
               <a:t> and Rosenberg 2010]</a:t>
             </a:r>
           </a:p>
@@ -7642,13 +7631,6 @@
   <p:clrMapOvr>
     <a:masterClrMapping/>
   </p:clrMapOvr>
-  <p:timing>
-    <p:tnLst>
-      <p:par>
-        <p:cTn id="1" dur="indefinite" restart="never" nodeType="tmRoot"/>
-      </p:par>
-    </p:tnLst>
-  </p:timing>
 </p:sld>
 </file>
 
@@ -7685,10 +7667,9 @@
           <a:lstStyle/>
           <a:p>
             <a:r>
-              <a:rPr lang="fr-CH" dirty="0" smtClean="0"/>
+              <a:rPr lang="fr-CH" dirty="0"/>
               <a:t>Contents</a:t>
             </a:r>
-            <a:endParaRPr lang="fr-CH" dirty="0"/>
           </a:p>
         </p:txBody>
       </p:sp>
@@ -7704,8 +7685,8 @@
         </p:nvSpPr>
         <p:spPr>
           <a:xfrm>
-            <a:off x="2590800" y="1295400"/>
-            <a:ext cx="3810000" cy="3505200"/>
+            <a:off x="1752600" y="1295400"/>
+            <a:ext cx="6858000" cy="3505200"/>
           </a:xfrm>
         </p:spPr>
         <p:txBody>
@@ -7714,66 +7695,73 @@
           <a:p>
             <a:pPr algn="r"/>
             <a:r>
-              <a:rPr lang="fr-CH" sz="2800" dirty="0" smtClean="0"/>
+              <a:rPr lang="fr-CH" sz="2800" dirty="0"/>
               <a:t>The </a:t>
             </a:r>
             <a:r>
-              <a:rPr lang="fr-CH" sz="2800" dirty="0" err="1" smtClean="0"/>
+              <a:rPr lang="fr-CH" sz="2800" dirty="0" err="1"/>
               <a:t>Grid</a:t>
             </a:r>
             <a:r>
-              <a:rPr lang="fr-CH" sz="2800" dirty="0" smtClean="0"/>
+              <a:rPr lang="fr-CH" sz="2800" dirty="0"/>
               <a:t> and </a:t>
             </a:r>
             <a:r>
-              <a:rPr lang="fr-CH" sz="2800" dirty="0" err="1" smtClean="0"/>
+              <a:rPr lang="fr-CH" sz="2800" dirty="0" err="1"/>
               <a:t>Elastic</a:t>
             </a:r>
             <a:r>
-              <a:rPr lang="fr-CH" sz="2800" dirty="0" smtClean="0"/>
+              <a:rPr lang="fr-CH" sz="2800" dirty="0"/>
               <a:t> </a:t>
             </a:r>
             <a:r>
-              <a:rPr lang="fr-CH" sz="2800" dirty="0" err="1" smtClean="0"/>
+              <a:rPr lang="fr-CH" sz="2800" dirty="0" err="1"/>
               <a:t>Demand</a:t>
             </a:r>
-            <a:endParaRPr lang="fr-CH" sz="2800" dirty="0" smtClean="0"/>
+            <a:endParaRPr lang="fr-CH" sz="2800" dirty="0"/>
           </a:p>
           <a:p>
             <a:pPr algn="r"/>
             <a:r>
-              <a:rPr lang="fr-CH" sz="2800" dirty="0" smtClean="0"/>
-              <a:t>One Day in the life of Robert </a:t>
-            </a:r>
-            <a:r>
-              <a:rPr lang="fr-CH" sz="2800" dirty="0" err="1" smtClean="0"/>
+              <a:rPr lang="fr-CH" sz="2800" dirty="0"/>
+              <a:t>One Day in </a:t>
+            </a:r>
+            <a:r>
+              <a:rPr lang="fr-CH" sz="2800"/>
+              <a:t>the Life </a:t>
+            </a:r>
+            <a:r>
+              <a:rPr lang="fr-CH" sz="2800" dirty="0"/>
+              <a:t>of Robert </a:t>
+            </a:r>
+            <a:r>
+              <a:rPr lang="fr-CH" sz="2800" dirty="0" err="1"/>
               <a:t>Longirod</a:t>
             </a:r>
-            <a:endParaRPr lang="fr-CH" sz="2800" dirty="0" smtClean="0"/>
+            <a:endParaRPr lang="fr-CH" sz="2800" dirty="0"/>
           </a:p>
           <a:p>
             <a:pPr algn="r"/>
             <a:r>
-              <a:rPr lang="fr-CH" sz="2800" dirty="0" err="1" smtClean="0"/>
+              <a:rPr lang="fr-CH" sz="2800" dirty="0" err="1"/>
               <a:t>Modelling</a:t>
             </a:r>
             <a:r>
-              <a:rPr lang="fr-CH" sz="2800" dirty="0" smtClean="0"/>
+              <a:rPr lang="fr-CH" sz="2800" dirty="0"/>
               <a:t> </a:t>
             </a:r>
             <a:r>
-              <a:rPr lang="fr-CH" sz="2800" dirty="0" err="1" smtClean="0"/>
+              <a:rPr lang="fr-CH" sz="2800" dirty="0" err="1"/>
               <a:t>Approach</a:t>
             </a:r>
-            <a:endParaRPr lang="fr-CH" sz="2800" dirty="0" smtClean="0"/>
+            <a:endParaRPr lang="fr-CH" sz="2800" dirty="0"/>
           </a:p>
           <a:p>
             <a:pPr algn="r"/>
             <a:r>
-              <a:rPr lang="fr-CH" sz="2800" dirty="0" smtClean="0"/>
+              <a:rPr lang="fr-CH" sz="2800" dirty="0"/>
               <a:t>Conclusions</a:t>
             </a:r>
-            <a:endParaRPr lang="fr-CH" sz="2800" dirty="0"/>
           </a:p>
         </p:txBody>
       </p:sp>
@@ -7830,7 +7818,7 @@
           <a:p>
             <a:pPr algn="l"/>
             <a:r>
-              <a:rPr lang="fr-CH" dirty="0" smtClean="0">
+              <a:rPr lang="fr-CH" dirty="0">
                 <a:solidFill>
                   <a:schemeClr val="tx1">
                     <a:lumMod val="75000"/>
@@ -7841,7 +7829,7 @@
               <a:t>[</a:t>
             </a:r>
             <a:r>
-              <a:rPr lang="fr-CH" dirty="0" err="1" smtClean="0">
+              <a:rPr lang="fr-CH" dirty="0" err="1">
                 <a:solidFill>
                   <a:schemeClr val="tx1">
                     <a:lumMod val="75000"/>
@@ -7852,7 +7840,7 @@
               <a:t>arXiv</a:t>
             </a:r>
             <a:r>
-              <a:rPr lang="fr-CH" dirty="0" smtClean="0">
+              <a:rPr lang="fr-CH" dirty="0">
                 <a:solidFill>
                   <a:schemeClr val="tx1">
                     <a:lumMod val="75000"/>
@@ -7863,7 +7851,7 @@
               <a:t>:1011.5606v1]</a:t>
             </a:r>
             <a:r>
-              <a:rPr lang="fr-CH" dirty="0" smtClean="0">
+              <a:rPr lang="fr-CH" dirty="0">
                 <a:solidFill>
                   <a:schemeClr val="tx1">
                     <a:lumMod val="75000"/>
@@ -7875,7 +7863,7 @@
               <a:t> </a:t>
             </a:r>
             <a:r>
-              <a:rPr lang="fr-CH" dirty="0" smtClean="0">
+              <a:rPr lang="fr-CH" dirty="0">
                 <a:solidFill>
                   <a:schemeClr val="tx1">
                     <a:lumMod val="75000"/>
@@ -7886,7 +7874,7 @@
               <a:t>Jean-Yves Le Boudec and Dan-</a:t>
             </a:r>
             <a:r>
-              <a:rPr lang="fr-CH" dirty="0" err="1" smtClean="0">
+              <a:rPr lang="fr-CH" dirty="0" err="1">
                 <a:solidFill>
                   <a:schemeClr val="tx1">
                     <a:lumMod val="75000"/>
@@ -7897,7 +7885,7 @@
               <a:t>Cristian</a:t>
             </a:r>
             <a:r>
-              <a:rPr lang="fr-CH" dirty="0" smtClean="0">
+              <a:rPr lang="fr-CH" dirty="0">
                 <a:solidFill>
                   <a:schemeClr val="tx1">
                     <a:lumMod val="75000"/>
@@ -7908,7 +7896,7 @@
               <a:t> </a:t>
             </a:r>
             <a:r>
-              <a:rPr lang="fr-CH" dirty="0" err="1" smtClean="0">
+              <a:rPr lang="fr-CH" dirty="0" err="1">
                 <a:solidFill>
                   <a:schemeClr val="tx1">
                     <a:lumMod val="75000"/>
@@ -7918,7 +7906,7 @@
               </a:rPr>
               <a:t>Tomozei</a:t>
             </a:r>
-            <a:endParaRPr lang="fr-CH" dirty="0" smtClean="0">
+            <a:endParaRPr lang="fr-CH" dirty="0">
               <a:solidFill>
                 <a:schemeClr val="tx1">
                   <a:lumMod val="75000"/>
@@ -7930,7 +7918,7 @@
           <a:p>
             <a:pPr algn="l"/>
             <a:r>
-              <a:rPr lang="fr-CH" dirty="0" smtClean="0">
+              <a:rPr lang="fr-CH" dirty="0">
                 <a:solidFill>
                   <a:schemeClr val="tx1">
                     <a:lumMod val="75000"/>
@@ -7941,7 +7929,7 @@
               <a:t>« </a:t>
             </a:r>
             <a:r>
-              <a:rPr lang="en-US" dirty="0" smtClean="0">
+              <a:rPr lang="en-US" dirty="0">
                 <a:solidFill>
                   <a:schemeClr val="tx1">
                     <a:lumMod val="75000"/>
@@ -7952,7 +7940,7 @@
               <a:t> </a:t>
             </a:r>
             <a:r>
-              <a:rPr lang="en-US" dirty="0" err="1" smtClean="0">
+              <a:rPr lang="en-US" dirty="0" err="1">
                 <a:solidFill>
                   <a:schemeClr val="tx1">
                     <a:lumMod val="75000"/>
@@ -7963,7 +7951,7 @@
               <a:t>Satisfiability</a:t>
             </a:r>
             <a:r>
-              <a:rPr lang="en-US" dirty="0" smtClean="0">
+              <a:rPr lang="en-US" dirty="0">
                 <a:solidFill>
                   <a:schemeClr val="tx1">
                     <a:lumMod val="75000"/>
@@ -7974,7 +7962,7 @@
               <a:t> of Elastic Demand in the Smart Grid </a:t>
             </a:r>
             <a:r>
-              <a:rPr lang="fr-CH" dirty="0" smtClean="0">
+              <a:rPr lang="fr-CH" dirty="0">
                 <a:solidFill>
                   <a:schemeClr val="tx1">
                     <a:lumMod val="75000"/>
@@ -7985,7 +7973,7 @@
               <a:t>», </a:t>
             </a:r>
             <a:r>
-              <a:rPr lang="fr-CH" dirty="0" err="1" smtClean="0">
+              <a:rPr lang="fr-CH" dirty="0" err="1">
                 <a:solidFill>
                   <a:schemeClr val="tx1">
                     <a:lumMod val="75000"/>
@@ -7996,7 +7984,7 @@
               <a:t>Nov</a:t>
             </a:r>
             <a:r>
-              <a:rPr lang="fr-CH" dirty="0" smtClean="0">
+              <a:rPr lang="fr-CH" dirty="0">
                 <a:solidFill>
                   <a:schemeClr val="tx1">
                     <a:lumMod val="75000"/>
@@ -8006,14 +7994,6 @@
               </a:rPr>
               <a:t> 2010, arxiv.org</a:t>
             </a:r>
-            <a:endParaRPr lang="fr-CH" dirty="0">
-              <a:solidFill>
-                <a:schemeClr val="tx1">
-                  <a:lumMod val="75000"/>
-                  <a:lumOff val="25000"/>
-                </a:schemeClr>
-              </a:solidFill>
-            </a:endParaRPr>
           </a:p>
         </p:txBody>
       </p:sp>
@@ -8022,13 +8002,6 @@
   <p:clrMapOvr>
     <a:masterClrMapping/>
   </p:clrMapOvr>
-  <p:timing>
-    <p:tnLst>
-      <p:par>
-        <p:cTn id="1" dur="indefinite" restart="never" nodeType="tmRoot"/>
-      </p:par>
-    </p:tnLst>
-  </p:timing>
 </p:sld>
 </file>
 
@@ -8065,18 +8038,17 @@
           <a:lstStyle/>
           <a:p>
             <a:r>
-              <a:rPr lang="fr-CH" dirty="0" smtClean="0"/>
+              <a:rPr lang="fr-CH" dirty="0"/>
               <a:t>Possible Directions for </a:t>
             </a:r>
             <a:r>
-              <a:rPr lang="fr-CH" dirty="0" err="1" smtClean="0"/>
+              <a:rPr lang="fr-CH" dirty="0" err="1"/>
               <a:t>Distributed</a:t>
             </a:r>
             <a:r>
-              <a:rPr lang="fr-CH" dirty="0" smtClean="0"/>
+              <a:rPr lang="fr-CH" dirty="0"/>
               <a:t> Control</a:t>
             </a:r>
-            <a:endParaRPr lang="fr-CH" dirty="0"/>
           </a:p>
         </p:txBody>
       </p:sp>
@@ -8096,10 +8068,9 @@
           <a:lstStyle/>
           <a:p>
             <a:r>
-              <a:rPr lang="fr-CH" dirty="0" smtClean="0"/>
+              <a:rPr lang="fr-CH" dirty="0"/>
               <a:t>Network</a:t>
             </a:r>
-            <a:endParaRPr lang="fr-CH" dirty="0"/>
           </a:p>
         </p:txBody>
       </p:sp>
@@ -8119,61 +8090,60 @@
           <a:lstStyle/>
           <a:p>
             <a:r>
-              <a:rPr lang="fr-CH" dirty="0" err="1" smtClean="0"/>
+              <a:rPr lang="fr-CH" dirty="0" err="1"/>
               <a:t>Signals</a:t>
             </a:r>
             <a:r>
-              <a:rPr lang="fr-CH" dirty="0" smtClean="0"/>
+              <a:rPr lang="fr-CH" dirty="0"/>
               <a:t> marginal </a:t>
             </a:r>
             <a:r>
-              <a:rPr lang="fr-CH" dirty="0" err="1" smtClean="0"/>
+              <a:rPr lang="fr-CH" dirty="0" err="1"/>
               <a:t>price</a:t>
             </a:r>
             <a:r>
-              <a:rPr lang="fr-CH" dirty="0" smtClean="0"/>
+              <a:rPr lang="fr-CH" dirty="0"/>
               <a:t> to </a:t>
             </a:r>
             <a:r>
-              <a:rPr lang="fr-CH" dirty="0" err="1" smtClean="0"/>
+              <a:rPr lang="fr-CH" dirty="0" err="1"/>
               <a:t>users</a:t>
             </a:r>
-            <a:endParaRPr lang="fr-CH" dirty="0" smtClean="0"/>
-          </a:p>
-          <a:p>
-            <a:r>
-              <a:rPr lang="fr-CH" dirty="0" err="1" smtClean="0"/>
+            <a:endParaRPr lang="fr-CH" dirty="0"/>
+          </a:p>
+          <a:p>
+            <a:r>
+              <a:rPr lang="fr-CH" dirty="0" err="1"/>
               <a:t>Whether</a:t>
             </a:r>
             <a:r>
-              <a:rPr lang="fr-CH" dirty="0" smtClean="0"/>
+              <a:rPr lang="fr-CH" dirty="0"/>
               <a:t> a </a:t>
             </a:r>
             <a:r>
-              <a:rPr lang="fr-CH" dirty="0" err="1" smtClean="0"/>
+              <a:rPr lang="fr-CH" dirty="0" err="1"/>
               <a:t>true</a:t>
             </a:r>
             <a:r>
-              <a:rPr lang="fr-CH" dirty="0" smtClean="0"/>
+              <a:rPr lang="fr-CH" dirty="0"/>
               <a:t> </a:t>
             </a:r>
             <a:r>
-              <a:rPr lang="fr-CH" dirty="0" err="1" smtClean="0"/>
+              <a:rPr lang="fr-CH" dirty="0" err="1"/>
               <a:t>price</a:t>
             </a:r>
             <a:r>
-              <a:rPr lang="fr-CH" dirty="0" smtClean="0"/>
+              <a:rPr lang="fr-CH" dirty="0"/>
               <a:t> or a congestion signal </a:t>
             </a:r>
             <a:r>
-              <a:rPr lang="fr-CH" dirty="0" err="1" smtClean="0"/>
+              <a:rPr lang="fr-CH" dirty="0" err="1"/>
               <a:t>is</a:t>
             </a:r>
             <a:r>
-              <a:rPr lang="fr-CH" dirty="0" smtClean="0"/>
+              <a:rPr lang="fr-CH" dirty="0"/>
               <a:t> an issue</a:t>
             </a:r>
-            <a:endParaRPr lang="fr-CH" dirty="0"/>
           </a:p>
         </p:txBody>
       </p:sp>
@@ -8193,7 +8163,7 @@
           <a:lstStyle/>
           <a:p>
             <a:r>
-              <a:rPr lang="fr-CH" dirty="0" err="1" smtClean="0"/>
+              <a:rPr lang="fr-CH" dirty="0" err="1"/>
               <a:t>Users</a:t>
             </a:r>
             <a:endParaRPr lang="fr-CH" dirty="0"/>
@@ -8216,78 +8186,78 @@
           <a:lstStyle/>
           <a:p>
             <a:r>
-              <a:rPr lang="fr-CH" dirty="0" smtClean="0"/>
+              <a:rPr lang="fr-CH" dirty="0"/>
               <a:t>Delay / </a:t>
             </a:r>
             <a:r>
-              <a:rPr lang="fr-CH" dirty="0" err="1" smtClean="0"/>
+              <a:rPr lang="fr-CH" dirty="0" err="1"/>
               <a:t>reduce</a:t>
             </a:r>
             <a:r>
-              <a:rPr lang="fr-CH" dirty="0" smtClean="0"/>
+              <a:rPr lang="fr-CH" dirty="0"/>
               <a:t> </a:t>
             </a:r>
             <a:r>
-              <a:rPr lang="fr-CH" dirty="0" err="1" smtClean="0"/>
+              <a:rPr lang="fr-CH" dirty="0" err="1"/>
               <a:t>demand</a:t>
             </a:r>
-            <a:endParaRPr lang="fr-CH" dirty="0" smtClean="0"/>
+            <a:endParaRPr lang="fr-CH" dirty="0"/>
           </a:p>
           <a:p>
             <a:pPr lvl="1"/>
             <a:r>
-              <a:rPr lang="fr-CH" dirty="0" err="1" smtClean="0"/>
+              <a:rPr lang="fr-CH" dirty="0" err="1"/>
               <a:t>Defer</a:t>
             </a:r>
             <a:r>
-              <a:rPr lang="fr-CH" dirty="0" smtClean="0"/>
+              <a:rPr lang="fr-CH" dirty="0"/>
               <a:t> </a:t>
             </a:r>
             <a:r>
-              <a:rPr lang="fr-CH" dirty="0" err="1" smtClean="0"/>
+              <a:rPr lang="fr-CH" dirty="0" err="1"/>
               <a:t>heating</a:t>
             </a:r>
             <a:r>
-              <a:rPr lang="fr-CH" dirty="0" smtClean="0"/>
+              <a:rPr lang="fr-CH" dirty="0"/>
               <a:t> / </a:t>
             </a:r>
             <a:r>
-              <a:rPr lang="fr-CH" dirty="0" err="1" smtClean="0"/>
+              <a:rPr lang="fr-CH" dirty="0" err="1"/>
               <a:t>cooling</a:t>
             </a:r>
             <a:r>
-              <a:rPr lang="fr-CH" dirty="0" smtClean="0"/>
+              <a:rPr lang="fr-CH" dirty="0"/>
               <a:t> /</a:t>
             </a:r>
             <a:r>
-              <a:rPr lang="fr-CH" dirty="0" err="1" smtClean="0"/>
+              <a:rPr lang="fr-CH" dirty="0" err="1"/>
               <a:t>battery</a:t>
             </a:r>
             <a:r>
-              <a:rPr lang="fr-CH" dirty="0" smtClean="0"/>
+              <a:rPr lang="fr-CH" dirty="0"/>
               <a:t> </a:t>
             </a:r>
             <a:r>
-              <a:rPr lang="fr-CH" dirty="0" err="1" smtClean="0"/>
+              <a:rPr lang="fr-CH" dirty="0" err="1"/>
               <a:t>loading</a:t>
             </a:r>
-            <a:endParaRPr lang="fr-CH" dirty="0" smtClean="0"/>
+            <a:endParaRPr lang="fr-CH" dirty="0"/>
           </a:p>
           <a:p>
             <a:pPr lvl="1"/>
             <a:r>
-              <a:rPr lang="fr-CH" dirty="0" smtClean="0"/>
+              <a:rPr lang="fr-CH" dirty="0"/>
               <a:t>Substitute local source</a:t>
             </a:r>
           </a:p>
           <a:p>
             <a:pPr lvl="1"/>
             <a:r>
-              <a:rPr lang="fr-CH" dirty="0" smtClean="0"/>
+              <a:rPr lang="fr-CH" dirty="0"/>
               <a:t>Substitute </a:t>
             </a:r>
             <a:r>
-              <a:rPr lang="fr-CH" dirty="0" err="1" smtClean="0"/>
+              <a:rPr lang="fr-CH" dirty="0" err="1"/>
               <a:t>battery</a:t>
             </a:r>
             <a:endParaRPr lang="fr-CH" dirty="0"/>
@@ -8328,13 +8298,6 @@
   <p:clrMapOvr>
     <a:masterClrMapping/>
   </p:clrMapOvr>
-  <p:timing>
-    <p:tnLst>
-      <p:par>
-        <p:cTn id="1" dur="indefinite" restart="never" nodeType="tmRoot"/>
-      </p:par>
-    </p:tnLst>
-  </p:timing>
 </p:sld>
 </file>
 
@@ -8371,15 +8334,15 @@
           <a:lstStyle/>
           <a:p>
             <a:r>
-              <a:rPr lang="fr-CH" dirty="0" err="1" smtClean="0"/>
+              <a:rPr lang="fr-CH" dirty="0" err="1"/>
               <a:t>Modelling</a:t>
             </a:r>
             <a:r>
-              <a:rPr lang="fr-CH" dirty="0" smtClean="0"/>
+              <a:rPr lang="fr-CH" dirty="0"/>
               <a:t> </a:t>
             </a:r>
             <a:r>
-              <a:rPr lang="fr-CH" dirty="0" err="1" smtClean="0"/>
+              <a:rPr lang="fr-CH" dirty="0" err="1"/>
               <a:t>Approach</a:t>
             </a:r>
             <a:endParaRPr lang="fr-CH" dirty="0"/>
@@ -8420,13 +8383,6 @@
   <p:clrMapOvr>
     <a:masterClrMapping/>
   </p:clrMapOvr>
-  <p:timing>
-    <p:tnLst>
-      <p:par>
-        <p:cTn id="1" dur="indefinite" restart="never" nodeType="tmRoot"/>
-      </p:par>
-    </p:tnLst>
-  </p:timing>
 </p:sld>
 </file>
 
@@ -8468,27 +8424,27 @@
           <a:lstStyle/>
           <a:p>
             <a:r>
-              <a:rPr lang="fr-CH" dirty="0" smtClean="0"/>
+              <a:rPr lang="fr-CH" dirty="0"/>
               <a:t>A </a:t>
             </a:r>
             <a:r>
-              <a:rPr lang="fr-CH" dirty="0" err="1" smtClean="0"/>
+              <a:rPr lang="fr-CH" dirty="0" err="1"/>
               <a:t>Preliminary</a:t>
             </a:r>
             <a:r>
-              <a:rPr lang="fr-CH" dirty="0" smtClean="0"/>
+              <a:rPr lang="fr-CH" dirty="0"/>
               <a:t> Issue </a:t>
             </a:r>
             <a:r>
-              <a:rPr lang="fr-CH" dirty="0" err="1" smtClean="0"/>
+              <a:rPr lang="fr-CH" dirty="0" err="1"/>
               <a:t>is</a:t>
             </a:r>
             <a:r>
-              <a:rPr lang="fr-CH" dirty="0" smtClean="0"/>
+              <a:rPr lang="fr-CH" dirty="0"/>
               <a:t> </a:t>
             </a:r>
             <a:r>
-              <a:rPr lang="fr-CH" dirty="0" err="1" smtClean="0"/>
+              <a:rPr lang="fr-CH" dirty="0" err="1"/>
               <a:t>Stability</a:t>
             </a:r>
             <a:endParaRPr lang="fr-CH" dirty="0"/>
@@ -8511,202 +8467,202 @@
           <a:lstStyle/>
           <a:p>
             <a:r>
-              <a:rPr lang="fr-CH" dirty="0" err="1" smtClean="0"/>
+              <a:rPr lang="fr-CH" dirty="0" err="1"/>
               <a:t>We</a:t>
             </a:r>
             <a:r>
-              <a:rPr lang="fr-CH" dirty="0" smtClean="0"/>
+              <a:rPr lang="fr-CH" dirty="0"/>
               <a:t> </a:t>
             </a:r>
             <a:r>
-              <a:rPr lang="fr-CH" dirty="0" err="1" smtClean="0"/>
+              <a:rPr lang="fr-CH" dirty="0" err="1"/>
               <a:t>want</a:t>
             </a:r>
             <a:r>
-              <a:rPr lang="fr-CH" dirty="0" smtClean="0"/>
+              <a:rPr lang="fr-CH" dirty="0"/>
               <a:t> first to </a:t>
             </a:r>
             <a:r>
-              <a:rPr lang="fr-CH" dirty="0" err="1" smtClean="0"/>
+              <a:rPr lang="fr-CH" dirty="0" err="1"/>
               <a:t>study</a:t>
             </a:r>
             <a:r>
-              <a:rPr lang="fr-CH" dirty="0" smtClean="0"/>
+              <a:rPr lang="fr-CH" dirty="0"/>
               <a:t> if </a:t>
             </a:r>
             <a:r>
-              <a:rPr lang="fr-CH" dirty="0" err="1" smtClean="0"/>
+              <a:rPr lang="fr-CH" dirty="0" err="1"/>
               <a:t>elastic</a:t>
             </a:r>
             <a:r>
-              <a:rPr lang="fr-CH" dirty="0" smtClean="0"/>
+              <a:rPr lang="fr-CH" dirty="0"/>
               <a:t> </a:t>
             </a:r>
             <a:r>
-              <a:rPr lang="fr-CH" dirty="0" err="1" smtClean="0"/>
+              <a:rPr lang="fr-CH" dirty="0" err="1"/>
               <a:t>demand</a:t>
             </a:r>
             <a:r>
-              <a:rPr lang="fr-CH" dirty="0" smtClean="0"/>
+              <a:rPr lang="fr-CH" dirty="0"/>
               <a:t> / adaptation </a:t>
             </a:r>
             <a:r>
-              <a:rPr lang="fr-CH" dirty="0" err="1" smtClean="0"/>
+              <a:rPr lang="fr-CH" dirty="0" err="1"/>
               <a:t>is</a:t>
             </a:r>
             <a:r>
-              <a:rPr lang="fr-CH" dirty="0" smtClean="0"/>
+              <a:rPr lang="fr-CH" dirty="0"/>
               <a:t> </a:t>
             </a:r>
             <a:r>
-              <a:rPr lang="fr-CH" dirty="0" err="1" smtClean="0"/>
+              <a:rPr lang="fr-CH" dirty="0" err="1"/>
               <a:t>feasible</a:t>
             </a:r>
-            <a:endParaRPr lang="fr-CH" dirty="0" smtClean="0"/>
-          </a:p>
-          <a:p>
-            <a:endParaRPr lang="fr-CH" dirty="0" smtClean="0"/>
-          </a:p>
-          <a:p>
-            <a:r>
-              <a:rPr lang="fr-CH" dirty="0" smtClean="0"/>
+            <a:endParaRPr lang="fr-CH" dirty="0"/>
+          </a:p>
+          <a:p>
+            <a:endParaRPr lang="fr-CH" dirty="0"/>
+          </a:p>
+          <a:p>
+            <a:r>
+              <a:rPr lang="fr-CH" dirty="0"/>
               <a:t>Assume </a:t>
             </a:r>
             <a:r>
-              <a:rPr lang="fr-CH" dirty="0" err="1" smtClean="0"/>
+              <a:rPr lang="fr-CH" dirty="0" err="1"/>
               <a:t>supply</a:t>
             </a:r>
             <a:r>
-              <a:rPr lang="fr-CH" dirty="0" smtClean="0"/>
+              <a:rPr lang="fr-CH" dirty="0"/>
               <a:t> </a:t>
             </a:r>
             <a:r>
-              <a:rPr lang="fr-CH" dirty="0" err="1" smtClean="0"/>
+              <a:rPr lang="fr-CH" dirty="0" err="1"/>
               <a:t>is</a:t>
             </a:r>
             <a:r>
-              <a:rPr lang="fr-CH" dirty="0" smtClean="0"/>
+              <a:rPr lang="fr-CH" dirty="0"/>
               <a:t> </a:t>
             </a:r>
             <a:r>
-              <a:rPr lang="fr-CH" dirty="0" err="1" smtClean="0"/>
+              <a:rPr lang="fr-CH" dirty="0" err="1"/>
               <a:t>random</a:t>
             </a:r>
             <a:r>
-              <a:rPr lang="fr-CH" dirty="0" smtClean="0"/>
+              <a:rPr lang="fr-CH" dirty="0"/>
               <a:t> and </a:t>
             </a:r>
             <a:r>
-              <a:rPr lang="fr-CH" dirty="0" err="1" smtClean="0"/>
+              <a:rPr lang="fr-CH" dirty="0" err="1"/>
               <a:t>load</a:t>
             </a:r>
             <a:r>
-              <a:rPr lang="fr-CH" dirty="0" smtClean="0"/>
+              <a:rPr lang="fr-CH" dirty="0"/>
               <a:t> </a:t>
             </a:r>
             <a:r>
-              <a:rPr lang="fr-CH" dirty="0" err="1" smtClean="0"/>
+              <a:rPr lang="fr-CH" dirty="0" err="1"/>
               <a:t>is</a:t>
             </a:r>
             <a:r>
-              <a:rPr lang="fr-CH" dirty="0" smtClean="0"/>
+              <a:rPr lang="fr-CH" dirty="0"/>
               <a:t> </a:t>
             </a:r>
             <a:r>
-              <a:rPr lang="fr-CH" dirty="0" err="1" smtClean="0"/>
+              <a:rPr lang="fr-CH" dirty="0" err="1"/>
               <a:t>elastic</a:t>
             </a:r>
-            <a:endParaRPr lang="fr-CH" dirty="0" smtClean="0"/>
+            <a:endParaRPr lang="fr-CH" dirty="0"/>
           </a:p>
           <a:p>
             <a:pPr lvl="1"/>
             <a:r>
-              <a:rPr lang="fr-CH" dirty="0" err="1" smtClean="0"/>
+              <a:rPr lang="fr-CH" dirty="0" err="1"/>
               <a:t>Users</a:t>
             </a:r>
             <a:r>
-              <a:rPr lang="fr-CH" dirty="0" smtClean="0"/>
+              <a:rPr lang="fr-CH" dirty="0"/>
               <a:t> </a:t>
             </a:r>
             <a:r>
-              <a:rPr lang="fr-CH" dirty="0" err="1" smtClean="0"/>
+              <a:rPr lang="fr-CH" dirty="0" err="1"/>
               <a:t>act</a:t>
             </a:r>
             <a:r>
-              <a:rPr lang="fr-CH" dirty="0" smtClean="0"/>
+              <a:rPr lang="fr-CH" dirty="0"/>
               <a:t> a </a:t>
             </a:r>
             <a:r>
-              <a:rPr lang="fr-CH" dirty="0" err="1" smtClean="0"/>
+              <a:rPr lang="fr-CH" dirty="0" err="1"/>
               <a:t>distributed</a:t>
             </a:r>
             <a:r>
-              <a:rPr lang="fr-CH" dirty="0" smtClean="0"/>
+              <a:rPr lang="fr-CH" dirty="0"/>
               <a:t> buffer</a:t>
             </a:r>
           </a:p>
           <a:p>
             <a:pPr lvl="1"/>
             <a:r>
-              <a:rPr lang="fr-CH" dirty="0" smtClean="0"/>
+              <a:rPr lang="fr-CH" dirty="0"/>
               <a:t>Hot water tanks, batteries</a:t>
             </a:r>
           </a:p>
           <a:p>
-            <a:endParaRPr lang="fr-CH" dirty="0" smtClean="0"/>
-          </a:p>
-          <a:p>
-            <a:r>
-              <a:rPr lang="fr-CH" dirty="0" err="1" smtClean="0"/>
+            <a:endParaRPr lang="fr-CH" dirty="0"/>
+          </a:p>
+          <a:p>
+            <a:r>
+              <a:rPr lang="fr-CH" dirty="0" err="1"/>
               <a:t>We</a:t>
             </a:r>
             <a:r>
-              <a:rPr lang="fr-CH" dirty="0" smtClean="0"/>
+              <a:rPr lang="fr-CH" dirty="0"/>
               <a:t> </a:t>
             </a:r>
             <a:r>
-              <a:rPr lang="fr-CH" dirty="0" err="1" smtClean="0"/>
+              <a:rPr lang="fr-CH" dirty="0" err="1"/>
               <a:t>leave</a:t>
             </a:r>
             <a:r>
-              <a:rPr lang="fr-CH" dirty="0" smtClean="0"/>
+              <a:rPr lang="fr-CH" dirty="0"/>
               <a:t> out (for </a:t>
             </a:r>
             <a:r>
-              <a:rPr lang="fr-CH" dirty="0" err="1" smtClean="0"/>
+              <a:rPr lang="fr-CH" dirty="0" err="1"/>
               <a:t>now</a:t>
             </a:r>
             <a:r>
-              <a:rPr lang="fr-CH" dirty="0" smtClean="0"/>
+              <a:rPr lang="fr-CH" dirty="0"/>
               <a:t>) the </a:t>
             </a:r>
             <a:r>
-              <a:rPr lang="fr-CH" dirty="0" err="1" smtClean="0"/>
+              <a:rPr lang="fr-CH" dirty="0" err="1"/>
               <a:t>details</a:t>
             </a:r>
             <a:r>
-              <a:rPr lang="fr-CH" dirty="0" smtClean="0"/>
+              <a:rPr lang="fr-CH" dirty="0"/>
               <a:t> of </a:t>
             </a:r>
             <a:r>
-              <a:rPr lang="fr-CH" dirty="0" err="1" smtClean="0"/>
+              <a:rPr lang="fr-CH" dirty="0" err="1"/>
               <a:t>signals</a:t>
             </a:r>
             <a:r>
-              <a:rPr lang="fr-CH" dirty="0" smtClean="0"/>
+              <a:rPr lang="fr-CH" dirty="0"/>
               <a:t> and </a:t>
             </a:r>
             <a:r>
-              <a:rPr lang="fr-CH" dirty="0" err="1" smtClean="0"/>
+              <a:rPr lang="fr-CH" dirty="0" err="1"/>
               <a:t>algorithms</a:t>
             </a:r>
             <a:r>
-              <a:rPr lang="fr-CH" dirty="0" smtClean="0"/>
+              <a:rPr lang="fr-CH" dirty="0"/>
               <a:t> </a:t>
             </a:r>
           </a:p>
           <a:p>
-            <a:endParaRPr lang="fr-CH" dirty="0" smtClean="0"/>
+            <a:endParaRPr lang="fr-CH" dirty="0"/>
           </a:p>
         </p:txBody>
       </p:sp>
@@ -8726,95 +8682,95 @@
           <a:lstStyle/>
           <a:p>
             <a:r>
-              <a:rPr lang="fr-CH" dirty="0" smtClean="0"/>
+              <a:rPr lang="fr-CH" dirty="0"/>
               <a:t>A </a:t>
             </a:r>
             <a:r>
-              <a:rPr lang="fr-CH" dirty="0" err="1" smtClean="0"/>
+              <a:rPr lang="fr-CH" dirty="0" err="1"/>
               <a:t>very</a:t>
             </a:r>
             <a:r>
-              <a:rPr lang="fr-CH" dirty="0" smtClean="0"/>
+              <a:rPr lang="fr-CH" dirty="0"/>
               <a:t> </a:t>
             </a:r>
             <a:r>
-              <a:rPr lang="fr-CH" dirty="0" err="1" smtClean="0"/>
+              <a:rPr lang="fr-CH" dirty="0" err="1"/>
               <a:t>coarse</a:t>
             </a:r>
             <a:r>
-              <a:rPr lang="fr-CH" dirty="0" smtClean="0"/>
+              <a:rPr lang="fr-CH" dirty="0"/>
               <a:t>, but </a:t>
             </a:r>
             <a:r>
-              <a:rPr lang="fr-CH" dirty="0" err="1" smtClean="0"/>
+              <a:rPr lang="fr-CH" dirty="0" err="1"/>
               <a:t>fundamental</a:t>
             </a:r>
             <a:r>
-              <a:rPr lang="fr-CH" dirty="0" smtClean="0"/>
+              <a:rPr lang="fr-CH" dirty="0"/>
               <a:t> </a:t>
             </a:r>
             <a:r>
-              <a:rPr lang="fr-CH" dirty="0" err="1" smtClean="0"/>
+              <a:rPr lang="fr-CH" dirty="0" err="1"/>
               <a:t>criterion</a:t>
             </a:r>
             <a:r>
-              <a:rPr lang="fr-CH" dirty="0" smtClean="0"/>
+              <a:rPr lang="fr-CH" dirty="0"/>
               <a:t>: </a:t>
             </a:r>
             <a:r>
-              <a:rPr lang="fr-CH" dirty="0" err="1" smtClean="0"/>
+              <a:rPr lang="fr-CH" dirty="0" err="1"/>
               <a:t>is</a:t>
             </a:r>
             <a:r>
-              <a:rPr lang="fr-CH" dirty="0" smtClean="0"/>
+              <a:rPr lang="fr-CH" dirty="0"/>
               <a:t> </a:t>
             </a:r>
             <a:r>
-              <a:rPr lang="fr-CH" dirty="0" err="1" smtClean="0"/>
+              <a:rPr lang="fr-CH" dirty="0" err="1"/>
               <a:t>there</a:t>
             </a:r>
             <a:r>
-              <a:rPr lang="fr-CH" dirty="0" smtClean="0"/>
+              <a:rPr lang="fr-CH" dirty="0"/>
               <a:t> a control </a:t>
             </a:r>
             <a:r>
-              <a:rPr lang="fr-CH" dirty="0" err="1" smtClean="0"/>
+              <a:rPr lang="fr-CH" dirty="0" err="1"/>
               <a:t>mechanism</a:t>
             </a:r>
             <a:r>
-              <a:rPr lang="fr-CH" dirty="0" smtClean="0"/>
+              <a:rPr lang="fr-CH" dirty="0"/>
               <a:t> </a:t>
             </a:r>
             <a:r>
-              <a:rPr lang="fr-CH" dirty="0" err="1" smtClean="0"/>
+              <a:rPr lang="fr-CH" dirty="0" err="1"/>
               <a:t>that</a:t>
             </a:r>
             <a:r>
-              <a:rPr lang="fr-CH" dirty="0" smtClean="0"/>
+              <a:rPr lang="fr-CH" dirty="0"/>
               <a:t> </a:t>
             </a:r>
             <a:r>
-              <a:rPr lang="fr-CH" dirty="0" err="1" smtClean="0"/>
+              <a:rPr lang="fr-CH" dirty="0" err="1"/>
               <a:t>can</a:t>
             </a:r>
             <a:r>
-              <a:rPr lang="fr-CH" dirty="0" smtClean="0"/>
+              <a:rPr lang="fr-CH" dirty="0"/>
               <a:t> </a:t>
             </a:r>
             <a:r>
-              <a:rPr lang="fr-CH" dirty="0" err="1" smtClean="0"/>
+              <a:rPr lang="fr-CH" dirty="0" err="1"/>
               <a:t>stabilize</a:t>
             </a:r>
             <a:r>
-              <a:rPr lang="fr-CH" dirty="0" smtClean="0"/>
+              <a:rPr lang="fr-CH" dirty="0"/>
               <a:t> </a:t>
             </a:r>
             <a:r>
-              <a:rPr lang="fr-CH" dirty="0" err="1" smtClean="0"/>
+              <a:rPr lang="fr-CH" dirty="0" err="1"/>
               <a:t>demand</a:t>
             </a:r>
             <a:r>
-              <a:rPr lang="fr-CH" dirty="0" smtClean="0"/>
+              <a:rPr lang="fr-CH" dirty="0"/>
               <a:t> </a:t>
             </a:r>
           </a:p>
@@ -8822,78 +8778,78 @@
             <a:pPr>
               <a:buNone/>
             </a:pPr>
-            <a:endParaRPr lang="fr-CH" dirty="0" smtClean="0"/>
-          </a:p>
-          <a:p>
-            <a:r>
-              <a:rPr lang="fr-CH" dirty="0" err="1" smtClean="0"/>
+            <a:endParaRPr lang="fr-CH" dirty="0"/>
+          </a:p>
+          <a:p>
+            <a:r>
+              <a:rPr lang="fr-CH" dirty="0" err="1"/>
               <a:t>Instability</a:t>
             </a:r>
             <a:r>
-              <a:rPr lang="fr-CH" dirty="0" smtClean="0"/>
+              <a:rPr lang="fr-CH" dirty="0"/>
               <a:t> </a:t>
             </a:r>
             <a:r>
-              <a:rPr lang="fr-CH" dirty="0" err="1" smtClean="0"/>
+              <a:rPr lang="fr-CH" dirty="0" err="1"/>
               <a:t>can</a:t>
             </a:r>
             <a:r>
-              <a:rPr lang="fr-CH" dirty="0" smtClean="0"/>
+              <a:rPr lang="fr-CH" dirty="0"/>
               <a:t> </a:t>
             </a:r>
             <a:r>
-              <a:rPr lang="fr-CH" dirty="0" err="1" smtClean="0"/>
+              <a:rPr lang="fr-CH" dirty="0" err="1"/>
               <a:t>be</a:t>
             </a:r>
             <a:r>
-              <a:rPr lang="fr-CH" dirty="0" smtClean="0"/>
+              <a:rPr lang="fr-CH" dirty="0"/>
               <a:t> </a:t>
             </a:r>
             <a:r>
-              <a:rPr lang="fr-CH" dirty="0" err="1" smtClean="0"/>
+              <a:rPr lang="fr-CH" dirty="0" err="1"/>
               <a:t>generated</a:t>
             </a:r>
             <a:r>
-              <a:rPr lang="fr-CH" dirty="0" smtClean="0"/>
+              <a:rPr lang="fr-CH" dirty="0"/>
               <a:t> by</a:t>
             </a:r>
           </a:p>
           <a:p>
             <a:pPr lvl="1"/>
             <a:r>
-              <a:rPr lang="fr-CH" dirty="0" err="1" smtClean="0"/>
+              <a:rPr lang="fr-CH" dirty="0" err="1"/>
               <a:t>Delays</a:t>
             </a:r>
             <a:r>
-              <a:rPr lang="fr-CH" dirty="0" smtClean="0"/>
+              <a:rPr lang="fr-CH" dirty="0"/>
               <a:t> in </a:t>
             </a:r>
             <a:r>
-              <a:rPr lang="fr-CH" dirty="0" err="1" smtClean="0"/>
+              <a:rPr lang="fr-CH" dirty="0" err="1"/>
               <a:t>demand</a:t>
             </a:r>
-            <a:endParaRPr lang="fr-CH" dirty="0" smtClean="0"/>
+            <a:endParaRPr lang="fr-CH" dirty="0"/>
           </a:p>
           <a:p>
             <a:pPr lvl="1"/>
             <a:r>
-              <a:rPr lang="fr-CH" dirty="0" err="1" smtClean="0"/>
+              <a:rPr lang="fr-CH" dirty="0" err="1"/>
               <a:t>Increase</a:t>
             </a:r>
             <a:r>
-              <a:rPr lang="fr-CH" dirty="0" smtClean="0"/>
+              <a:rPr lang="fr-CH" dirty="0"/>
               <a:t> in </a:t>
             </a:r>
             <a:r>
-              <a:rPr lang="fr-CH" dirty="0" err="1" smtClean="0"/>
+              <a:rPr lang="fr-CH" dirty="0" err="1"/>
               <a:t>demand</a:t>
             </a:r>
             <a:r>
-              <a:rPr lang="fr-CH" dirty="0" smtClean="0"/>
+              <a:rPr lang="fr-CH" dirty="0"/>
               <a:t> due to </a:t>
             </a:r>
             <a:r>
-              <a:rPr lang="fr-CH" dirty="0" err="1" smtClean="0"/>
+              <a:rPr lang="fr-CH" dirty="0" err="1"/>
               <a:t>delay</a:t>
             </a:r>
             <a:endParaRPr lang="fr-CH" dirty="0"/>
@@ -8934,13 +8890,6 @@
   <p:clrMapOvr>
     <a:masterClrMapping/>
   </p:clrMapOvr>
-  <p:timing>
-    <p:tnLst>
-      <p:par>
-        <p:cTn id="1" dur="indefinite" restart="never" nodeType="tmRoot"/>
-      </p:par>
-    </p:tnLst>
-  </p:timing>
 </p:sld>
 </file>
 
@@ -8977,26 +8926,25 @@
           <a:lstStyle/>
           <a:p>
             <a:r>
-              <a:rPr lang="fr-CH" dirty="0" smtClean="0"/>
+              <a:rPr lang="fr-CH" dirty="0"/>
               <a:t>A </a:t>
             </a:r>
             <a:r>
-              <a:rPr lang="fr-CH" dirty="0" err="1" smtClean="0"/>
+              <a:rPr lang="fr-CH" dirty="0" err="1"/>
               <a:t>Demand</a:t>
             </a:r>
             <a:r>
-              <a:rPr lang="fr-CH" dirty="0" smtClean="0"/>
+              <a:rPr lang="fr-CH" dirty="0"/>
               <a:t> / </a:t>
             </a:r>
             <a:r>
-              <a:rPr lang="fr-CH" dirty="0" err="1" smtClean="0"/>
+              <a:rPr lang="fr-CH" dirty="0" err="1"/>
               <a:t>Supply</a:t>
             </a:r>
             <a:r>
-              <a:rPr lang="fr-CH" dirty="0" smtClean="0"/>
+              <a:rPr lang="fr-CH" dirty="0"/>
               <a:t> Model</a:t>
             </a:r>
-            <a:endParaRPr lang="fr-CH" dirty="0"/>
           </a:p>
         </p:txBody>
       </p:sp>
@@ -9021,19 +8969,19 @@
           <a:lstStyle/>
           <a:p>
             <a:r>
-              <a:rPr lang="fr-CH" dirty="0" err="1" smtClean="0"/>
+              <a:rPr lang="fr-CH" dirty="0" err="1"/>
               <a:t>Inspired</a:t>
             </a:r>
             <a:r>
-              <a:rPr lang="fr-CH" dirty="0" smtClean="0"/>
+              <a:rPr lang="fr-CH" dirty="0"/>
               <a:t> by [</a:t>
             </a:r>
             <a:r>
-              <a:rPr lang="fr-CH" dirty="0" err="1" smtClean="0"/>
+              <a:rPr lang="fr-CH" dirty="0" err="1"/>
               <a:t>Meyn</a:t>
             </a:r>
             <a:r>
-              <a:rPr lang="fr-CH" dirty="0" smtClean="0"/>
+              <a:rPr lang="fr-CH" dirty="0"/>
               <a:t> et al 2010]</a:t>
             </a:r>
           </a:p>
@@ -9123,7 +9071,7 @@
               <a:buNone/>
               <a:tabLst/>
             </a:pPr>
-            <a:endParaRPr kumimoji="0" lang="fr-CH" sz="1800" b="0" i="0" u="none" strike="noStrike" cap="none" normalizeH="0" baseline="0" smtClean="0">
+            <a:endParaRPr kumimoji="0" lang="fr-CH" sz="1800" b="0" i="0" u="none" strike="noStrike" cap="none" normalizeH="0" baseline="0">
               <a:ln>
                 <a:noFill/>
               </a:ln>
@@ -9191,7 +9139,7 @@
               <a:buNone/>
               <a:tabLst/>
             </a:pPr>
-            <a:endParaRPr kumimoji="0" lang="fr-CH" sz="1800" b="0" i="0" u="none" strike="noStrike" cap="none" normalizeH="0" baseline="0" smtClean="0">
+            <a:endParaRPr kumimoji="0" lang="fr-CH" sz="1800" b="0" i="0" u="none" strike="noStrike" cap="none" normalizeH="0" baseline="0">
               <a:ln>
                 <a:noFill/>
               </a:ln>
@@ -9259,7 +9207,7 @@
               <a:buNone/>
               <a:tabLst/>
             </a:pPr>
-            <a:endParaRPr kumimoji="0" lang="fr-CH" sz="1800" b="0" i="0" u="none" strike="noStrike" cap="none" normalizeH="0" baseline="0" smtClean="0">
+            <a:endParaRPr kumimoji="0" lang="fr-CH" sz="1800" b="0" i="0" u="none" strike="noStrike" cap="none" normalizeH="0" baseline="0">
               <a:ln>
                 <a:noFill/>
               </a:ln>
@@ -9327,7 +9275,7 @@
               <a:buNone/>
               <a:tabLst/>
             </a:pPr>
-            <a:endParaRPr kumimoji="0" lang="fr-CH" sz="1800" b="0" i="0" u="none" strike="noStrike" cap="none" normalizeH="0" baseline="0" smtClean="0">
+            <a:endParaRPr kumimoji="0" lang="fr-CH" sz="1800" b="0" i="0" u="none" strike="noStrike" cap="none" normalizeH="0" baseline="0">
               <a:ln>
                 <a:noFill/>
               </a:ln>
@@ -9395,7 +9343,7 @@
               <a:buNone/>
               <a:tabLst/>
             </a:pPr>
-            <a:endParaRPr kumimoji="0" lang="fr-CH" sz="1800" b="0" i="0" u="none" strike="noStrike" cap="none" normalizeH="0" baseline="0" smtClean="0">
+            <a:endParaRPr kumimoji="0" lang="fr-CH" sz="1800" b="0" i="0" u="none" strike="noStrike" cap="none" normalizeH="0" baseline="0">
               <a:ln>
                 <a:noFill/>
               </a:ln>
@@ -9463,7 +9411,7 @@
               <a:buNone/>
               <a:tabLst/>
             </a:pPr>
-            <a:endParaRPr kumimoji="0" lang="fr-CH" sz="1800" b="0" i="0" u="none" strike="noStrike" cap="none" normalizeH="0" baseline="0" smtClean="0">
+            <a:endParaRPr kumimoji="0" lang="fr-CH" sz="1800" b="0" i="0" u="none" strike="noStrike" cap="none" normalizeH="0" baseline="0">
               <a:ln>
                 <a:noFill/>
               </a:ln>
@@ -9516,7 +9464,7 @@
             <a:lstStyle/>
             <a:p>
               <a:r>
-                <a:rPr lang="fr-CH" dirty="0" err="1" smtClean="0">
+                <a:rPr lang="fr-CH" dirty="0" err="1">
                   <a:solidFill>
                     <a:srgbClr val="0000FF"/>
                   </a:solidFill>
@@ -9524,7 +9472,7 @@
                 </a:rPr>
                 <a:t>delay</a:t>
               </a:r>
-              <a:endParaRPr lang="fr-CH" dirty="0" smtClean="0">
+              <a:endParaRPr lang="fr-CH" dirty="0">
                 <a:solidFill>
                   <a:srgbClr val="0000FF"/>
                 </a:solidFill>
@@ -9606,7 +9554,7 @@
             <a:lstStyle/>
             <a:p>
               <a:r>
-                <a:rPr lang="fr-CH" dirty="0" err="1" smtClean="0">
+                <a:rPr lang="fr-CH" dirty="0" err="1">
                   <a:solidFill>
                     <a:srgbClr val="0000FF"/>
                   </a:solidFill>
@@ -9614,7 +9562,7 @@
                 </a:rPr>
                 <a:t>evaporation</a:t>
               </a:r>
-              <a:endParaRPr lang="fr-CH" dirty="0" smtClean="0">
+              <a:endParaRPr lang="fr-CH" dirty="0">
                 <a:solidFill>
                   <a:srgbClr val="0000FF"/>
                 </a:solidFill>
@@ -9696,7 +9644,7 @@
             <a:lstStyle/>
             <a:p>
               <a:r>
-                <a:rPr lang="fr-CH" dirty="0" err="1" smtClean="0">
+                <a:rPr lang="fr-CH" dirty="0" err="1">
                   <a:solidFill>
                     <a:srgbClr val="FF0000"/>
                   </a:solidFill>
@@ -9704,7 +9652,7 @@
                 </a:rPr>
                 <a:t>forecast</a:t>
               </a:r>
-              <a:endParaRPr lang="fr-CH" dirty="0" smtClean="0">
+              <a:endParaRPr lang="fr-CH" dirty="0">
                 <a:solidFill>
                   <a:srgbClr val="FF0000"/>
                 </a:solidFill>
@@ -9818,7 +9766,7 @@
             <a:lstStyle/>
             <a:p>
               <a:r>
-                <a:rPr lang="fr-CH" dirty="0" err="1" smtClean="0">
+                <a:rPr lang="fr-CH" dirty="0" err="1">
                   <a:solidFill>
                     <a:srgbClr val="00B050"/>
                   </a:solidFill>
@@ -9826,7 +9774,7 @@
                 </a:rPr>
                 <a:t>volatility</a:t>
               </a:r>
-              <a:endParaRPr lang="fr-CH" dirty="0" smtClean="0">
+              <a:endParaRPr lang="fr-CH" dirty="0">
                 <a:solidFill>
                   <a:srgbClr val="00B050"/>
                 </a:solidFill>
@@ -9959,7 +9907,7 @@
               <a:lstStyle/>
               <a:p>
                 <a:r>
-                  <a:rPr lang="fr-CH" dirty="0" smtClean="0">
+                  <a:rPr lang="fr-CH" dirty="0">
                     <a:solidFill>
                       <a:schemeClr val="tx1">
                         <a:lumMod val="75000"/>
@@ -9973,7 +9921,7 @@
               </a:p>
               <a:p>
                 <a:r>
-                  <a:rPr lang="fr-CH" dirty="0" err="1" smtClean="0">
+                  <a:rPr lang="fr-CH" dirty="0" err="1">
                     <a:solidFill>
                       <a:schemeClr val="tx1">
                         <a:lumMod val="75000"/>
@@ -9984,7 +9932,7 @@
                   </a:rPr>
                   <a:t>Backlogged</a:t>
                 </a:r>
-                <a:endParaRPr lang="fr-CH" dirty="0" smtClean="0">
+                <a:endParaRPr lang="fr-CH" dirty="0">
                   <a:solidFill>
                     <a:schemeClr val="tx1">
                       <a:lumMod val="75000"/>
@@ -9996,7 +9944,7 @@
               </a:p>
               <a:p>
                 <a:r>
-                  <a:rPr lang="fr-CH" dirty="0" err="1" smtClean="0">
+                  <a:rPr lang="fr-CH" dirty="0" err="1">
                     <a:solidFill>
                       <a:schemeClr val="tx1">
                         <a:lumMod val="75000"/>
@@ -10008,7 +9956,7 @@
                   <a:t>Demand</a:t>
                 </a:r>
                 <a:r>
-                  <a:rPr lang="fr-CH" dirty="0" smtClean="0">
+                  <a:rPr lang="fr-CH" dirty="0">
                     <a:solidFill>
                       <a:schemeClr val="tx1">
                         <a:lumMod val="75000"/>
@@ -10019,15 +9967,6 @@
                   </a:rPr>
                   <a:t> Z(t)</a:t>
                 </a:r>
-                <a:endParaRPr lang="fr-CH" dirty="0">
-                  <a:solidFill>
-                    <a:schemeClr val="tx1">
-                      <a:lumMod val="75000"/>
-                      <a:lumOff val="25000"/>
-                    </a:schemeClr>
-                  </a:solidFill>
-                  <a:latin typeface="+mj-lt"/>
-                </a:endParaRPr>
               </a:p>
             </p:txBody>
           </p:sp>
@@ -10057,7 +9996,7 @@
               <a:lstStyle/>
               <a:p>
                 <a:r>
-                  <a:rPr lang="fr-CH" dirty="0" smtClean="0">
+                  <a:rPr lang="fr-CH" dirty="0">
                     <a:solidFill>
                       <a:schemeClr val="tx1">
                         <a:lumMod val="75000"/>
@@ -10069,7 +10008,7 @@
                   <a:t>Natural </a:t>
                 </a:r>
                 <a:r>
-                  <a:rPr lang="fr-CH" dirty="0" err="1" smtClean="0">
+                  <a:rPr lang="fr-CH" dirty="0" err="1">
                     <a:solidFill>
                       <a:schemeClr val="tx1">
                         <a:lumMod val="75000"/>
@@ -10081,7 +10020,7 @@
                   <a:t>Demand</a:t>
                 </a:r>
                 <a:r>
-                  <a:rPr lang="fr-CH" dirty="0" smtClean="0">
+                  <a:rPr lang="fr-CH" dirty="0">
                     <a:solidFill>
                       <a:schemeClr val="tx1">
                         <a:lumMod val="75000"/>
@@ -10093,7 +10032,7 @@
                   <a:t> D</a:t>
                 </a:r>
                 <a:r>
-                  <a:rPr lang="fr-CH" baseline="30000" dirty="0" smtClean="0">
+                  <a:rPr lang="fr-CH" baseline="30000" dirty="0">
                     <a:solidFill>
                       <a:schemeClr val="tx1">
                         <a:lumMod val="75000"/>
@@ -10105,7 +10044,7 @@
                   <a:t>a</a:t>
                 </a:r>
                 <a:r>
-                  <a:rPr lang="fr-CH" dirty="0" smtClean="0">
+                  <a:rPr lang="fr-CH" dirty="0">
                     <a:solidFill>
                       <a:schemeClr val="tx1">
                         <a:lumMod val="75000"/>
@@ -10150,7 +10089,7 @@
               <a:lstStyle/>
               <a:p>
                 <a:r>
-                  <a:rPr lang="fr-CH" dirty="0" smtClean="0">
+                  <a:rPr lang="fr-CH" dirty="0">
                     <a:solidFill>
                       <a:schemeClr val="tx1">
                         <a:lumMod val="75000"/>
@@ -10264,7 +10203,7 @@
               <a:lstStyle/>
               <a:p>
                 <a:r>
-                  <a:rPr lang="fr-CH" dirty="0" smtClean="0">
+                  <a:rPr lang="fr-CH" dirty="0">
                     <a:solidFill>
                       <a:schemeClr val="tx1">
                         <a:lumMod val="75000"/>
@@ -10427,7 +10366,7 @@
               <a:lstStyle/>
               <a:p>
                 <a:r>
-                  <a:rPr lang="fr-CH" dirty="0" err="1" smtClean="0">
+                  <a:rPr lang="fr-CH" dirty="0" err="1">
                     <a:solidFill>
                       <a:schemeClr val="tx1">
                         <a:lumMod val="75000"/>
@@ -10439,7 +10378,7 @@
                   <a:t>Frustrated</a:t>
                 </a:r>
                 <a:r>
-                  <a:rPr lang="fr-CH" dirty="0" smtClean="0">
+                  <a:rPr lang="fr-CH" dirty="0">
                     <a:solidFill>
                       <a:schemeClr val="tx1">
                         <a:lumMod val="75000"/>
@@ -10451,7 +10390,7 @@
                   <a:t> </a:t>
                 </a:r>
                 <a:r>
-                  <a:rPr lang="fr-CH" dirty="0" err="1" smtClean="0">
+                  <a:rPr lang="fr-CH" dirty="0" err="1">
                     <a:solidFill>
                       <a:schemeClr val="tx1">
                         <a:lumMod val="75000"/>
@@ -10463,7 +10402,7 @@
                   <a:t>Demand</a:t>
                 </a:r>
                 <a:r>
-                  <a:rPr lang="fr-CH" dirty="0" smtClean="0">
+                  <a:rPr lang="fr-CH" dirty="0">
                     <a:solidFill>
                       <a:schemeClr val="tx1">
                         <a:lumMod val="75000"/>
@@ -10503,7 +10442,7 @@
               <a:lstStyle/>
               <a:p>
                 <a:r>
-                  <a:rPr lang="fr-CH" dirty="0" err="1" smtClean="0">
+                  <a:rPr lang="fr-CH" dirty="0" err="1">
                     <a:solidFill>
                       <a:schemeClr val="tx1">
                         <a:lumMod val="75000"/>
@@ -10514,20 +10453,8 @@
                   </a:rPr>
                   <a:t>Expressed</a:t>
                 </a:r>
-                <a:r>
-                  <a:rPr lang="fr-CH" dirty="0" smtClean="0">
-                    <a:solidFill>
-                      <a:schemeClr val="tx1">
-                        <a:lumMod val="75000"/>
-                        <a:lumOff val="25000"/>
-                      </a:schemeClr>
-                    </a:solidFill>
-                    <a:latin typeface="+mj-lt"/>
-                  </a:rPr>
-                  <a:t/>
-                </a:r>
                 <a:br>
-                  <a:rPr lang="fr-CH" dirty="0" smtClean="0">
+                  <a:rPr lang="fr-CH" dirty="0">
                     <a:solidFill>
                       <a:schemeClr val="tx1">
                         <a:lumMod val="75000"/>
@@ -10538,7 +10465,7 @@
                   </a:rPr>
                 </a:br>
                 <a:r>
-                  <a:rPr lang="fr-CH" dirty="0" err="1" smtClean="0">
+                  <a:rPr lang="fr-CH" dirty="0" err="1">
                     <a:solidFill>
                       <a:schemeClr val="tx1">
                         <a:lumMod val="75000"/>
@@ -10550,7 +10477,7 @@
                   <a:t>Demand</a:t>
                 </a:r>
                 <a:r>
-                  <a:rPr lang="fr-CH" dirty="0" smtClean="0">
+                  <a:rPr lang="fr-CH" dirty="0">
                     <a:solidFill>
                       <a:schemeClr val="tx1">
                         <a:lumMod val="75000"/>
@@ -10562,7 +10489,7 @@
                   <a:t> </a:t>
                 </a:r>
                 <a:r>
-                  <a:rPr lang="fr-CH" dirty="0" err="1" smtClean="0">
+                  <a:rPr lang="fr-CH" dirty="0" err="1">
                     <a:solidFill>
                       <a:schemeClr val="tx1">
                         <a:lumMod val="75000"/>
@@ -10574,7 +10501,7 @@
                   <a:t>E</a:t>
                 </a:r>
                 <a:r>
-                  <a:rPr lang="fr-CH" baseline="30000" dirty="0" err="1" smtClean="0">
+                  <a:rPr lang="fr-CH" baseline="30000" dirty="0" err="1">
                     <a:solidFill>
                       <a:schemeClr val="tx1">
                         <a:lumMod val="75000"/>
@@ -10586,7 +10513,7 @@
                   <a:t>a</a:t>
                 </a:r>
                 <a:r>
-                  <a:rPr lang="fr-CH" dirty="0" smtClean="0">
+                  <a:rPr lang="fr-CH" dirty="0">
                     <a:solidFill>
                       <a:schemeClr val="tx1">
                         <a:lumMod val="75000"/>
@@ -10626,7 +10553,7 @@
               <a:lstStyle/>
               <a:p>
                 <a:r>
-                  <a:rPr lang="fr-CH" dirty="0" err="1" smtClean="0">
+                  <a:rPr lang="fr-CH" dirty="0" err="1">
                     <a:solidFill>
                       <a:schemeClr val="tx1">
                         <a:lumMod val="75000"/>
@@ -10638,7 +10565,7 @@
                   <a:t>Returning</a:t>
                 </a:r>
                 <a:r>
-                  <a:rPr lang="fr-CH" dirty="0" smtClean="0">
+                  <a:rPr lang="fr-CH" dirty="0">
                     <a:solidFill>
                       <a:schemeClr val="tx1">
                         <a:lumMod val="75000"/>
@@ -10650,7 +10577,7 @@
                   <a:t> </a:t>
                 </a:r>
                 <a:r>
-                  <a:rPr lang="fr-CH" dirty="0" err="1" smtClean="0">
+                  <a:rPr lang="fr-CH" dirty="0" err="1">
                     <a:solidFill>
                       <a:schemeClr val="tx1">
                         <a:lumMod val="75000"/>
@@ -10661,20 +10588,8 @@
                   </a:rPr>
                   <a:t>demand</a:t>
                 </a:r>
-                <a:r>
-                  <a:rPr lang="fr-CH" dirty="0" smtClean="0">
-                    <a:solidFill>
-                      <a:schemeClr val="tx1">
-                        <a:lumMod val="75000"/>
-                        <a:lumOff val="25000"/>
-                      </a:schemeClr>
-                    </a:solidFill>
-                    <a:latin typeface="+mj-lt"/>
-                  </a:rPr>
-                  <a:t/>
-                </a:r>
                 <a:br>
-                  <a:rPr lang="fr-CH" dirty="0" smtClean="0">
+                  <a:rPr lang="fr-CH" dirty="0">
                     <a:solidFill>
                       <a:schemeClr val="tx1">
                         <a:lumMod val="75000"/>
@@ -10685,7 +10600,7 @@
                   </a:rPr>
                 </a:br>
                 <a:r>
-                  <a:rPr lang="fr-CH" dirty="0" smtClean="0">
+                  <a:rPr lang="fr-CH" dirty="0">
                     <a:solidFill>
                       <a:schemeClr val="tx1">
                         <a:lumMod val="75000"/>
@@ -10697,7 +10612,7 @@
                   <a:t>B(t) = </a:t>
                 </a:r>
                 <a:r>
-                  <a:rPr lang="el-GR" dirty="0" smtClean="0">
+                  <a:rPr lang="el-GR" dirty="0">
                     <a:solidFill>
                       <a:schemeClr val="tx1">
                         <a:lumMod val="75000"/>
@@ -10709,7 +10624,7 @@
                   <a:t>λ</a:t>
                 </a:r>
                 <a:r>
-                  <a:rPr lang="fr-CH" dirty="0" smtClean="0">
+                  <a:rPr lang="fr-CH" dirty="0">
                     <a:solidFill>
                       <a:schemeClr val="tx1">
                         <a:lumMod val="75000"/>
@@ -10749,7 +10664,7 @@
               <a:lstStyle/>
               <a:p>
                 <a:r>
-                  <a:rPr lang="fr-CH" dirty="0" smtClean="0">
+                  <a:rPr lang="fr-CH" dirty="0">
                     <a:solidFill>
                       <a:schemeClr val="tx1">
                         <a:lumMod val="75000"/>
@@ -10761,7 +10676,7 @@
                   <a:t>Evaporation </a:t>
                 </a:r>
                 <a:r>
-                  <a:rPr lang="el-GR" dirty="0" smtClean="0">
+                  <a:rPr lang="el-GR" dirty="0">
                     <a:solidFill>
                       <a:schemeClr val="tx1">
                         <a:lumMod val="75000"/>
@@ -10773,7 +10688,7 @@
                   <a:t>μ</a:t>
                 </a:r>
                 <a:r>
-                  <a:rPr lang="fr-CH" dirty="0" smtClean="0">
+                  <a:rPr lang="fr-CH" dirty="0">
                     <a:solidFill>
                       <a:schemeClr val="tx1">
                         <a:lumMod val="75000"/>
@@ -10887,7 +10802,7 @@
               <a:lstStyle/>
               <a:p>
                 <a:r>
-                  <a:rPr lang="fr-CH" dirty="0" err="1" smtClean="0">
+                  <a:rPr lang="fr-CH" dirty="0" err="1">
                     <a:solidFill>
                       <a:schemeClr val="tx1">
                         <a:lumMod val="75000"/>
@@ -10899,7 +10814,7 @@
                   <a:t>Supply</a:t>
                 </a:r>
                 <a:r>
-                  <a:rPr lang="fr-CH" dirty="0" smtClean="0">
+                  <a:rPr lang="fr-CH" dirty="0">
                     <a:solidFill>
                       <a:schemeClr val="tx1">
                         <a:lumMod val="75000"/>
@@ -10911,7 +10826,7 @@
                   <a:t> G</a:t>
                 </a:r>
                 <a:r>
-                  <a:rPr lang="fr-CH" baseline="30000" dirty="0" smtClean="0">
+                  <a:rPr lang="fr-CH" baseline="30000" dirty="0">
                     <a:solidFill>
                       <a:schemeClr val="tx1">
                         <a:lumMod val="75000"/>
@@ -10923,7 +10838,7 @@
                   <a:t>a</a:t>
                 </a:r>
                 <a:r>
-                  <a:rPr lang="fr-CH" dirty="0" smtClean="0">
+                  <a:rPr lang="fr-CH" dirty="0">
                     <a:solidFill>
                       <a:schemeClr val="tx1">
                         <a:lumMod val="75000"/>
@@ -11080,7 +10995,7 @@
               <a:lstStyle/>
               <a:p>
                 <a:r>
-                  <a:rPr lang="fr-CH" dirty="0" err="1" smtClean="0">
+                  <a:rPr lang="fr-CH" dirty="0" err="1">
                     <a:solidFill>
                       <a:schemeClr val="tx1">
                         <a:lumMod val="75000"/>
@@ -11091,7 +11006,7 @@
                   </a:rPr>
                   <a:t>Satisfied</a:t>
                 </a:r>
-                <a:endParaRPr lang="fr-CH" dirty="0" smtClean="0">
+                <a:endParaRPr lang="fr-CH" dirty="0">
                   <a:solidFill>
                     <a:schemeClr val="tx1">
                       <a:lumMod val="75000"/>
@@ -11103,7 +11018,7 @@
               </a:p>
               <a:p>
                 <a:r>
-                  <a:rPr lang="fr-CH" dirty="0" err="1" smtClean="0">
+                  <a:rPr lang="fr-CH" dirty="0" err="1">
                     <a:solidFill>
                       <a:schemeClr val="tx1">
                         <a:lumMod val="75000"/>
@@ -11114,7 +11029,7 @@
                   </a:rPr>
                   <a:t>Demand</a:t>
                 </a:r>
-                <a:endParaRPr lang="fr-CH" dirty="0" smtClean="0">
+                <a:endParaRPr lang="fr-CH" dirty="0">
                   <a:solidFill>
                     <a:schemeClr val="tx1">
                       <a:lumMod val="75000"/>
@@ -11412,11 +11327,11 @@
           <a:lstStyle/>
           <a:p>
             <a:r>
-              <a:rPr lang="fr-CH" dirty="0" smtClean="0"/>
+              <a:rPr lang="fr-CH" dirty="0"/>
               <a:t>The Control </a:t>
             </a:r>
             <a:r>
-              <a:rPr lang="fr-CH" dirty="0" err="1" smtClean="0"/>
+              <a:rPr lang="fr-CH" dirty="0" err="1"/>
               <a:t>Problem</a:t>
             </a:r>
             <a:endParaRPr lang="fr-CH" dirty="0"/>
@@ -11444,153 +11359,153 @@
           <a:lstStyle/>
           <a:p>
             <a:r>
-              <a:rPr lang="fr-CH" sz="2000" dirty="0" smtClean="0"/>
+              <a:rPr lang="fr-CH" sz="2000" dirty="0"/>
               <a:t>Control variable:  G(t-1), production </a:t>
             </a:r>
             <a:r>
-              <a:rPr lang="fr-CH" sz="2000" dirty="0" err="1" smtClean="0"/>
+              <a:rPr lang="fr-CH" sz="2000" dirty="0" err="1"/>
               <a:t>bought</a:t>
             </a:r>
             <a:r>
-              <a:rPr lang="fr-CH" sz="2000" dirty="0" smtClean="0"/>
+              <a:rPr lang="fr-CH" sz="2000" dirty="0"/>
               <a:t> one second </a:t>
             </a:r>
             <a:r>
-              <a:rPr lang="fr-CH" sz="2000" dirty="0" err="1" smtClean="0"/>
+              <a:rPr lang="fr-CH" sz="2000" dirty="0" err="1"/>
               <a:t>ago</a:t>
             </a:r>
             <a:r>
-              <a:rPr lang="fr-CH" sz="2000" dirty="0" smtClean="0"/>
+              <a:rPr lang="fr-CH" sz="2000" dirty="0"/>
               <a:t> in real time </a:t>
             </a:r>
             <a:r>
-              <a:rPr lang="fr-CH" sz="2000" dirty="0" err="1" smtClean="0"/>
+              <a:rPr lang="fr-CH" sz="2000" dirty="0" err="1"/>
               <a:t>market</a:t>
             </a:r>
-            <a:endParaRPr lang="fr-CH" sz="2000" dirty="0" smtClean="0"/>
-          </a:p>
-          <a:p>
-            <a:r>
-              <a:rPr lang="fr-CH" sz="2000" dirty="0" smtClean="0"/>
+            <a:endParaRPr lang="fr-CH" sz="2000" dirty="0"/>
+          </a:p>
+          <a:p>
+            <a:r>
+              <a:rPr lang="fr-CH" sz="2000" dirty="0"/>
               <a:t>Controller </a:t>
             </a:r>
             <a:r>
-              <a:rPr lang="fr-CH" sz="2000" dirty="0" err="1" smtClean="0"/>
+              <a:rPr lang="fr-CH" sz="2000" dirty="0" err="1"/>
               <a:t>sees</a:t>
             </a:r>
             <a:r>
-              <a:rPr lang="fr-CH" sz="2000" dirty="0" smtClean="0"/>
+              <a:rPr lang="fr-CH" sz="2000" dirty="0"/>
               <a:t> </a:t>
             </a:r>
             <a:r>
-              <a:rPr lang="fr-CH" sz="2000" dirty="0" err="1" smtClean="0"/>
+              <a:rPr lang="fr-CH" sz="2000" dirty="0" err="1"/>
               <a:t>only</a:t>
             </a:r>
             <a:r>
-              <a:rPr lang="fr-CH" sz="2000" dirty="0" smtClean="0"/>
+              <a:rPr lang="fr-CH" sz="2000" dirty="0"/>
               <a:t> </a:t>
             </a:r>
             <a:r>
-              <a:rPr lang="fr-CH" sz="2000" dirty="0" err="1" smtClean="0"/>
+              <a:rPr lang="fr-CH" sz="2000" dirty="0" err="1"/>
               <a:t>supply</a:t>
             </a:r>
             <a:r>
-              <a:rPr lang="fr-CH" sz="2000" dirty="0" smtClean="0"/>
+              <a:rPr lang="fr-CH" sz="2000" dirty="0"/>
               <a:t> G</a:t>
             </a:r>
             <a:r>
-              <a:rPr lang="fr-CH" sz="2000" baseline="30000" dirty="0" smtClean="0"/>
+              <a:rPr lang="fr-CH" sz="2000" baseline="30000" dirty="0"/>
               <a:t>a</a:t>
             </a:r>
             <a:r>
-              <a:rPr lang="fr-CH" sz="2000" dirty="0" smtClean="0"/>
+              <a:rPr lang="fr-CH" sz="2000" dirty="0"/>
               <a:t>(t) and </a:t>
             </a:r>
             <a:r>
-              <a:rPr lang="fr-CH" sz="2000" dirty="0" err="1" smtClean="0"/>
+              <a:rPr lang="fr-CH" sz="2000" dirty="0" err="1"/>
               <a:t>expressed</a:t>
             </a:r>
             <a:r>
-              <a:rPr lang="fr-CH" sz="2000" dirty="0" smtClean="0"/>
+              <a:rPr lang="fr-CH" sz="2000" dirty="0"/>
               <a:t> </a:t>
             </a:r>
             <a:r>
-              <a:rPr lang="fr-CH" sz="2000" dirty="0" err="1" smtClean="0"/>
+              <a:rPr lang="fr-CH" sz="2000" dirty="0" err="1"/>
               <a:t>demand</a:t>
             </a:r>
             <a:r>
-              <a:rPr lang="fr-CH" sz="2000" dirty="0" smtClean="0"/>
+              <a:rPr lang="fr-CH" sz="2000" dirty="0"/>
               <a:t> </a:t>
             </a:r>
             <a:r>
-              <a:rPr lang="fr-CH" sz="2000" dirty="0" err="1" smtClean="0"/>
+              <a:rPr lang="fr-CH" sz="2000" dirty="0" err="1"/>
               <a:t>E</a:t>
             </a:r>
             <a:r>
-              <a:rPr lang="fr-CH" sz="2000" baseline="30000" dirty="0" err="1" smtClean="0"/>
+              <a:rPr lang="fr-CH" sz="2000" baseline="30000" dirty="0" err="1"/>
               <a:t>a</a:t>
             </a:r>
             <a:r>
-              <a:rPr lang="fr-CH" sz="2000" dirty="0" smtClean="0"/>
+              <a:rPr lang="fr-CH" sz="2000" dirty="0"/>
               <a:t>(t)</a:t>
             </a:r>
           </a:p>
           <a:p>
             <a:r>
-              <a:rPr lang="fr-CH" sz="2000" dirty="0" smtClean="0"/>
+              <a:rPr lang="fr-CH" sz="2000" dirty="0"/>
               <a:t>Our (initial) </a:t>
             </a:r>
             <a:r>
-              <a:rPr lang="fr-CH" sz="2000" dirty="0" err="1" smtClean="0"/>
+              <a:rPr lang="fr-CH" sz="2000" dirty="0" err="1"/>
               <a:t>problem</a:t>
             </a:r>
             <a:r>
-              <a:rPr lang="fr-CH" sz="2000" dirty="0" smtClean="0"/>
+              <a:rPr lang="fr-CH" sz="2000" dirty="0"/>
               <a:t>: </a:t>
             </a:r>
             <a:r>
-              <a:rPr lang="fr-CH" sz="2000" dirty="0" err="1" smtClean="0"/>
+              <a:rPr lang="fr-CH" sz="2000" dirty="0" err="1"/>
               <a:t>keep</a:t>
             </a:r>
             <a:r>
-              <a:rPr lang="fr-CH" sz="2000" dirty="0" smtClean="0"/>
+              <a:rPr lang="fr-CH" sz="2000" dirty="0"/>
               <a:t> Z(t) stable</a:t>
             </a:r>
           </a:p>
           <a:p>
             <a:r>
-              <a:rPr lang="fr-CH" sz="2000" dirty="0" smtClean="0"/>
+              <a:rPr lang="fr-CH" sz="2000" dirty="0"/>
               <a:t>Assume </a:t>
             </a:r>
             <a:r>
-              <a:rPr lang="fr-CH" sz="2000" dirty="0" err="1" smtClean="0"/>
+              <a:rPr lang="fr-CH" sz="2000" dirty="0" err="1"/>
               <a:t>ramp</a:t>
             </a:r>
             <a:r>
-              <a:rPr lang="fr-CH" sz="2000" dirty="0" smtClean="0"/>
+              <a:rPr lang="fr-CH" sz="2000" dirty="0"/>
               <a:t>-up </a:t>
             </a:r>
             <a:r>
-              <a:rPr lang="fr-CH" sz="2000" dirty="0" err="1" smtClean="0"/>
+              <a:rPr lang="fr-CH" sz="2000" dirty="0" err="1"/>
               <a:t>constraint</a:t>
             </a:r>
             <a:r>
-              <a:rPr lang="fr-CH" sz="2000" dirty="0" smtClean="0"/>
+              <a:rPr lang="fr-CH" sz="2000" dirty="0"/>
               <a:t> </a:t>
             </a:r>
             <a:r>
-              <a:rPr lang="fr-CH" sz="2000" dirty="0" err="1" smtClean="0"/>
+              <a:rPr lang="fr-CH" sz="2000" dirty="0" err="1"/>
               <a:t>only</a:t>
             </a:r>
             <a:r>
-              <a:rPr lang="fr-CH" sz="2000" dirty="0" smtClean="0"/>
+              <a:rPr lang="fr-CH" sz="2000" dirty="0"/>
               <a:t>  G(t)-G(t-1) ≤ </a:t>
             </a:r>
             <a:r>
-              <a:rPr lang="el-GR" sz="2000" dirty="0" smtClean="0"/>
+              <a:rPr lang="el-GR" sz="2000" dirty="0"/>
               <a:t>ζ</a:t>
             </a:r>
-            <a:endParaRPr lang="fr-CH" sz="2000" dirty="0" smtClean="0"/>
+            <a:endParaRPr lang="fr-CH" sz="2000" dirty="0"/>
           </a:p>
         </p:txBody>
       </p:sp>
@@ -11682,7 +11597,7 @@
               <a:lstStyle/>
               <a:p>
                 <a:r>
-                  <a:rPr lang="fr-CH" dirty="0" smtClean="0">
+                  <a:rPr lang="fr-CH" dirty="0">
                     <a:solidFill>
                       <a:schemeClr val="tx1">
                         <a:lumMod val="75000"/>
@@ -11696,7 +11611,7 @@
               </a:p>
               <a:p>
                 <a:r>
-                  <a:rPr lang="fr-CH" dirty="0" err="1" smtClean="0">
+                  <a:rPr lang="fr-CH" dirty="0" err="1">
                     <a:solidFill>
                       <a:schemeClr val="tx1">
                         <a:lumMod val="75000"/>
@@ -11707,7 +11622,7 @@
                   </a:rPr>
                   <a:t>Backlogged</a:t>
                 </a:r>
-                <a:endParaRPr lang="fr-CH" dirty="0" smtClean="0">
+                <a:endParaRPr lang="fr-CH" dirty="0">
                   <a:solidFill>
                     <a:schemeClr val="tx1">
                       <a:lumMod val="75000"/>
@@ -11719,7 +11634,7 @@
               </a:p>
               <a:p>
                 <a:r>
-                  <a:rPr lang="fr-CH" dirty="0" err="1" smtClean="0">
+                  <a:rPr lang="fr-CH" dirty="0" err="1">
                     <a:solidFill>
                       <a:schemeClr val="tx1">
                         <a:lumMod val="75000"/>
@@ -11731,7 +11646,7 @@
                   <a:t>Demand</a:t>
                 </a:r>
                 <a:r>
-                  <a:rPr lang="fr-CH" dirty="0" smtClean="0">
+                  <a:rPr lang="fr-CH" dirty="0">
                     <a:solidFill>
                       <a:schemeClr val="tx1">
                         <a:lumMod val="75000"/>
@@ -11742,15 +11657,6 @@
                   </a:rPr>
                   <a:t> Z(t)</a:t>
                 </a:r>
-                <a:endParaRPr lang="fr-CH" dirty="0">
-                  <a:solidFill>
-                    <a:schemeClr val="tx1">
-                      <a:lumMod val="75000"/>
-                      <a:lumOff val="25000"/>
-                    </a:schemeClr>
-                  </a:solidFill>
-                  <a:latin typeface="+mj-lt"/>
-                </a:endParaRPr>
               </a:p>
             </p:txBody>
           </p:sp>
@@ -11780,7 +11686,7 @@
               <a:lstStyle/>
               <a:p>
                 <a:r>
-                  <a:rPr lang="fr-CH" dirty="0" smtClean="0">
+                  <a:rPr lang="fr-CH" dirty="0">
                     <a:solidFill>
                       <a:schemeClr val="tx1">
                         <a:lumMod val="75000"/>
@@ -11792,7 +11698,7 @@
                   <a:t>Natural </a:t>
                 </a:r>
                 <a:r>
-                  <a:rPr lang="fr-CH" dirty="0" err="1" smtClean="0">
+                  <a:rPr lang="fr-CH" dirty="0" err="1">
                     <a:solidFill>
                       <a:schemeClr val="tx1">
                         <a:lumMod val="75000"/>
@@ -11804,7 +11710,7 @@
                   <a:t>Demand</a:t>
                 </a:r>
                 <a:r>
-                  <a:rPr lang="fr-CH" dirty="0" smtClean="0">
+                  <a:rPr lang="fr-CH" dirty="0">
                     <a:solidFill>
                       <a:schemeClr val="tx1">
                         <a:lumMod val="75000"/>
@@ -11816,7 +11722,7 @@
                   <a:t> D</a:t>
                 </a:r>
                 <a:r>
-                  <a:rPr lang="fr-CH" baseline="30000" dirty="0" smtClean="0">
+                  <a:rPr lang="fr-CH" baseline="30000" dirty="0">
                     <a:solidFill>
                       <a:schemeClr val="tx1">
                         <a:lumMod val="75000"/>
@@ -11828,7 +11734,7 @@
                   <a:t>a</a:t>
                 </a:r>
                 <a:r>
-                  <a:rPr lang="fr-CH" dirty="0" smtClean="0">
+                  <a:rPr lang="fr-CH" dirty="0">
                     <a:solidFill>
                       <a:schemeClr val="tx1">
                         <a:lumMod val="75000"/>
@@ -11873,7 +11779,7 @@
               <a:lstStyle/>
               <a:p>
                 <a:r>
-                  <a:rPr lang="fr-CH" dirty="0" smtClean="0">
+                  <a:rPr lang="fr-CH" dirty="0">
                     <a:solidFill>
                       <a:schemeClr val="tx1">
                         <a:lumMod val="75000"/>
@@ -11987,7 +11893,7 @@
               <a:lstStyle/>
               <a:p>
                 <a:r>
-                  <a:rPr lang="fr-CH" dirty="0" smtClean="0">
+                  <a:rPr lang="fr-CH" dirty="0">
                     <a:solidFill>
                       <a:schemeClr val="tx1">
                         <a:lumMod val="75000"/>
@@ -12150,7 +12056,7 @@
               <a:lstStyle/>
               <a:p>
                 <a:r>
-                  <a:rPr lang="fr-CH" dirty="0" err="1" smtClean="0">
+                  <a:rPr lang="fr-CH" dirty="0" err="1">
                     <a:solidFill>
                       <a:schemeClr val="tx1">
                         <a:lumMod val="75000"/>
@@ -12162,7 +12068,7 @@
                   <a:t>Frustrated</a:t>
                 </a:r>
                 <a:r>
-                  <a:rPr lang="fr-CH" dirty="0" smtClean="0">
+                  <a:rPr lang="fr-CH" dirty="0">
                     <a:solidFill>
                       <a:schemeClr val="tx1">
                         <a:lumMod val="75000"/>
@@ -12174,7 +12080,7 @@
                   <a:t> </a:t>
                 </a:r>
                 <a:r>
-                  <a:rPr lang="fr-CH" dirty="0" err="1" smtClean="0">
+                  <a:rPr lang="fr-CH" dirty="0" err="1">
                     <a:solidFill>
                       <a:schemeClr val="tx1">
                         <a:lumMod val="75000"/>
@@ -12186,7 +12092,7 @@
                   <a:t>Demand</a:t>
                 </a:r>
                 <a:r>
-                  <a:rPr lang="fr-CH" dirty="0" smtClean="0">
+                  <a:rPr lang="fr-CH" dirty="0">
                     <a:solidFill>
                       <a:schemeClr val="tx1">
                         <a:lumMod val="75000"/>
@@ -12226,7 +12132,7 @@
               <a:lstStyle/>
               <a:p>
                 <a:r>
-                  <a:rPr lang="fr-CH" dirty="0" err="1" smtClean="0">
+                  <a:rPr lang="fr-CH" dirty="0" err="1">
                     <a:solidFill>
                       <a:schemeClr val="tx1">
                         <a:lumMod val="75000"/>
@@ -12237,20 +12143,8 @@
                   </a:rPr>
                   <a:t>Expressed</a:t>
                 </a:r>
-                <a:r>
-                  <a:rPr lang="fr-CH" dirty="0" smtClean="0">
-                    <a:solidFill>
-                      <a:schemeClr val="tx1">
-                        <a:lumMod val="75000"/>
-                        <a:lumOff val="25000"/>
-                      </a:schemeClr>
-                    </a:solidFill>
-                    <a:latin typeface="+mj-lt"/>
-                  </a:rPr>
-                  <a:t/>
-                </a:r>
                 <a:br>
-                  <a:rPr lang="fr-CH" dirty="0" smtClean="0">
+                  <a:rPr lang="fr-CH" dirty="0">
                     <a:solidFill>
                       <a:schemeClr val="tx1">
                         <a:lumMod val="75000"/>
@@ -12261,7 +12155,7 @@
                   </a:rPr>
                 </a:br>
                 <a:r>
-                  <a:rPr lang="fr-CH" dirty="0" err="1" smtClean="0">
+                  <a:rPr lang="fr-CH" dirty="0" err="1">
                     <a:solidFill>
                       <a:schemeClr val="tx1">
                         <a:lumMod val="75000"/>
@@ -12273,7 +12167,7 @@
                   <a:t>Demand</a:t>
                 </a:r>
                 <a:r>
-                  <a:rPr lang="fr-CH" dirty="0" smtClean="0">
+                  <a:rPr lang="fr-CH" dirty="0">
                     <a:solidFill>
                       <a:schemeClr val="tx1">
                         <a:lumMod val="75000"/>
@@ -12285,7 +12179,7 @@
                   <a:t> </a:t>
                 </a:r>
                 <a:r>
-                  <a:rPr lang="fr-CH" dirty="0" err="1" smtClean="0">
+                  <a:rPr lang="fr-CH" dirty="0" err="1">
                     <a:solidFill>
                       <a:schemeClr val="tx1">
                         <a:lumMod val="75000"/>
@@ -12297,7 +12191,7 @@
                   <a:t>E</a:t>
                 </a:r>
                 <a:r>
-                  <a:rPr lang="fr-CH" baseline="30000" dirty="0" err="1" smtClean="0">
+                  <a:rPr lang="fr-CH" baseline="30000" dirty="0" err="1">
                     <a:solidFill>
                       <a:schemeClr val="tx1">
                         <a:lumMod val="75000"/>
@@ -12309,7 +12203,7 @@
                   <a:t>a</a:t>
                 </a:r>
                 <a:r>
-                  <a:rPr lang="fr-CH" dirty="0" smtClean="0">
+                  <a:rPr lang="fr-CH" dirty="0">
                     <a:solidFill>
                       <a:schemeClr val="tx1">
                         <a:lumMod val="75000"/>
@@ -12349,7 +12243,7 @@
               <a:lstStyle/>
               <a:p>
                 <a:r>
-                  <a:rPr lang="fr-CH" dirty="0" err="1" smtClean="0">
+                  <a:rPr lang="fr-CH" dirty="0" err="1">
                     <a:solidFill>
                       <a:schemeClr val="tx1">
                         <a:lumMod val="75000"/>
@@ -12361,7 +12255,7 @@
                   <a:t>Returning</a:t>
                 </a:r>
                 <a:r>
-                  <a:rPr lang="fr-CH" dirty="0" smtClean="0">
+                  <a:rPr lang="fr-CH" dirty="0">
                     <a:solidFill>
                       <a:schemeClr val="tx1">
                         <a:lumMod val="75000"/>
@@ -12373,7 +12267,7 @@
                   <a:t> </a:t>
                 </a:r>
                 <a:r>
-                  <a:rPr lang="fr-CH" dirty="0" err="1" smtClean="0">
+                  <a:rPr lang="fr-CH" dirty="0" err="1">
                     <a:solidFill>
                       <a:schemeClr val="tx1">
                         <a:lumMod val="75000"/>
@@ -12384,20 +12278,8 @@
                   </a:rPr>
                   <a:t>demand</a:t>
                 </a:r>
-                <a:r>
-                  <a:rPr lang="fr-CH" dirty="0" smtClean="0">
-                    <a:solidFill>
-                      <a:schemeClr val="tx1">
-                        <a:lumMod val="75000"/>
-                        <a:lumOff val="25000"/>
-                      </a:schemeClr>
-                    </a:solidFill>
-                    <a:latin typeface="+mj-lt"/>
-                  </a:rPr>
-                  <a:t/>
-                </a:r>
                 <a:br>
-                  <a:rPr lang="fr-CH" dirty="0" smtClean="0">
+                  <a:rPr lang="fr-CH" dirty="0">
                     <a:solidFill>
                       <a:schemeClr val="tx1">
                         <a:lumMod val="75000"/>
@@ -12408,7 +12290,7 @@
                   </a:rPr>
                 </a:br>
                 <a:r>
-                  <a:rPr lang="fr-CH" dirty="0" smtClean="0">
+                  <a:rPr lang="fr-CH" dirty="0">
                     <a:solidFill>
                       <a:schemeClr val="tx1">
                         <a:lumMod val="75000"/>
@@ -12420,7 +12302,7 @@
                   <a:t>B(t) = </a:t>
                 </a:r>
                 <a:r>
-                  <a:rPr lang="el-GR" dirty="0" smtClean="0">
+                  <a:rPr lang="el-GR" dirty="0">
                     <a:solidFill>
                       <a:schemeClr val="tx1">
                         <a:lumMod val="75000"/>
@@ -12432,7 +12314,7 @@
                   <a:t>λ</a:t>
                 </a:r>
                 <a:r>
-                  <a:rPr lang="fr-CH" dirty="0" smtClean="0">
+                  <a:rPr lang="fr-CH" dirty="0">
                     <a:solidFill>
                       <a:schemeClr val="tx1">
                         <a:lumMod val="75000"/>
@@ -12472,7 +12354,7 @@
               <a:lstStyle/>
               <a:p>
                 <a:r>
-                  <a:rPr lang="fr-CH" dirty="0" smtClean="0">
+                  <a:rPr lang="fr-CH" dirty="0">
                     <a:solidFill>
                       <a:schemeClr val="tx1">
                         <a:lumMod val="75000"/>
@@ -12484,7 +12366,7 @@
                   <a:t>Evaporation </a:t>
                 </a:r>
                 <a:r>
-                  <a:rPr lang="el-GR" dirty="0" smtClean="0">
+                  <a:rPr lang="el-GR" dirty="0">
                     <a:solidFill>
                       <a:schemeClr val="tx1">
                         <a:lumMod val="75000"/>
@@ -12496,7 +12378,7 @@
                   <a:t>μ</a:t>
                 </a:r>
                 <a:r>
-                  <a:rPr lang="fr-CH" dirty="0" smtClean="0">
+                  <a:rPr lang="fr-CH" dirty="0">
                     <a:solidFill>
                       <a:schemeClr val="tx1">
                         <a:lumMod val="75000"/>
@@ -12610,7 +12492,7 @@
               <a:lstStyle/>
               <a:p>
                 <a:r>
-                  <a:rPr lang="fr-CH" dirty="0" err="1" smtClean="0">
+                  <a:rPr lang="fr-CH" dirty="0" err="1">
                     <a:solidFill>
                       <a:schemeClr val="tx1">
                         <a:lumMod val="75000"/>
@@ -12622,7 +12504,7 @@
                   <a:t>Supply</a:t>
                 </a:r>
                 <a:r>
-                  <a:rPr lang="fr-CH" dirty="0" smtClean="0">
+                  <a:rPr lang="fr-CH" dirty="0">
                     <a:solidFill>
                       <a:schemeClr val="tx1">
                         <a:lumMod val="75000"/>
@@ -12634,7 +12516,7 @@
                   <a:t> G</a:t>
                 </a:r>
                 <a:r>
-                  <a:rPr lang="fr-CH" baseline="30000" dirty="0" smtClean="0">
+                  <a:rPr lang="fr-CH" baseline="30000" dirty="0">
                     <a:solidFill>
                       <a:schemeClr val="tx1">
                         <a:lumMod val="75000"/>
@@ -12646,7 +12528,7 @@
                   <a:t>a</a:t>
                 </a:r>
                 <a:r>
-                  <a:rPr lang="fr-CH" dirty="0" smtClean="0">
+                  <a:rPr lang="fr-CH" dirty="0">
                     <a:solidFill>
                       <a:schemeClr val="tx1">
                         <a:lumMod val="75000"/>
@@ -12803,7 +12685,7 @@
               <a:lstStyle/>
               <a:p>
                 <a:r>
-                  <a:rPr lang="fr-CH" dirty="0" err="1" smtClean="0">
+                  <a:rPr lang="fr-CH" dirty="0" err="1">
                     <a:solidFill>
                       <a:schemeClr val="tx1">
                         <a:lumMod val="75000"/>
@@ -12814,7 +12696,7 @@
                   </a:rPr>
                   <a:t>Satisfied</a:t>
                 </a:r>
-                <a:endParaRPr lang="fr-CH" dirty="0" smtClean="0">
+                <a:endParaRPr lang="fr-CH" dirty="0">
                   <a:solidFill>
                     <a:schemeClr val="tx1">
                       <a:lumMod val="75000"/>
@@ -12826,7 +12708,7 @@
               </a:p>
               <a:p>
                 <a:r>
-                  <a:rPr lang="fr-CH" dirty="0" err="1" smtClean="0">
+                  <a:rPr lang="fr-CH" dirty="0" err="1">
                     <a:solidFill>
                       <a:schemeClr val="tx1">
                         <a:lumMod val="75000"/>
@@ -12837,7 +12719,7 @@
                   </a:rPr>
                   <a:t>Demand</a:t>
                 </a:r>
-                <a:endParaRPr lang="fr-CH" dirty="0" smtClean="0">
+                <a:endParaRPr lang="fr-CH" dirty="0">
                   <a:solidFill>
                     <a:schemeClr val="tx1">
                       <a:lumMod val="75000"/>
@@ -12939,7 +12821,7 @@
               <a:buNone/>
               <a:tabLst/>
             </a:pPr>
-            <a:endParaRPr kumimoji="0" lang="fr-CH" sz="1800" b="0" i="0" u="none" strike="noStrike" cap="none" normalizeH="0" baseline="0" smtClean="0">
+            <a:endParaRPr kumimoji="0" lang="fr-CH" sz="1800" b="0" i="0" u="none" strike="noStrike" cap="none" normalizeH="0" baseline="0">
               <a:ln>
                 <a:noFill/>
               </a:ln>
@@ -12957,13 +12839,6 @@
   <p:clrMapOvr>
     <a:masterClrMapping/>
   </p:clrMapOvr>
-  <p:timing>
-    <p:tnLst>
-      <p:par>
-        <p:cTn id="1" dur="indefinite" restart="never" nodeType="tmRoot"/>
-      </p:par>
-    </p:tnLst>
-  </p:timing>
 </p:sld>
 </file>
 
@@ -13000,23 +12875,23 @@
           <a:lstStyle/>
           <a:p>
             <a:r>
-              <a:rPr lang="fr-CH" dirty="0" err="1" smtClean="0"/>
+              <a:rPr lang="fr-CH" dirty="0" err="1"/>
               <a:t>Threshold</a:t>
             </a:r>
             <a:r>
-              <a:rPr lang="fr-CH" dirty="0" smtClean="0"/>
+              <a:rPr lang="fr-CH" dirty="0"/>
               <a:t> </a:t>
             </a:r>
             <a:r>
-              <a:rPr lang="fr-CH" dirty="0" err="1" smtClean="0"/>
+              <a:rPr lang="fr-CH" dirty="0" err="1"/>
               <a:t>Based</a:t>
             </a:r>
             <a:r>
-              <a:rPr lang="fr-CH" dirty="0" smtClean="0"/>
+              <a:rPr lang="fr-CH" dirty="0"/>
               <a:t> </a:t>
             </a:r>
             <a:r>
-              <a:rPr lang="fr-CH" dirty="0" err="1" smtClean="0"/>
+              <a:rPr lang="fr-CH" dirty="0" err="1"/>
               <a:t>Policies</a:t>
             </a:r>
             <a:endParaRPr lang="fr-CH" dirty="0"/>
@@ -13047,51 +12922,51 @@
               <a:buNone/>
             </a:pPr>
             <a:r>
-              <a:rPr lang="fr-CH" dirty="0" err="1" smtClean="0"/>
+              <a:rPr lang="fr-CH" dirty="0" err="1"/>
               <a:t>Forecast</a:t>
             </a:r>
             <a:r>
-              <a:rPr lang="fr-CH" dirty="0" smtClean="0"/>
+              <a:rPr lang="fr-CH" dirty="0"/>
               <a:t> </a:t>
             </a:r>
             <a:r>
-              <a:rPr lang="fr-CH" dirty="0" err="1" smtClean="0"/>
+              <a:rPr lang="fr-CH" dirty="0" err="1"/>
               <a:t>supply</a:t>
             </a:r>
             <a:r>
-              <a:rPr lang="fr-CH" dirty="0" smtClean="0"/>
+              <a:rPr lang="fr-CH" dirty="0"/>
               <a:t> </a:t>
             </a:r>
             <a:r>
-              <a:rPr lang="fr-CH" dirty="0" err="1" smtClean="0"/>
+              <a:rPr lang="fr-CH" dirty="0" err="1"/>
               <a:t>is</a:t>
             </a:r>
             <a:r>
-              <a:rPr lang="fr-CH" dirty="0" smtClean="0"/>
+              <a:rPr lang="fr-CH" dirty="0"/>
               <a:t> </a:t>
             </a:r>
             <a:r>
-              <a:rPr lang="fr-CH" dirty="0" err="1" smtClean="0"/>
+              <a:rPr lang="fr-CH" dirty="0" err="1"/>
               <a:t>adjusted</a:t>
             </a:r>
             <a:r>
-              <a:rPr lang="fr-CH" dirty="0" smtClean="0"/>
+              <a:rPr lang="fr-CH" dirty="0"/>
               <a:t> to </a:t>
             </a:r>
             <a:r>
-              <a:rPr lang="fr-CH" dirty="0" err="1" smtClean="0"/>
+              <a:rPr lang="fr-CH" dirty="0" err="1"/>
               <a:t>forecast</a:t>
             </a:r>
             <a:r>
-              <a:rPr lang="fr-CH" dirty="0" smtClean="0"/>
+              <a:rPr lang="fr-CH" dirty="0"/>
               <a:t> </a:t>
             </a:r>
             <a:r>
-              <a:rPr lang="fr-CH" dirty="0" err="1" smtClean="0"/>
+              <a:rPr lang="fr-CH" dirty="0" err="1"/>
               <a:t>demand</a:t>
             </a:r>
             <a:r>
-              <a:rPr lang="fr-CH" dirty="0" smtClean="0"/>
+              <a:rPr lang="fr-CH" dirty="0"/>
               <a:t>  </a:t>
             </a:r>
           </a:p>
@@ -13099,42 +12974,42 @@
             <a:pPr>
               <a:buNone/>
             </a:pPr>
-            <a:endParaRPr lang="fr-CH" dirty="0" smtClean="0"/>
+            <a:endParaRPr lang="fr-CH" dirty="0"/>
           </a:p>
           <a:p>
             <a:pPr>
               <a:buNone/>
             </a:pPr>
             <a:r>
-              <a:rPr lang="fr-CH" dirty="0" smtClean="0"/>
+              <a:rPr lang="fr-CH" dirty="0"/>
               <a:t>R(t) := </a:t>
             </a:r>
             <a:r>
-              <a:rPr lang="fr-CH" dirty="0" err="1" smtClean="0"/>
+              <a:rPr lang="fr-CH" dirty="0" err="1"/>
               <a:t>reserve</a:t>
             </a:r>
             <a:r>
-              <a:rPr lang="fr-CH" dirty="0" smtClean="0"/>
+              <a:rPr lang="fr-CH" dirty="0"/>
               <a:t> = </a:t>
             </a:r>
             <a:r>
-              <a:rPr lang="fr-CH" dirty="0" err="1" smtClean="0"/>
+              <a:rPr lang="fr-CH" dirty="0" err="1"/>
               <a:t>excess</a:t>
             </a:r>
             <a:r>
-              <a:rPr lang="fr-CH" dirty="0" smtClean="0"/>
+              <a:rPr lang="fr-CH" dirty="0"/>
               <a:t> of </a:t>
             </a:r>
             <a:r>
-              <a:rPr lang="fr-CH" dirty="0" err="1" smtClean="0"/>
+              <a:rPr lang="fr-CH" dirty="0" err="1"/>
               <a:t>demand</a:t>
             </a:r>
             <a:r>
-              <a:rPr lang="fr-CH" dirty="0" smtClean="0"/>
+              <a:rPr lang="fr-CH" dirty="0"/>
               <a:t> over </a:t>
             </a:r>
             <a:r>
-              <a:rPr lang="fr-CH" dirty="0" err="1" smtClean="0"/>
+              <a:rPr lang="fr-CH" dirty="0" err="1"/>
               <a:t>supply</a:t>
             </a:r>
             <a:endParaRPr lang="fr-CH" dirty="0"/>
@@ -13288,7 +13163,7 @@
               <a:defRPr/>
             </a:pPr>
             <a:r>
-              <a:rPr kumimoji="0" lang="fr-CH" sz="2400" b="1" i="0" u="none" strike="noStrike" kern="0" cap="none" spc="0" normalizeH="0" baseline="0" noProof="0" dirty="0" err="1" smtClean="0">
+              <a:rPr kumimoji="0" lang="fr-CH" sz="2400" b="1" i="0" u="none" strike="noStrike" kern="0" cap="none" spc="0" normalizeH="0" baseline="0" noProof="0" dirty="0" err="1">
                 <a:ln>
                   <a:noFill/>
                 </a:ln>
@@ -13305,7 +13180,7 @@
               <a:t>Threshold</a:t>
             </a:r>
             <a:r>
-              <a:rPr kumimoji="0" lang="fr-CH" sz="2400" b="1" i="0" u="none" strike="noStrike" kern="0" cap="none" spc="0" normalizeH="0" baseline="0" noProof="0" dirty="0" smtClean="0">
+              <a:rPr kumimoji="0" lang="fr-CH" sz="2400" b="1" i="0" u="none" strike="noStrike" kern="0" cap="none" spc="0" normalizeH="0" baseline="0" noProof="0" dirty="0">
                 <a:ln>
                   <a:noFill/>
                 </a:ln>
@@ -13322,7 +13197,7 @@
               <a:t> </a:t>
             </a:r>
             <a:r>
-              <a:rPr kumimoji="0" lang="fr-CH" sz="2400" b="1" i="0" u="none" strike="noStrike" kern="0" cap="none" spc="0" normalizeH="0" baseline="0" noProof="0" dirty="0" err="1" smtClean="0">
+              <a:rPr kumimoji="0" lang="fr-CH" sz="2400" b="1" i="0" u="none" strike="noStrike" kern="0" cap="none" spc="0" normalizeH="0" baseline="0" noProof="0" dirty="0" err="1">
                 <a:ln>
                   <a:noFill/>
                 </a:ln>
@@ -13339,7 +13214,7 @@
               <a:t>policy</a:t>
             </a:r>
             <a:r>
-              <a:rPr kumimoji="0" lang="fr-CH" sz="2400" b="1" i="0" u="none" strike="noStrike" kern="0" cap="none" spc="0" normalizeH="0" baseline="0" noProof="0" dirty="0" smtClean="0">
+              <a:rPr kumimoji="0" lang="fr-CH" sz="2400" b="1" i="0" u="none" strike="noStrike" kern="0" cap="none" spc="0" normalizeH="0" baseline="0" noProof="0" dirty="0">
                 <a:ln>
                   <a:noFill/>
                 </a:ln>
@@ -13355,405 +13230,6 @@
               </a:rPr>
               <a:t>: </a:t>
             </a:r>
-          </a:p>
-          <a:p>
-            <a:pPr marL="342900" marR="0" lvl="0" indent="-342900" algn="l" defTabSz="914400" rtl="0" eaLnBrk="0" fontAlgn="base" latinLnBrk="0" hangingPunct="0">
-              <a:lnSpc>
-                <a:spcPct val="100000"/>
-              </a:lnSpc>
-              <a:spcBef>
-                <a:spcPct val="20000"/>
-              </a:spcBef>
-              <a:spcAft>
-                <a:spcPct val="0"/>
-              </a:spcAft>
-              <a:buClrTx/>
-              <a:buSzTx/>
-              <a:tabLst/>
-              <a:defRPr/>
-            </a:pPr>
-            <a:endParaRPr kumimoji="0" lang="fr-CH" sz="2400" b="0" i="0" u="none" strike="noStrike" kern="0" cap="none" spc="0" normalizeH="0" baseline="0" noProof="0" dirty="0" smtClean="0">
-              <a:ln>
-                <a:noFill/>
-              </a:ln>
-              <a:solidFill>
-                <a:srgbClr val="5F5F5F"/>
-              </a:solidFill>
-              <a:effectLst/>
-              <a:uLnTx/>
-              <a:uFillTx/>
-              <a:latin typeface="+mn-lt"/>
-              <a:ea typeface="+mn-ea"/>
-              <a:cs typeface="+mn-cs"/>
-            </a:endParaRPr>
-          </a:p>
-          <a:p>
-            <a:pPr marL="342900" marR="0" lvl="0" indent="-342900" algn="l" defTabSz="914400" rtl="0" eaLnBrk="0" fontAlgn="base" latinLnBrk="0" hangingPunct="0">
-              <a:lnSpc>
-                <a:spcPct val="100000"/>
-              </a:lnSpc>
-              <a:spcBef>
-                <a:spcPct val="20000"/>
-              </a:spcBef>
-              <a:spcAft>
-                <a:spcPct val="0"/>
-              </a:spcAft>
-              <a:buClrTx/>
-              <a:buSzTx/>
-              <a:tabLst/>
-              <a:defRPr/>
-            </a:pPr>
-            <a:r>
-              <a:rPr kumimoji="0" lang="fr-CH" sz="2400" b="1" i="0" u="none" strike="noStrike" kern="0" cap="none" spc="0" normalizeH="0" baseline="0" noProof="0" dirty="0" smtClean="0">
-                <a:ln>
-                  <a:noFill/>
-                </a:ln>
-                <a:solidFill>
-                  <a:srgbClr val="5F5F5F"/>
-                </a:solidFill>
-                <a:effectLst/>
-                <a:uLnTx/>
-                <a:uFillTx/>
-                <a:latin typeface="+mn-lt"/>
-                <a:ea typeface="+mn-ea"/>
-                <a:cs typeface="+mn-cs"/>
-              </a:rPr>
-              <a:t>if</a:t>
-            </a:r>
-            <a:r>
-              <a:rPr kumimoji="0" lang="fr-CH" sz="2400" b="0" i="0" u="none" strike="noStrike" kern="0" cap="none" spc="0" normalizeH="0" baseline="0" noProof="0" dirty="0" smtClean="0">
-                <a:ln>
-                  <a:noFill/>
-                </a:ln>
-                <a:solidFill>
-                  <a:srgbClr val="5F5F5F"/>
-                </a:solidFill>
-                <a:effectLst/>
-                <a:uLnTx/>
-                <a:uFillTx/>
-                <a:latin typeface="+mn-lt"/>
-                <a:ea typeface="+mn-ea"/>
-                <a:cs typeface="+mn-cs"/>
-              </a:rPr>
-              <a:t> R(t) &lt; r* </a:t>
-            </a:r>
-            <a:r>
-              <a:rPr kumimoji="0" lang="fr-CH" sz="2400" b="0" i="0" u="none" strike="noStrike" kern="0" cap="none" spc="0" normalizeH="0" baseline="0" noProof="0" dirty="0" err="1" smtClean="0">
-                <a:ln>
-                  <a:noFill/>
-                </a:ln>
-                <a:solidFill>
-                  <a:srgbClr val="5F5F5F"/>
-                </a:solidFill>
-                <a:effectLst/>
-                <a:uLnTx/>
-                <a:uFillTx/>
-                <a:latin typeface="+mn-lt"/>
-                <a:ea typeface="+mn-ea"/>
-                <a:cs typeface="+mn-cs"/>
-              </a:rPr>
-              <a:t>increase</a:t>
-            </a:r>
-            <a:r>
-              <a:rPr kumimoji="0" lang="fr-CH" sz="2400" b="0" i="0" u="none" strike="noStrike" kern="0" cap="none" spc="0" normalizeH="0" baseline="0" noProof="0" dirty="0" smtClean="0">
-                <a:ln>
-                  <a:noFill/>
-                </a:ln>
-                <a:solidFill>
-                  <a:srgbClr val="5F5F5F"/>
-                </a:solidFill>
-                <a:effectLst/>
-                <a:uLnTx/>
-                <a:uFillTx/>
-                <a:latin typeface="+mn-lt"/>
-                <a:ea typeface="+mn-ea"/>
-                <a:cs typeface="+mn-cs"/>
-              </a:rPr>
-              <a:t> </a:t>
-            </a:r>
-            <a:r>
-              <a:rPr kumimoji="0" lang="fr-CH" sz="2400" b="0" i="0" u="none" strike="noStrike" kern="0" cap="none" spc="0" normalizeH="0" baseline="0" noProof="0" dirty="0" err="1" smtClean="0">
-                <a:ln>
-                  <a:noFill/>
-                </a:ln>
-                <a:solidFill>
-                  <a:srgbClr val="5F5F5F"/>
-                </a:solidFill>
-                <a:effectLst/>
-                <a:uLnTx/>
-                <a:uFillTx/>
-                <a:latin typeface="+mn-lt"/>
-                <a:ea typeface="+mn-ea"/>
-                <a:cs typeface="+mn-cs"/>
-              </a:rPr>
-              <a:t>supply</a:t>
-            </a:r>
-            <a:r>
-              <a:rPr kumimoji="0" lang="fr-CH" sz="2400" b="0" i="0" u="none" strike="noStrike" kern="0" cap="none" spc="0" normalizeH="0" baseline="0" noProof="0" dirty="0" smtClean="0">
-                <a:ln>
-                  <a:noFill/>
-                </a:ln>
-                <a:solidFill>
-                  <a:srgbClr val="5F5F5F"/>
-                </a:solidFill>
-                <a:effectLst/>
-                <a:uLnTx/>
-                <a:uFillTx/>
-                <a:latin typeface="+mn-lt"/>
-                <a:ea typeface="+mn-ea"/>
-                <a:cs typeface="+mn-cs"/>
-              </a:rPr>
-              <a:t> as </a:t>
-            </a:r>
-            <a:r>
-              <a:rPr kumimoji="0" lang="fr-CH" sz="2400" b="0" i="0" u="none" strike="noStrike" kern="0" cap="none" spc="0" normalizeH="0" baseline="0" noProof="0" dirty="0" err="1" smtClean="0">
-                <a:ln>
-                  <a:noFill/>
-                </a:ln>
-                <a:solidFill>
-                  <a:srgbClr val="5F5F5F"/>
-                </a:solidFill>
-                <a:effectLst/>
-                <a:uLnTx/>
-                <a:uFillTx/>
-                <a:latin typeface="+mn-lt"/>
-                <a:ea typeface="+mn-ea"/>
-                <a:cs typeface="+mn-cs"/>
-              </a:rPr>
-              <a:t>much</a:t>
-            </a:r>
-            <a:r>
-              <a:rPr kumimoji="0" lang="fr-CH" sz="2400" b="0" i="0" u="none" strike="noStrike" kern="0" cap="none" spc="0" normalizeH="0" baseline="0" noProof="0" dirty="0" smtClean="0">
-                <a:ln>
-                  <a:noFill/>
-                </a:ln>
-                <a:solidFill>
-                  <a:srgbClr val="5F5F5F"/>
-                </a:solidFill>
-                <a:effectLst/>
-                <a:uLnTx/>
-                <a:uFillTx/>
-                <a:latin typeface="+mn-lt"/>
-                <a:ea typeface="+mn-ea"/>
-                <a:cs typeface="+mn-cs"/>
-              </a:rPr>
-              <a:t> as possible (</a:t>
-            </a:r>
-            <a:r>
-              <a:rPr kumimoji="0" lang="fr-CH" sz="2400" b="0" i="0" u="none" strike="noStrike" kern="0" cap="none" spc="0" normalizeH="0" baseline="0" noProof="0" dirty="0" err="1" smtClean="0">
-                <a:ln>
-                  <a:noFill/>
-                </a:ln>
-                <a:solidFill>
-                  <a:srgbClr val="5F5F5F"/>
-                </a:solidFill>
-                <a:effectLst/>
-                <a:uLnTx/>
-                <a:uFillTx/>
-                <a:latin typeface="+mn-lt"/>
-                <a:ea typeface="+mn-ea"/>
-                <a:cs typeface="+mn-cs"/>
-              </a:rPr>
-              <a:t>considering</a:t>
-            </a:r>
-            <a:r>
-              <a:rPr kumimoji="0" lang="fr-CH" sz="2400" b="0" i="0" u="none" strike="noStrike" kern="0" cap="none" spc="0" normalizeH="0" baseline="0" noProof="0" dirty="0" smtClean="0">
-                <a:ln>
-                  <a:noFill/>
-                </a:ln>
-                <a:solidFill>
-                  <a:srgbClr val="5F5F5F"/>
-                </a:solidFill>
-                <a:effectLst/>
-                <a:uLnTx/>
-                <a:uFillTx/>
-                <a:latin typeface="+mn-lt"/>
-                <a:ea typeface="+mn-ea"/>
-                <a:cs typeface="+mn-cs"/>
-              </a:rPr>
-              <a:t> </a:t>
-            </a:r>
-            <a:r>
-              <a:rPr kumimoji="0" lang="fr-CH" sz="2400" b="0" i="0" u="none" strike="noStrike" kern="0" cap="none" spc="0" normalizeH="0" baseline="0" noProof="0" dirty="0" err="1" smtClean="0">
-                <a:ln>
-                  <a:noFill/>
-                </a:ln>
-                <a:solidFill>
-                  <a:srgbClr val="5F5F5F"/>
-                </a:solidFill>
-                <a:effectLst/>
-                <a:uLnTx/>
-                <a:uFillTx/>
-                <a:latin typeface="+mn-lt"/>
-                <a:ea typeface="+mn-ea"/>
-                <a:cs typeface="+mn-cs"/>
-              </a:rPr>
-              <a:t>ramp</a:t>
-            </a:r>
-            <a:r>
-              <a:rPr kumimoji="0" lang="fr-CH" sz="2400" b="0" i="0" u="none" strike="noStrike" kern="0" cap="none" spc="0" normalizeH="0" baseline="0" noProof="0" dirty="0" smtClean="0">
-                <a:ln>
-                  <a:noFill/>
-                </a:ln>
-                <a:solidFill>
-                  <a:srgbClr val="5F5F5F"/>
-                </a:solidFill>
-                <a:effectLst/>
-                <a:uLnTx/>
-                <a:uFillTx/>
-                <a:latin typeface="+mn-lt"/>
-                <a:ea typeface="+mn-ea"/>
-                <a:cs typeface="+mn-cs"/>
-              </a:rPr>
-              <a:t> up </a:t>
-            </a:r>
-            <a:r>
-              <a:rPr kumimoji="0" lang="fr-CH" sz="2400" b="0" i="0" u="none" strike="noStrike" kern="0" cap="none" spc="0" normalizeH="0" baseline="0" noProof="0" dirty="0" err="1" smtClean="0">
-                <a:ln>
-                  <a:noFill/>
-                </a:ln>
-                <a:solidFill>
-                  <a:srgbClr val="5F5F5F"/>
-                </a:solidFill>
-                <a:effectLst/>
-                <a:uLnTx/>
-                <a:uFillTx/>
-                <a:latin typeface="+mn-lt"/>
-                <a:ea typeface="+mn-ea"/>
-                <a:cs typeface="+mn-cs"/>
-              </a:rPr>
-              <a:t>constraint</a:t>
-            </a:r>
-            <a:r>
-              <a:rPr kumimoji="0" lang="fr-CH" sz="2400" b="0" i="0" u="none" strike="noStrike" kern="0" cap="none" spc="0" normalizeH="0" baseline="0" noProof="0" dirty="0" smtClean="0">
-                <a:ln>
-                  <a:noFill/>
-                </a:ln>
-                <a:solidFill>
-                  <a:srgbClr val="5F5F5F"/>
-                </a:solidFill>
-                <a:effectLst/>
-                <a:uLnTx/>
-                <a:uFillTx/>
-                <a:latin typeface="+mn-lt"/>
-                <a:ea typeface="+mn-ea"/>
-                <a:cs typeface="+mn-cs"/>
-              </a:rPr>
-              <a:t>)</a:t>
-            </a:r>
-          </a:p>
-          <a:p>
-            <a:pPr marL="342900" marR="0" lvl="0" indent="-342900" algn="l" defTabSz="914400" rtl="0" eaLnBrk="0" fontAlgn="base" latinLnBrk="0" hangingPunct="0">
-              <a:lnSpc>
-                <a:spcPct val="100000"/>
-              </a:lnSpc>
-              <a:spcBef>
-                <a:spcPct val="20000"/>
-              </a:spcBef>
-              <a:spcAft>
-                <a:spcPct val="0"/>
-              </a:spcAft>
-              <a:buClrTx/>
-              <a:buSzTx/>
-              <a:tabLst/>
-              <a:defRPr/>
-            </a:pPr>
-            <a:endParaRPr kumimoji="0" lang="fr-CH" sz="2400" b="0" i="0" u="none" strike="noStrike" kern="0" cap="none" spc="0" normalizeH="0" baseline="0" noProof="0" dirty="0" smtClean="0">
-              <a:ln>
-                <a:noFill/>
-              </a:ln>
-              <a:solidFill>
-                <a:srgbClr val="5F5F5F"/>
-              </a:solidFill>
-              <a:effectLst/>
-              <a:uLnTx/>
-              <a:uFillTx/>
-              <a:latin typeface="+mn-lt"/>
-              <a:ea typeface="+mn-ea"/>
-              <a:cs typeface="+mn-cs"/>
-            </a:endParaRPr>
-          </a:p>
-          <a:p>
-            <a:pPr marL="342900" marR="0" lvl="0" indent="-342900" algn="l" defTabSz="914400" rtl="0" eaLnBrk="0" fontAlgn="base" latinLnBrk="0" hangingPunct="0">
-              <a:lnSpc>
-                <a:spcPct val="100000"/>
-              </a:lnSpc>
-              <a:spcBef>
-                <a:spcPct val="20000"/>
-              </a:spcBef>
-              <a:spcAft>
-                <a:spcPct val="0"/>
-              </a:spcAft>
-              <a:buClrTx/>
-              <a:buSzTx/>
-              <a:tabLst/>
-              <a:defRPr/>
-            </a:pPr>
-            <a:r>
-              <a:rPr kumimoji="0" lang="fr-CH" sz="2400" b="1" i="0" u="none" strike="noStrike" kern="0" cap="none" spc="0" normalizeH="0" baseline="0" noProof="0" dirty="0" err="1" smtClean="0">
-                <a:ln>
-                  <a:noFill/>
-                </a:ln>
-                <a:solidFill>
-                  <a:srgbClr val="5F5F5F"/>
-                </a:solidFill>
-                <a:effectLst/>
-                <a:uLnTx/>
-                <a:uFillTx/>
-                <a:latin typeface="+mn-lt"/>
-                <a:ea typeface="+mn-ea"/>
-                <a:cs typeface="+mn-cs"/>
-              </a:rPr>
-              <a:t>else</a:t>
-            </a:r>
-            <a:r>
-              <a:rPr kumimoji="0" lang="fr-CH" sz="2400" b="0" i="0" u="none" strike="noStrike" kern="0" cap="none" spc="0" normalizeH="0" baseline="0" noProof="0" dirty="0" smtClean="0">
-                <a:ln>
-                  <a:noFill/>
-                </a:ln>
-                <a:solidFill>
-                  <a:srgbClr val="5F5F5F"/>
-                </a:solidFill>
-                <a:effectLst/>
-                <a:uLnTx/>
-                <a:uFillTx/>
-                <a:latin typeface="+mn-lt"/>
-                <a:ea typeface="+mn-ea"/>
-                <a:cs typeface="+mn-cs"/>
-              </a:rPr>
-              <a:t> set R(t)=r* </a:t>
-            </a:r>
-          </a:p>
-          <a:p>
-            <a:pPr marL="342900" marR="0" lvl="0" indent="-342900" algn="l" defTabSz="914400" rtl="0" eaLnBrk="0" fontAlgn="base" latinLnBrk="0" hangingPunct="0">
-              <a:lnSpc>
-                <a:spcPct val="100000"/>
-              </a:lnSpc>
-              <a:spcBef>
-                <a:spcPct val="20000"/>
-              </a:spcBef>
-              <a:spcAft>
-                <a:spcPct val="0"/>
-              </a:spcAft>
-              <a:buClrTx/>
-              <a:buSzTx/>
-              <a:tabLst/>
-              <a:defRPr/>
-            </a:pPr>
-            <a:endParaRPr kumimoji="0" lang="fr-CH" sz="2400" b="0" i="0" u="none" strike="noStrike" kern="0" cap="none" spc="0" normalizeH="0" baseline="0" noProof="0" dirty="0" smtClean="0">
-              <a:ln>
-                <a:noFill/>
-              </a:ln>
-              <a:solidFill>
-                <a:srgbClr val="5F5F5F"/>
-              </a:solidFill>
-              <a:effectLst/>
-              <a:uLnTx/>
-              <a:uFillTx/>
-              <a:latin typeface="+mn-lt"/>
-              <a:ea typeface="+mn-ea"/>
-              <a:cs typeface="+mn-cs"/>
-            </a:endParaRPr>
           </a:p>
           <a:p>
             <a:pPr marL="342900" marR="0" lvl="0" indent="-342900" algn="l" defTabSz="914400" rtl="0" eaLnBrk="0" fontAlgn="base" latinLnBrk="0" hangingPunct="0">
@@ -13786,6 +13262,405 @@
               <a:cs typeface="+mn-cs"/>
             </a:endParaRPr>
           </a:p>
+          <a:p>
+            <a:pPr marL="342900" marR="0" lvl="0" indent="-342900" algn="l" defTabSz="914400" rtl="0" eaLnBrk="0" fontAlgn="base" latinLnBrk="0" hangingPunct="0">
+              <a:lnSpc>
+                <a:spcPct val="100000"/>
+              </a:lnSpc>
+              <a:spcBef>
+                <a:spcPct val="20000"/>
+              </a:spcBef>
+              <a:spcAft>
+                <a:spcPct val="0"/>
+              </a:spcAft>
+              <a:buClrTx/>
+              <a:buSzTx/>
+              <a:tabLst/>
+              <a:defRPr/>
+            </a:pPr>
+            <a:r>
+              <a:rPr kumimoji="0" lang="fr-CH" sz="2400" b="1" i="0" u="none" strike="noStrike" kern="0" cap="none" spc="0" normalizeH="0" baseline="0" noProof="0" dirty="0">
+                <a:ln>
+                  <a:noFill/>
+                </a:ln>
+                <a:solidFill>
+                  <a:srgbClr val="5F5F5F"/>
+                </a:solidFill>
+                <a:effectLst/>
+                <a:uLnTx/>
+                <a:uFillTx/>
+                <a:latin typeface="+mn-lt"/>
+                <a:ea typeface="+mn-ea"/>
+                <a:cs typeface="+mn-cs"/>
+              </a:rPr>
+              <a:t>if</a:t>
+            </a:r>
+            <a:r>
+              <a:rPr kumimoji="0" lang="fr-CH" sz="2400" b="0" i="0" u="none" strike="noStrike" kern="0" cap="none" spc="0" normalizeH="0" baseline="0" noProof="0" dirty="0">
+                <a:ln>
+                  <a:noFill/>
+                </a:ln>
+                <a:solidFill>
+                  <a:srgbClr val="5F5F5F"/>
+                </a:solidFill>
+                <a:effectLst/>
+                <a:uLnTx/>
+                <a:uFillTx/>
+                <a:latin typeface="+mn-lt"/>
+                <a:ea typeface="+mn-ea"/>
+                <a:cs typeface="+mn-cs"/>
+              </a:rPr>
+              <a:t> R(t) &lt; r* </a:t>
+            </a:r>
+            <a:r>
+              <a:rPr kumimoji="0" lang="fr-CH" sz="2400" b="0" i="0" u="none" strike="noStrike" kern="0" cap="none" spc="0" normalizeH="0" baseline="0" noProof="0" dirty="0" err="1">
+                <a:ln>
+                  <a:noFill/>
+                </a:ln>
+                <a:solidFill>
+                  <a:srgbClr val="5F5F5F"/>
+                </a:solidFill>
+                <a:effectLst/>
+                <a:uLnTx/>
+                <a:uFillTx/>
+                <a:latin typeface="+mn-lt"/>
+                <a:ea typeface="+mn-ea"/>
+                <a:cs typeface="+mn-cs"/>
+              </a:rPr>
+              <a:t>increase</a:t>
+            </a:r>
+            <a:r>
+              <a:rPr kumimoji="0" lang="fr-CH" sz="2400" b="0" i="0" u="none" strike="noStrike" kern="0" cap="none" spc="0" normalizeH="0" baseline="0" noProof="0" dirty="0">
+                <a:ln>
+                  <a:noFill/>
+                </a:ln>
+                <a:solidFill>
+                  <a:srgbClr val="5F5F5F"/>
+                </a:solidFill>
+                <a:effectLst/>
+                <a:uLnTx/>
+                <a:uFillTx/>
+                <a:latin typeface="+mn-lt"/>
+                <a:ea typeface="+mn-ea"/>
+                <a:cs typeface="+mn-cs"/>
+              </a:rPr>
+              <a:t> </a:t>
+            </a:r>
+            <a:r>
+              <a:rPr kumimoji="0" lang="fr-CH" sz="2400" b="0" i="0" u="none" strike="noStrike" kern="0" cap="none" spc="0" normalizeH="0" baseline="0" noProof="0" dirty="0" err="1">
+                <a:ln>
+                  <a:noFill/>
+                </a:ln>
+                <a:solidFill>
+                  <a:srgbClr val="5F5F5F"/>
+                </a:solidFill>
+                <a:effectLst/>
+                <a:uLnTx/>
+                <a:uFillTx/>
+                <a:latin typeface="+mn-lt"/>
+                <a:ea typeface="+mn-ea"/>
+                <a:cs typeface="+mn-cs"/>
+              </a:rPr>
+              <a:t>supply</a:t>
+            </a:r>
+            <a:r>
+              <a:rPr kumimoji="0" lang="fr-CH" sz="2400" b="0" i="0" u="none" strike="noStrike" kern="0" cap="none" spc="0" normalizeH="0" baseline="0" noProof="0" dirty="0">
+                <a:ln>
+                  <a:noFill/>
+                </a:ln>
+                <a:solidFill>
+                  <a:srgbClr val="5F5F5F"/>
+                </a:solidFill>
+                <a:effectLst/>
+                <a:uLnTx/>
+                <a:uFillTx/>
+                <a:latin typeface="+mn-lt"/>
+                <a:ea typeface="+mn-ea"/>
+                <a:cs typeface="+mn-cs"/>
+              </a:rPr>
+              <a:t> as </a:t>
+            </a:r>
+            <a:r>
+              <a:rPr kumimoji="0" lang="fr-CH" sz="2400" b="0" i="0" u="none" strike="noStrike" kern="0" cap="none" spc="0" normalizeH="0" baseline="0" noProof="0" dirty="0" err="1">
+                <a:ln>
+                  <a:noFill/>
+                </a:ln>
+                <a:solidFill>
+                  <a:srgbClr val="5F5F5F"/>
+                </a:solidFill>
+                <a:effectLst/>
+                <a:uLnTx/>
+                <a:uFillTx/>
+                <a:latin typeface="+mn-lt"/>
+                <a:ea typeface="+mn-ea"/>
+                <a:cs typeface="+mn-cs"/>
+              </a:rPr>
+              <a:t>much</a:t>
+            </a:r>
+            <a:r>
+              <a:rPr kumimoji="0" lang="fr-CH" sz="2400" b="0" i="0" u="none" strike="noStrike" kern="0" cap="none" spc="0" normalizeH="0" baseline="0" noProof="0" dirty="0">
+                <a:ln>
+                  <a:noFill/>
+                </a:ln>
+                <a:solidFill>
+                  <a:srgbClr val="5F5F5F"/>
+                </a:solidFill>
+                <a:effectLst/>
+                <a:uLnTx/>
+                <a:uFillTx/>
+                <a:latin typeface="+mn-lt"/>
+                <a:ea typeface="+mn-ea"/>
+                <a:cs typeface="+mn-cs"/>
+              </a:rPr>
+              <a:t> as possible (</a:t>
+            </a:r>
+            <a:r>
+              <a:rPr kumimoji="0" lang="fr-CH" sz="2400" b="0" i="0" u="none" strike="noStrike" kern="0" cap="none" spc="0" normalizeH="0" baseline="0" noProof="0" dirty="0" err="1">
+                <a:ln>
+                  <a:noFill/>
+                </a:ln>
+                <a:solidFill>
+                  <a:srgbClr val="5F5F5F"/>
+                </a:solidFill>
+                <a:effectLst/>
+                <a:uLnTx/>
+                <a:uFillTx/>
+                <a:latin typeface="+mn-lt"/>
+                <a:ea typeface="+mn-ea"/>
+                <a:cs typeface="+mn-cs"/>
+              </a:rPr>
+              <a:t>considering</a:t>
+            </a:r>
+            <a:r>
+              <a:rPr kumimoji="0" lang="fr-CH" sz="2400" b="0" i="0" u="none" strike="noStrike" kern="0" cap="none" spc="0" normalizeH="0" baseline="0" noProof="0" dirty="0">
+                <a:ln>
+                  <a:noFill/>
+                </a:ln>
+                <a:solidFill>
+                  <a:srgbClr val="5F5F5F"/>
+                </a:solidFill>
+                <a:effectLst/>
+                <a:uLnTx/>
+                <a:uFillTx/>
+                <a:latin typeface="+mn-lt"/>
+                <a:ea typeface="+mn-ea"/>
+                <a:cs typeface="+mn-cs"/>
+              </a:rPr>
+              <a:t> </a:t>
+            </a:r>
+            <a:r>
+              <a:rPr kumimoji="0" lang="fr-CH" sz="2400" b="0" i="0" u="none" strike="noStrike" kern="0" cap="none" spc="0" normalizeH="0" baseline="0" noProof="0" dirty="0" err="1">
+                <a:ln>
+                  <a:noFill/>
+                </a:ln>
+                <a:solidFill>
+                  <a:srgbClr val="5F5F5F"/>
+                </a:solidFill>
+                <a:effectLst/>
+                <a:uLnTx/>
+                <a:uFillTx/>
+                <a:latin typeface="+mn-lt"/>
+                <a:ea typeface="+mn-ea"/>
+                <a:cs typeface="+mn-cs"/>
+              </a:rPr>
+              <a:t>ramp</a:t>
+            </a:r>
+            <a:r>
+              <a:rPr kumimoji="0" lang="fr-CH" sz="2400" b="0" i="0" u="none" strike="noStrike" kern="0" cap="none" spc="0" normalizeH="0" baseline="0" noProof="0" dirty="0">
+                <a:ln>
+                  <a:noFill/>
+                </a:ln>
+                <a:solidFill>
+                  <a:srgbClr val="5F5F5F"/>
+                </a:solidFill>
+                <a:effectLst/>
+                <a:uLnTx/>
+                <a:uFillTx/>
+                <a:latin typeface="+mn-lt"/>
+                <a:ea typeface="+mn-ea"/>
+                <a:cs typeface="+mn-cs"/>
+              </a:rPr>
+              <a:t> up </a:t>
+            </a:r>
+            <a:r>
+              <a:rPr kumimoji="0" lang="fr-CH" sz="2400" b="0" i="0" u="none" strike="noStrike" kern="0" cap="none" spc="0" normalizeH="0" baseline="0" noProof="0" dirty="0" err="1">
+                <a:ln>
+                  <a:noFill/>
+                </a:ln>
+                <a:solidFill>
+                  <a:srgbClr val="5F5F5F"/>
+                </a:solidFill>
+                <a:effectLst/>
+                <a:uLnTx/>
+                <a:uFillTx/>
+                <a:latin typeface="+mn-lt"/>
+                <a:ea typeface="+mn-ea"/>
+                <a:cs typeface="+mn-cs"/>
+              </a:rPr>
+              <a:t>constraint</a:t>
+            </a:r>
+            <a:r>
+              <a:rPr kumimoji="0" lang="fr-CH" sz="2400" b="0" i="0" u="none" strike="noStrike" kern="0" cap="none" spc="0" normalizeH="0" baseline="0" noProof="0" dirty="0">
+                <a:ln>
+                  <a:noFill/>
+                </a:ln>
+                <a:solidFill>
+                  <a:srgbClr val="5F5F5F"/>
+                </a:solidFill>
+                <a:effectLst/>
+                <a:uLnTx/>
+                <a:uFillTx/>
+                <a:latin typeface="+mn-lt"/>
+                <a:ea typeface="+mn-ea"/>
+                <a:cs typeface="+mn-cs"/>
+              </a:rPr>
+              <a:t>)</a:t>
+            </a:r>
+          </a:p>
+          <a:p>
+            <a:pPr marL="342900" marR="0" lvl="0" indent="-342900" algn="l" defTabSz="914400" rtl="0" eaLnBrk="0" fontAlgn="base" latinLnBrk="0" hangingPunct="0">
+              <a:lnSpc>
+                <a:spcPct val="100000"/>
+              </a:lnSpc>
+              <a:spcBef>
+                <a:spcPct val="20000"/>
+              </a:spcBef>
+              <a:spcAft>
+                <a:spcPct val="0"/>
+              </a:spcAft>
+              <a:buClrTx/>
+              <a:buSzTx/>
+              <a:tabLst/>
+              <a:defRPr/>
+            </a:pPr>
+            <a:endParaRPr kumimoji="0" lang="fr-CH" sz="2400" b="0" i="0" u="none" strike="noStrike" kern="0" cap="none" spc="0" normalizeH="0" baseline="0" noProof="0" dirty="0">
+              <a:ln>
+                <a:noFill/>
+              </a:ln>
+              <a:solidFill>
+                <a:srgbClr val="5F5F5F"/>
+              </a:solidFill>
+              <a:effectLst/>
+              <a:uLnTx/>
+              <a:uFillTx/>
+              <a:latin typeface="+mn-lt"/>
+              <a:ea typeface="+mn-ea"/>
+              <a:cs typeface="+mn-cs"/>
+            </a:endParaRPr>
+          </a:p>
+          <a:p>
+            <a:pPr marL="342900" marR="0" lvl="0" indent="-342900" algn="l" defTabSz="914400" rtl="0" eaLnBrk="0" fontAlgn="base" latinLnBrk="0" hangingPunct="0">
+              <a:lnSpc>
+                <a:spcPct val="100000"/>
+              </a:lnSpc>
+              <a:spcBef>
+                <a:spcPct val="20000"/>
+              </a:spcBef>
+              <a:spcAft>
+                <a:spcPct val="0"/>
+              </a:spcAft>
+              <a:buClrTx/>
+              <a:buSzTx/>
+              <a:tabLst/>
+              <a:defRPr/>
+            </a:pPr>
+            <a:r>
+              <a:rPr kumimoji="0" lang="fr-CH" sz="2400" b="1" i="0" u="none" strike="noStrike" kern="0" cap="none" spc="0" normalizeH="0" baseline="0" noProof="0" dirty="0" err="1">
+                <a:ln>
+                  <a:noFill/>
+                </a:ln>
+                <a:solidFill>
+                  <a:srgbClr val="5F5F5F"/>
+                </a:solidFill>
+                <a:effectLst/>
+                <a:uLnTx/>
+                <a:uFillTx/>
+                <a:latin typeface="+mn-lt"/>
+                <a:ea typeface="+mn-ea"/>
+                <a:cs typeface="+mn-cs"/>
+              </a:rPr>
+              <a:t>else</a:t>
+            </a:r>
+            <a:r>
+              <a:rPr kumimoji="0" lang="fr-CH" sz="2400" b="0" i="0" u="none" strike="noStrike" kern="0" cap="none" spc="0" normalizeH="0" baseline="0" noProof="0" dirty="0">
+                <a:ln>
+                  <a:noFill/>
+                </a:ln>
+                <a:solidFill>
+                  <a:srgbClr val="5F5F5F"/>
+                </a:solidFill>
+                <a:effectLst/>
+                <a:uLnTx/>
+                <a:uFillTx/>
+                <a:latin typeface="+mn-lt"/>
+                <a:ea typeface="+mn-ea"/>
+                <a:cs typeface="+mn-cs"/>
+              </a:rPr>
+              <a:t> set R(t)=r* </a:t>
+            </a:r>
+          </a:p>
+          <a:p>
+            <a:pPr marL="342900" marR="0" lvl="0" indent="-342900" algn="l" defTabSz="914400" rtl="0" eaLnBrk="0" fontAlgn="base" latinLnBrk="0" hangingPunct="0">
+              <a:lnSpc>
+                <a:spcPct val="100000"/>
+              </a:lnSpc>
+              <a:spcBef>
+                <a:spcPct val="20000"/>
+              </a:spcBef>
+              <a:spcAft>
+                <a:spcPct val="0"/>
+              </a:spcAft>
+              <a:buClrTx/>
+              <a:buSzTx/>
+              <a:tabLst/>
+              <a:defRPr/>
+            </a:pPr>
+            <a:endParaRPr kumimoji="0" lang="fr-CH" sz="2400" b="0" i="0" u="none" strike="noStrike" kern="0" cap="none" spc="0" normalizeH="0" baseline="0" noProof="0" dirty="0">
+              <a:ln>
+                <a:noFill/>
+              </a:ln>
+              <a:solidFill>
+                <a:srgbClr val="5F5F5F"/>
+              </a:solidFill>
+              <a:effectLst/>
+              <a:uLnTx/>
+              <a:uFillTx/>
+              <a:latin typeface="+mn-lt"/>
+              <a:ea typeface="+mn-ea"/>
+              <a:cs typeface="+mn-cs"/>
+            </a:endParaRPr>
+          </a:p>
+          <a:p>
+            <a:pPr marL="342900" marR="0" lvl="0" indent="-342900" algn="l" defTabSz="914400" rtl="0" eaLnBrk="0" fontAlgn="base" latinLnBrk="0" hangingPunct="0">
+              <a:lnSpc>
+                <a:spcPct val="100000"/>
+              </a:lnSpc>
+              <a:spcBef>
+                <a:spcPct val="20000"/>
+              </a:spcBef>
+              <a:spcAft>
+                <a:spcPct val="0"/>
+              </a:spcAft>
+              <a:buClrTx/>
+              <a:buSzTx/>
+              <a:tabLst/>
+              <a:defRPr/>
+            </a:pPr>
+            <a:endParaRPr kumimoji="0" lang="fr-CH" sz="2400" b="0" i="0" u="none" strike="noStrike" kern="0" cap="none" spc="0" normalizeH="0" baseline="0" noProof="0" dirty="0">
+              <a:ln>
+                <a:noFill/>
+              </a:ln>
+              <a:solidFill>
+                <a:srgbClr val="5F5F5F"/>
+              </a:solidFill>
+              <a:effectLst/>
+              <a:uLnTx/>
+              <a:uFillTx/>
+              <a:latin typeface="+mn-lt"/>
+              <a:ea typeface="+mn-ea"/>
+              <a:cs typeface="+mn-cs"/>
+            </a:endParaRPr>
+          </a:p>
         </p:txBody>
       </p:sp>
     </p:spTree>
@@ -13793,13 +13668,6 @@
   <p:clrMapOvr>
     <a:masterClrMapping/>
   </p:clrMapOvr>
-  <p:timing>
-    <p:tnLst>
-      <p:par>
-        <p:cTn id="1" dur="indefinite" restart="never" nodeType="tmRoot"/>
-      </p:par>
-    </p:tnLst>
-  </p:timing>
 </p:sld>
 </file>
 
@@ -13976,7 +13844,7 @@
           <a:lstStyle/>
           <a:p>
             <a:r>
-              <a:rPr lang="fr-CH" dirty="0" err="1" smtClean="0"/>
+              <a:rPr lang="fr-CH" dirty="0" err="1"/>
               <a:t>Findings</a:t>
             </a:r>
             <a:endParaRPr lang="fr-CH" dirty="0"/>
@@ -13999,147 +13867,146 @@
           <a:lstStyle/>
           <a:p>
             <a:r>
-              <a:rPr lang="fr-CH" dirty="0" smtClean="0"/>
+              <a:rPr lang="fr-CH" dirty="0"/>
               <a:t>If </a:t>
             </a:r>
             <a:r>
-              <a:rPr lang="fr-CH" dirty="0" err="1" smtClean="0"/>
+              <a:rPr lang="fr-CH" dirty="0" err="1"/>
               <a:t>evaporation</a:t>
             </a:r>
             <a:r>
-              <a:rPr lang="fr-CH" dirty="0" smtClean="0"/>
+              <a:rPr lang="fr-CH" dirty="0"/>
               <a:t> </a:t>
             </a:r>
             <a:r>
-              <a:rPr lang="el-GR" dirty="0" smtClean="0"/>
+              <a:rPr lang="el-GR" dirty="0"/>
               <a:t>μ</a:t>
             </a:r>
             <a:r>
-              <a:rPr lang="fr-CH" dirty="0" smtClean="0"/>
+              <a:rPr lang="fr-CH" dirty="0"/>
               <a:t> </a:t>
             </a:r>
             <a:r>
-              <a:rPr lang="fr-CH" dirty="0" err="1" smtClean="0"/>
+              <a:rPr lang="fr-CH" dirty="0" err="1"/>
               <a:t>is</a:t>
             </a:r>
             <a:r>
-              <a:rPr lang="fr-CH" dirty="0" smtClean="0"/>
+              <a:rPr lang="fr-CH" dirty="0"/>
               <a:t> positive, the system </a:t>
             </a:r>
             <a:r>
-              <a:rPr lang="fr-CH" dirty="0" err="1" smtClean="0"/>
+              <a:rPr lang="fr-CH" dirty="0" err="1"/>
               <a:t>is</a:t>
             </a:r>
             <a:r>
-              <a:rPr lang="fr-CH" dirty="0" smtClean="0"/>
+              <a:rPr lang="fr-CH" dirty="0"/>
               <a:t> stable (</a:t>
             </a:r>
             <a:r>
-              <a:rPr lang="fr-CH" dirty="0" err="1" smtClean="0"/>
+              <a:rPr lang="fr-CH" dirty="0" err="1"/>
               <a:t>ergodic</a:t>
             </a:r>
             <a:r>
-              <a:rPr lang="fr-CH" dirty="0" smtClean="0"/>
+              <a:rPr lang="fr-CH" dirty="0"/>
               <a:t>, positive </a:t>
             </a:r>
             <a:r>
-              <a:rPr lang="fr-CH" dirty="0" err="1" smtClean="0"/>
+              <a:rPr lang="fr-CH" dirty="0" err="1"/>
               <a:t>recurrent</a:t>
             </a:r>
             <a:r>
-              <a:rPr lang="fr-CH" dirty="0" smtClean="0"/>
+              <a:rPr lang="fr-CH" dirty="0"/>
               <a:t> Markov </a:t>
             </a:r>
             <a:r>
-              <a:rPr lang="fr-CH" dirty="0" err="1" smtClean="0"/>
+              <a:rPr lang="fr-CH" dirty="0" err="1"/>
               <a:t>chain</a:t>
             </a:r>
             <a:r>
-              <a:rPr lang="fr-CH" dirty="0" smtClean="0"/>
+              <a:rPr lang="fr-CH" dirty="0"/>
               <a:t>) for </a:t>
             </a:r>
             <a:r>
-              <a:rPr lang="fr-CH" dirty="0" err="1" smtClean="0"/>
+              <a:rPr lang="fr-CH" dirty="0" err="1"/>
               <a:t>any</a:t>
             </a:r>
             <a:r>
-              <a:rPr lang="fr-CH" dirty="0" smtClean="0"/>
+              <a:rPr lang="fr-CH" dirty="0"/>
               <a:t> </a:t>
             </a:r>
             <a:r>
-              <a:rPr lang="fr-CH" dirty="0" err="1" smtClean="0"/>
+              <a:rPr lang="fr-CH" dirty="0" err="1"/>
               <a:t>threshold</a:t>
             </a:r>
             <a:r>
-              <a:rPr lang="fr-CH" dirty="0" smtClean="0"/>
+              <a:rPr lang="fr-CH" dirty="0"/>
               <a:t> r*</a:t>
             </a:r>
           </a:p>
           <a:p>
-            <a:endParaRPr lang="fr-CH" dirty="0" smtClean="0"/>
-          </a:p>
-          <a:p>
-            <a:r>
-              <a:rPr lang="fr-CH" dirty="0" smtClean="0"/>
+            <a:endParaRPr lang="fr-CH" dirty="0"/>
+          </a:p>
+          <a:p>
+            <a:r>
+              <a:rPr lang="fr-CH" dirty="0"/>
               <a:t>If </a:t>
             </a:r>
             <a:r>
-              <a:rPr lang="fr-CH" dirty="0" err="1" smtClean="0"/>
+              <a:rPr lang="fr-CH" dirty="0" err="1"/>
               <a:t>evaporation</a:t>
             </a:r>
             <a:r>
-              <a:rPr lang="fr-CH" dirty="0" smtClean="0"/>
+              <a:rPr lang="fr-CH" dirty="0"/>
               <a:t> </a:t>
             </a:r>
             <a:r>
-              <a:rPr lang="fr-CH" dirty="0" err="1" smtClean="0"/>
+              <a:rPr lang="fr-CH" dirty="0" err="1"/>
               <a:t>is</a:t>
             </a:r>
             <a:r>
-              <a:rPr lang="fr-CH" dirty="0" smtClean="0"/>
+              <a:rPr lang="fr-CH" dirty="0"/>
               <a:t> </a:t>
             </a:r>
             <a:r>
-              <a:rPr lang="fr-CH" dirty="0" err="1" smtClean="0"/>
+              <a:rPr lang="fr-CH" dirty="0" err="1"/>
               <a:t>negative</a:t>
             </a:r>
             <a:r>
-              <a:rPr lang="fr-CH" dirty="0" smtClean="0"/>
+              <a:rPr lang="fr-CH" dirty="0"/>
               <a:t>, the system </a:t>
             </a:r>
             <a:r>
-              <a:rPr lang="fr-CH" dirty="0" err="1" smtClean="0"/>
+              <a:rPr lang="fr-CH" dirty="0" err="1"/>
               <a:t>is</a:t>
             </a:r>
             <a:r>
-              <a:rPr lang="fr-CH" dirty="0" smtClean="0"/>
+              <a:rPr lang="fr-CH" dirty="0"/>
               <a:t> </a:t>
             </a:r>
             <a:r>
-              <a:rPr lang="fr-CH" dirty="0" err="1" smtClean="0"/>
+              <a:rPr lang="fr-CH" dirty="0" err="1"/>
               <a:t>unstable</a:t>
             </a:r>
             <a:r>
-              <a:rPr lang="fr-CH" dirty="0" smtClean="0"/>
+              <a:rPr lang="fr-CH" dirty="0"/>
               <a:t>  for </a:t>
             </a:r>
             <a:r>
-              <a:rPr lang="fr-CH" dirty="0" err="1" smtClean="0"/>
+              <a:rPr lang="fr-CH" dirty="0" err="1"/>
               <a:t>any</a:t>
             </a:r>
             <a:r>
-              <a:rPr lang="fr-CH" dirty="0" smtClean="0"/>
+              <a:rPr lang="fr-CH" dirty="0"/>
               <a:t> </a:t>
             </a:r>
             <a:r>
-              <a:rPr lang="fr-CH" dirty="0" err="1" smtClean="0"/>
+              <a:rPr lang="fr-CH" dirty="0" err="1"/>
               <a:t>threshold</a:t>
             </a:r>
             <a:r>
-              <a:rPr lang="fr-CH" dirty="0" smtClean="0"/>
+              <a:rPr lang="fr-CH" dirty="0"/>
               <a:t> r*</a:t>
             </a:r>
-            <a:endParaRPr lang="fr-CH" dirty="0"/>
           </a:p>
         </p:txBody>
       </p:sp>
@@ -14164,66 +14031,66 @@
           <a:lstStyle/>
           <a:p>
             <a:r>
-              <a:rPr lang="fr-CH" dirty="0" smtClean="0"/>
+              <a:rPr lang="fr-CH" dirty="0"/>
               <a:t>Delay </a:t>
             </a:r>
             <a:r>
-              <a:rPr lang="fr-CH" dirty="0" err="1" smtClean="0"/>
+              <a:rPr lang="fr-CH" dirty="0" err="1"/>
               <a:t>does</a:t>
             </a:r>
             <a:r>
-              <a:rPr lang="fr-CH" dirty="0" smtClean="0"/>
+              <a:rPr lang="fr-CH" dirty="0"/>
               <a:t> not </a:t>
             </a:r>
             <a:r>
-              <a:rPr lang="fr-CH" dirty="0" err="1" smtClean="0"/>
+              <a:rPr lang="fr-CH" dirty="0" err="1"/>
               <a:t>play</a:t>
             </a:r>
             <a:r>
-              <a:rPr lang="fr-CH" dirty="0" smtClean="0"/>
+              <a:rPr lang="fr-CH" dirty="0"/>
               <a:t> a </a:t>
             </a:r>
             <a:r>
-              <a:rPr lang="fr-CH" dirty="0" err="1" smtClean="0"/>
+              <a:rPr lang="fr-CH" dirty="0" err="1"/>
               <a:t>role</a:t>
             </a:r>
             <a:r>
-              <a:rPr lang="fr-CH" dirty="0" smtClean="0"/>
+              <a:rPr lang="fr-CH" dirty="0"/>
               <a:t> in  </a:t>
             </a:r>
             <a:r>
-              <a:rPr lang="fr-CH" dirty="0" err="1" smtClean="0"/>
+              <a:rPr lang="fr-CH" dirty="0" err="1"/>
               <a:t>stability</a:t>
             </a:r>
-            <a:endParaRPr lang="fr-CH" dirty="0" smtClean="0"/>
-          </a:p>
-          <a:p>
-            <a:r>
-              <a:rPr lang="fr-CH" dirty="0" err="1" smtClean="0"/>
+            <a:endParaRPr lang="fr-CH" dirty="0"/>
+          </a:p>
+          <a:p>
+            <a:r>
+              <a:rPr lang="fr-CH" dirty="0" err="1"/>
               <a:t>Nor</a:t>
             </a:r>
             <a:r>
-              <a:rPr lang="fr-CH" dirty="0" smtClean="0"/>
+              <a:rPr lang="fr-CH" dirty="0"/>
               <a:t> do </a:t>
             </a:r>
             <a:r>
-              <a:rPr lang="fr-CH" dirty="0" err="1" smtClean="0"/>
+              <a:rPr lang="fr-CH" dirty="0" err="1"/>
               <a:t>ramp</a:t>
             </a:r>
             <a:r>
-              <a:rPr lang="fr-CH" dirty="0" smtClean="0"/>
+              <a:rPr lang="fr-CH" dirty="0"/>
               <a:t>-up </a:t>
             </a:r>
             <a:r>
-              <a:rPr lang="fr-CH" dirty="0" err="1" smtClean="0"/>
+              <a:rPr lang="fr-CH" dirty="0" err="1"/>
               <a:t>constraint</a:t>
             </a:r>
             <a:r>
-              <a:rPr lang="fr-CH" dirty="0" smtClean="0"/>
+              <a:rPr lang="fr-CH" dirty="0"/>
               <a:t> and size of </a:t>
             </a:r>
             <a:r>
-              <a:rPr lang="fr-CH" dirty="0" err="1" smtClean="0"/>
+              <a:rPr lang="fr-CH" dirty="0" err="1"/>
               <a:t>reserves</a:t>
             </a:r>
             <a:endParaRPr lang="fr-CH" dirty="0"/>
@@ -14264,13 +14131,6 @@
   <p:clrMapOvr>
     <a:masterClrMapping/>
   </p:clrMapOvr>
-  <p:timing>
-    <p:tnLst>
-      <p:par>
-        <p:cTn id="1" dur="indefinite" restart="never" nodeType="tmRoot"/>
-      </p:par>
-    </p:tnLst>
-  </p:timing>
 </p:sld>
 </file>
 
@@ -14361,26 +14221,25 @@
           <a:lstStyle/>
           <a:p>
             <a:r>
-              <a:rPr lang="fr-CH" dirty="0" smtClean="0"/>
+              <a:rPr lang="fr-CH" dirty="0"/>
               <a:t>The </a:t>
             </a:r>
             <a:r>
-              <a:rPr lang="fr-CH" dirty="0" err="1" smtClean="0"/>
+              <a:rPr lang="fr-CH" dirty="0" err="1"/>
               <a:t>Role</a:t>
             </a:r>
             <a:r>
-              <a:rPr lang="fr-CH" dirty="0" smtClean="0"/>
+              <a:rPr lang="fr-CH" dirty="0"/>
               <a:t> of </a:t>
             </a:r>
             <a:r>
-              <a:rPr lang="fr-CH" dirty="0" err="1" smtClean="0"/>
+              <a:rPr lang="fr-CH" dirty="0" err="1"/>
               <a:t>Negative</a:t>
             </a:r>
             <a:r>
-              <a:rPr lang="fr-CH" dirty="0" smtClean="0"/>
+              <a:rPr lang="fr-CH" dirty="0"/>
               <a:t> Evaporation</a:t>
             </a:r>
-            <a:endParaRPr lang="fr-CH" dirty="0"/>
           </a:p>
         </p:txBody>
       </p:sp>
@@ -14400,236 +14259,232 @@
           <a:lstStyle/>
           <a:p>
             <a:r>
-              <a:rPr lang="fr-CH" dirty="0" err="1" smtClean="0"/>
+              <a:rPr lang="fr-CH" dirty="0" err="1"/>
               <a:t>Negative</a:t>
             </a:r>
             <a:r>
-              <a:rPr lang="fr-CH" dirty="0" smtClean="0"/>
+              <a:rPr lang="fr-CH" dirty="0"/>
               <a:t> Evaporation </a:t>
             </a:r>
             <a:r>
-              <a:rPr lang="fr-CH" dirty="0" err="1" smtClean="0"/>
+              <a:rPr lang="fr-CH" dirty="0" err="1"/>
               <a:t>means</a:t>
             </a:r>
-            <a:endParaRPr lang="fr-CH" dirty="0" smtClean="0"/>
+            <a:endParaRPr lang="fr-CH" dirty="0"/>
           </a:p>
           <a:p>
             <a:pPr lvl="1"/>
             <a:r>
-              <a:rPr lang="fr-CH" dirty="0" smtClean="0"/>
+              <a:rPr lang="fr-CH" dirty="0"/>
               <a:t>The simple </a:t>
             </a:r>
             <a:r>
-              <a:rPr lang="fr-CH" dirty="0" err="1" smtClean="0"/>
+              <a:rPr lang="fr-CH" dirty="0" err="1"/>
               <a:t>fact</a:t>
             </a:r>
             <a:r>
-              <a:rPr lang="fr-CH" dirty="0" smtClean="0"/>
+              <a:rPr lang="fr-CH" dirty="0"/>
               <a:t> of </a:t>
             </a:r>
             <a:r>
-              <a:rPr lang="fr-CH" dirty="0" err="1" smtClean="0"/>
+              <a:rPr lang="fr-CH" dirty="0" err="1"/>
               <a:t>delaying</a:t>
             </a:r>
             <a:r>
-              <a:rPr lang="fr-CH" dirty="0" smtClean="0"/>
+              <a:rPr lang="fr-CH" dirty="0"/>
               <a:t> a </a:t>
             </a:r>
             <a:r>
-              <a:rPr lang="fr-CH" dirty="0" err="1" smtClean="0"/>
+              <a:rPr lang="fr-CH" dirty="0" err="1"/>
               <a:t>demand</a:t>
             </a:r>
             <a:r>
-              <a:rPr lang="fr-CH" dirty="0" smtClean="0"/>
+              <a:rPr lang="fr-CH" dirty="0"/>
               <a:t> </a:t>
             </a:r>
             <a:r>
-              <a:rPr lang="fr-CH" dirty="0" err="1" smtClean="0"/>
+              <a:rPr lang="fr-CH" dirty="0" err="1"/>
               <a:t>makes</a:t>
             </a:r>
             <a:r>
-              <a:rPr lang="fr-CH" dirty="0" smtClean="0"/>
+              <a:rPr lang="fr-CH" dirty="0"/>
               <a:t> the </a:t>
             </a:r>
             <a:r>
-              <a:rPr lang="fr-CH" i="1" dirty="0" err="1" smtClean="0"/>
+              <a:rPr lang="fr-CH" i="1" dirty="0" err="1"/>
               <a:t>returning</a:t>
             </a:r>
             <a:r>
-              <a:rPr lang="fr-CH" i="1" dirty="0" smtClean="0"/>
+              <a:rPr lang="fr-CH" i="1" dirty="0"/>
               <a:t> </a:t>
             </a:r>
             <a:r>
-              <a:rPr lang="fr-CH" i="1" dirty="0" err="1" smtClean="0"/>
+              <a:rPr lang="fr-CH" i="1" dirty="0" err="1"/>
               <a:t>demand</a:t>
             </a:r>
             <a:r>
-              <a:rPr lang="fr-CH" i="1" dirty="0" smtClean="0"/>
+              <a:rPr lang="fr-CH" i="1" dirty="0"/>
               <a:t> </a:t>
             </a:r>
             <a:r>
-              <a:rPr lang="fr-CH" dirty="0" err="1" smtClean="0"/>
+              <a:rPr lang="fr-CH" dirty="0" err="1"/>
               <a:t>larger</a:t>
             </a:r>
             <a:r>
-              <a:rPr lang="fr-CH" dirty="0" smtClean="0"/>
+              <a:rPr lang="fr-CH" dirty="0"/>
               <a:t> </a:t>
             </a:r>
             <a:r>
-              <a:rPr lang="fr-CH" dirty="0" err="1" smtClean="0"/>
+              <a:rPr lang="fr-CH" dirty="0" err="1"/>
               <a:t>than</a:t>
             </a:r>
             <a:r>
-              <a:rPr lang="fr-CH" dirty="0" smtClean="0"/>
+              <a:rPr lang="fr-CH" dirty="0"/>
               <a:t> the original one.</a:t>
             </a:r>
             <a:br>
-              <a:rPr lang="fr-CH" dirty="0" smtClean="0"/>
+              <a:rPr lang="fr-CH" dirty="0"/>
             </a:br>
-            <a:r>
-              <a:rPr lang="fr-CH" dirty="0" smtClean="0"/>
-              <a:t/>
-            </a:r>
             <a:br>
-              <a:rPr lang="fr-CH" dirty="0" smtClean="0"/>
+              <a:rPr lang="fr-CH" dirty="0"/>
             </a:br>
             <a:r>
-              <a:rPr lang="fr-CH" dirty="0" smtClean="0"/>
+              <a:rPr lang="fr-CH" dirty="0"/>
               <a:t>(do not confuse </a:t>
             </a:r>
             <a:r>
-              <a:rPr lang="fr-CH" dirty="0" err="1" smtClean="0"/>
+              <a:rPr lang="fr-CH" dirty="0" err="1"/>
               <a:t>with</a:t>
             </a:r>
             <a:r>
-              <a:rPr lang="fr-CH" dirty="0" smtClean="0"/>
+              <a:rPr lang="fr-CH" dirty="0"/>
               <a:t> the </a:t>
             </a:r>
             <a:r>
-              <a:rPr lang="fr-CH" dirty="0" err="1" smtClean="0"/>
+              <a:rPr lang="fr-CH" dirty="0" err="1"/>
               <a:t>sum</a:t>
             </a:r>
             <a:r>
-              <a:rPr lang="fr-CH" dirty="0" smtClean="0"/>
+              <a:rPr lang="fr-CH" dirty="0"/>
               <a:t> of </a:t>
             </a:r>
             <a:r>
-              <a:rPr lang="fr-CH" dirty="0" err="1" smtClean="0"/>
+              <a:rPr lang="fr-CH" dirty="0" err="1"/>
               <a:t>returning</a:t>
             </a:r>
             <a:r>
-              <a:rPr lang="fr-CH" dirty="0" smtClean="0"/>
+              <a:rPr lang="fr-CH" dirty="0"/>
               <a:t> </a:t>
             </a:r>
             <a:r>
-              <a:rPr lang="fr-CH" dirty="0" err="1" smtClean="0"/>
+              <a:rPr lang="fr-CH" dirty="0" err="1"/>
               <a:t>demand</a:t>
             </a:r>
             <a:r>
-              <a:rPr lang="fr-CH" dirty="0" smtClean="0"/>
+              <a:rPr lang="fr-CH" dirty="0"/>
               <a:t> + </a:t>
             </a:r>
             <a:r>
-              <a:rPr lang="fr-CH" dirty="0" err="1" smtClean="0"/>
+              <a:rPr lang="fr-CH" dirty="0" err="1"/>
               <a:t>current</a:t>
             </a:r>
             <a:r>
-              <a:rPr lang="fr-CH" dirty="0" smtClean="0"/>
+              <a:rPr lang="fr-CH" dirty="0"/>
               <a:t> </a:t>
             </a:r>
             <a:r>
-              <a:rPr lang="fr-CH" dirty="0" err="1" smtClean="0"/>
+              <a:rPr lang="fr-CH" dirty="0" err="1"/>
               <a:t>demand</a:t>
             </a:r>
             <a:r>
-              <a:rPr lang="fr-CH" dirty="0" smtClean="0"/>
+              <a:rPr lang="fr-CH" dirty="0"/>
               <a:t>, </a:t>
             </a:r>
             <a:r>
-              <a:rPr lang="fr-CH" dirty="0" err="1" smtClean="0"/>
+              <a:rPr lang="fr-CH" dirty="0" err="1"/>
               <a:t>which</a:t>
             </a:r>
             <a:r>
-              <a:rPr lang="fr-CH" dirty="0" smtClean="0"/>
+              <a:rPr lang="fr-CH" dirty="0"/>
               <a:t> </a:t>
             </a:r>
             <a:r>
-              <a:rPr lang="fr-CH" dirty="0" err="1" smtClean="0"/>
+              <a:rPr lang="fr-CH" dirty="0" err="1"/>
               <a:t>is</a:t>
             </a:r>
             <a:r>
-              <a:rPr lang="fr-CH" dirty="0" smtClean="0"/>
+              <a:rPr lang="fr-CH" dirty="0"/>
               <a:t> </a:t>
             </a:r>
             <a:r>
-              <a:rPr lang="fr-CH" dirty="0" err="1" smtClean="0"/>
+              <a:rPr lang="fr-CH" dirty="0" err="1"/>
               <a:t>always</a:t>
             </a:r>
             <a:r>
-              <a:rPr lang="fr-CH" dirty="0" smtClean="0"/>
+              <a:rPr lang="fr-CH" dirty="0"/>
               <a:t> </a:t>
             </a:r>
             <a:r>
-              <a:rPr lang="fr-CH" dirty="0" err="1" smtClean="0"/>
+              <a:rPr lang="fr-CH" dirty="0" err="1"/>
               <a:t>larger</a:t>
             </a:r>
             <a:r>
-              <a:rPr lang="fr-CH" dirty="0" smtClean="0"/>
+              <a:rPr lang="fr-CH" dirty="0"/>
               <a:t> </a:t>
             </a:r>
             <a:r>
-              <a:rPr lang="fr-CH" dirty="0" err="1" smtClean="0"/>
+              <a:rPr lang="fr-CH" dirty="0" err="1"/>
               <a:t>than</a:t>
             </a:r>
             <a:r>
-              <a:rPr lang="fr-CH" dirty="0" smtClean="0"/>
+              <a:rPr lang="fr-CH" dirty="0"/>
               <a:t> </a:t>
             </a:r>
             <a:r>
-              <a:rPr lang="fr-CH" dirty="0" err="1" smtClean="0"/>
+              <a:rPr lang="fr-CH" dirty="0" err="1"/>
               <a:t>current</a:t>
             </a:r>
             <a:r>
-              <a:rPr lang="fr-CH" dirty="0" smtClean="0"/>
+              <a:rPr lang="fr-CH" dirty="0"/>
               <a:t> </a:t>
             </a:r>
             <a:r>
-              <a:rPr lang="fr-CH" dirty="0" err="1" smtClean="0"/>
+              <a:rPr lang="fr-CH" dirty="0" err="1"/>
               <a:t>demand</a:t>
             </a:r>
             <a:r>
-              <a:rPr lang="fr-CH" dirty="0" smtClean="0"/>
+              <a:rPr lang="fr-CH" dirty="0"/>
               <a:t>) </a:t>
             </a:r>
           </a:p>
           <a:p>
             <a:pPr lvl="1"/>
-            <a:endParaRPr lang="fr-CH" dirty="0" smtClean="0"/>
+            <a:endParaRPr lang="fr-CH" dirty="0"/>
           </a:p>
           <a:p>
             <a:pPr lvl="1"/>
             <a:r>
-              <a:rPr lang="fr-CH" dirty="0" err="1" smtClean="0"/>
+              <a:rPr lang="fr-CH" dirty="0" err="1"/>
               <a:t>Could</a:t>
             </a:r>
             <a:r>
-              <a:rPr lang="fr-CH" dirty="0" smtClean="0"/>
+              <a:rPr lang="fr-CH" dirty="0"/>
               <a:t> </a:t>
             </a:r>
             <a:r>
-              <a:rPr lang="fr-CH" dirty="0" err="1" smtClean="0"/>
+              <a:rPr lang="fr-CH" dirty="0" err="1"/>
               <a:t>that</a:t>
             </a:r>
             <a:r>
-              <a:rPr lang="fr-CH" dirty="0" smtClean="0"/>
+              <a:rPr lang="fr-CH" dirty="0"/>
               <a:t> </a:t>
             </a:r>
             <a:r>
-              <a:rPr lang="fr-CH" dirty="0" err="1" smtClean="0"/>
+              <a:rPr lang="fr-CH" dirty="0" err="1"/>
               <a:t>happen</a:t>
             </a:r>
             <a:r>
-              <a:rPr lang="fr-CH" dirty="0" smtClean="0"/>
+              <a:rPr lang="fr-CH" dirty="0"/>
               <a:t> ? </a:t>
             </a:r>
           </a:p>
@@ -14673,13 +14528,6 @@
   <p:clrMapOvr>
     <a:masterClrMapping/>
   </p:clrMapOvr>
-  <p:timing>
-    <p:tnLst>
-      <p:par>
-        <p:cTn id="1" dur="indefinite" restart="never" nodeType="tmRoot"/>
-      </p:par>
-    </p:tnLst>
-  </p:timing>
 </p:sld>
 </file>
 
@@ -14716,26 +14564,25 @@
           <a:lstStyle/>
           <a:p>
             <a:r>
-              <a:rPr lang="fr-CH" dirty="0" smtClean="0"/>
+              <a:rPr lang="fr-CH" dirty="0"/>
               <a:t>Evaporation: </a:t>
             </a:r>
             <a:r>
-              <a:rPr lang="fr-CH" dirty="0" err="1" smtClean="0"/>
+              <a:rPr lang="fr-CH" dirty="0" err="1"/>
               <a:t>Heating</a:t>
             </a:r>
             <a:r>
-              <a:rPr lang="fr-CH" dirty="0" smtClean="0"/>
+              <a:rPr lang="fr-CH" dirty="0"/>
               <a:t> </a:t>
             </a:r>
             <a:r>
-              <a:rPr lang="fr-CH" dirty="0" err="1" smtClean="0"/>
+              <a:rPr lang="fr-CH" dirty="0" err="1"/>
               <a:t>Appliances</a:t>
             </a:r>
             <a:r>
-              <a:rPr lang="fr-CH" dirty="0" smtClean="0"/>
+              <a:rPr lang="fr-CH" dirty="0"/>
               <a:t> </a:t>
             </a:r>
-            <a:endParaRPr lang="fr-CH" dirty="0"/>
           </a:p>
         </p:txBody>
       </p:sp>
@@ -14760,396 +14607,384 @@
           <a:lstStyle/>
           <a:p>
             <a:r>
-              <a:rPr lang="fr-CH" dirty="0" smtClean="0"/>
+              <a:rPr lang="fr-CH" dirty="0"/>
               <a:t>Assume the model [MacKay 2009]</a:t>
             </a:r>
             <a:br>
-              <a:rPr lang="fr-CH" dirty="0" smtClean="0"/>
+              <a:rPr lang="fr-CH" dirty="0"/>
             </a:br>
-            <a:r>
-              <a:rPr lang="fr-CH" dirty="0" smtClean="0"/>
-              <a:t/>
-            </a:r>
             <a:br>
-              <a:rPr lang="fr-CH" dirty="0" smtClean="0"/>
+              <a:rPr lang="fr-CH" dirty="0"/>
             </a:br>
-            <a:r>
-              <a:rPr lang="fr-CH" dirty="0" smtClean="0"/>
-              <a:t/>
-            </a:r>
             <a:br>
-              <a:rPr lang="fr-CH" dirty="0" smtClean="0"/>
+              <a:rPr lang="fr-CH" dirty="0"/>
             </a:br>
-            <a:r>
-              <a:rPr lang="fr-CH" dirty="0" smtClean="0"/>
-              <a:t/>
-            </a:r>
             <a:br>
-              <a:rPr lang="fr-CH" dirty="0" smtClean="0"/>
+              <a:rPr lang="fr-CH" dirty="0"/>
             </a:br>
             <a:r>
-              <a:rPr lang="fr-CH" b="1" dirty="0" err="1" smtClean="0"/>
+              <a:rPr lang="fr-CH" b="1" dirty="0" err="1"/>
               <a:t>then</a:t>
             </a:r>
             <a:r>
-              <a:rPr lang="fr-CH" b="1" dirty="0" smtClean="0"/>
+              <a:rPr lang="fr-CH" b="1" dirty="0"/>
               <a:t> </a:t>
             </a:r>
             <a:r>
-              <a:rPr lang="fr-CH" b="1" i="1" dirty="0" smtClean="0"/>
+              <a:rPr lang="fr-CH" b="1" i="1" dirty="0"/>
               <a:t> </a:t>
             </a:r>
             <a:r>
-              <a:rPr lang="fr-CH" dirty="0" err="1" smtClean="0"/>
+              <a:rPr lang="fr-CH" dirty="0" err="1"/>
               <a:t>delayed</a:t>
             </a:r>
             <a:r>
-              <a:rPr lang="fr-CH" dirty="0" smtClean="0"/>
+              <a:rPr lang="fr-CH" dirty="0"/>
               <a:t> </a:t>
             </a:r>
             <a:r>
-              <a:rPr lang="fr-CH" dirty="0" err="1" smtClean="0"/>
+              <a:rPr lang="fr-CH" dirty="0" err="1"/>
               <a:t>heating</a:t>
             </a:r>
             <a:r>
-              <a:rPr lang="fr-CH" dirty="0" smtClean="0"/>
+              <a:rPr lang="fr-CH" dirty="0"/>
               <a:t> </a:t>
             </a:r>
             <a:r>
-              <a:rPr lang="fr-CH" dirty="0" err="1" smtClean="0"/>
+              <a:rPr lang="fr-CH" dirty="0" err="1"/>
               <a:t>is</a:t>
             </a:r>
             <a:r>
-              <a:rPr lang="fr-CH" dirty="0" smtClean="0"/>
+              <a:rPr lang="fr-CH" dirty="0"/>
               <a:t> </a:t>
             </a:r>
             <a:r>
-              <a:rPr lang="fr-CH" dirty="0" err="1" smtClean="0"/>
+              <a:rPr lang="fr-CH" dirty="0" err="1"/>
               <a:t>less</a:t>
             </a:r>
             <a:r>
-              <a:rPr lang="fr-CH" dirty="0" smtClean="0"/>
+              <a:rPr lang="fr-CH" dirty="0"/>
               <a:t> </a:t>
             </a:r>
             <a:r>
-              <a:rPr lang="fr-CH" dirty="0" err="1" smtClean="0"/>
+              <a:rPr lang="fr-CH" dirty="0" err="1"/>
               <a:t>heating</a:t>
             </a:r>
             <a:r>
-              <a:rPr lang="fr-CH" dirty="0" smtClean="0"/>
+              <a:rPr lang="fr-CH" dirty="0"/>
               <a:t> (</a:t>
             </a:r>
             <a:r>
-              <a:rPr lang="fr-CH" dirty="0" err="1" smtClean="0"/>
+              <a:rPr lang="fr-CH" dirty="0" err="1"/>
               <a:t>this</a:t>
             </a:r>
             <a:r>
-              <a:rPr lang="fr-CH" dirty="0" smtClean="0"/>
+              <a:rPr lang="fr-CH" dirty="0"/>
               <a:t> </a:t>
             </a:r>
             <a:r>
-              <a:rPr lang="fr-CH" dirty="0" err="1" smtClean="0"/>
+              <a:rPr lang="fr-CH" dirty="0" err="1"/>
               <a:t>is</a:t>
             </a:r>
             <a:r>
-              <a:rPr lang="fr-CH" dirty="0" smtClean="0"/>
+              <a:rPr lang="fr-CH" dirty="0"/>
               <a:t> </a:t>
             </a:r>
             <a:r>
-              <a:rPr lang="fr-CH" dirty="0" err="1" smtClean="0"/>
+              <a:rPr lang="fr-CH" dirty="0" err="1"/>
               <a:t>what</a:t>
             </a:r>
             <a:r>
-              <a:rPr lang="fr-CH" dirty="0" smtClean="0"/>
+              <a:rPr lang="fr-CH" dirty="0"/>
               <a:t> </a:t>
             </a:r>
             <a:r>
-              <a:rPr lang="fr-CH" dirty="0" err="1" smtClean="0"/>
+              <a:rPr lang="fr-CH" dirty="0" err="1"/>
               <a:t>makes</a:t>
             </a:r>
             <a:r>
-              <a:rPr lang="fr-CH" dirty="0" smtClean="0"/>
+              <a:rPr lang="fr-CH" dirty="0"/>
               <a:t> </a:t>
             </a:r>
             <a:r>
-              <a:rPr lang="fr-CH" dirty="0" err="1" smtClean="0"/>
+              <a:rPr lang="fr-CH" dirty="0" err="1"/>
               <a:t>Voltalis</a:t>
             </a:r>
             <a:r>
-              <a:rPr lang="fr-CH" dirty="0" smtClean="0"/>
+              <a:rPr lang="fr-CH" dirty="0"/>
               <a:t> </a:t>
             </a:r>
             <a:r>
-              <a:rPr lang="fr-CH" dirty="0" err="1" smtClean="0"/>
+              <a:rPr lang="fr-CH" dirty="0" err="1"/>
               <a:t>be</a:t>
             </a:r>
             <a:r>
-              <a:rPr lang="fr-CH" dirty="0" smtClean="0"/>
+              <a:rPr lang="fr-CH" dirty="0"/>
               <a:t> </a:t>
             </a:r>
             <a:r>
-              <a:rPr lang="fr-CH" dirty="0" err="1" smtClean="0"/>
+              <a:rPr lang="fr-CH" dirty="0" err="1"/>
               <a:t>accepted</a:t>
             </a:r>
             <a:r>
-              <a:rPr lang="fr-CH" dirty="0" smtClean="0"/>
+              <a:rPr lang="fr-CH" dirty="0"/>
               <a:t> by French </a:t>
             </a:r>
             <a:r>
-              <a:rPr lang="fr-CH" dirty="0" err="1" smtClean="0"/>
+              <a:rPr lang="fr-CH" dirty="0" err="1"/>
               <a:t>households</a:t>
             </a:r>
             <a:r>
-              <a:rPr lang="fr-CH" dirty="0" smtClean="0"/>
+              <a:rPr lang="fr-CH" dirty="0"/>
               <a:t>)</a:t>
             </a:r>
           </a:p>
           <a:p>
             <a:r>
-              <a:rPr lang="fr-CH" dirty="0" smtClean="0"/>
+              <a:rPr lang="fr-CH" dirty="0"/>
               <a:t>Pure thermal </a:t>
             </a:r>
             <a:r>
-              <a:rPr lang="fr-CH" dirty="0" err="1" smtClean="0"/>
+              <a:rPr lang="fr-CH" dirty="0" err="1"/>
               <a:t>load</a:t>
             </a:r>
             <a:r>
-              <a:rPr lang="fr-CH" dirty="0" smtClean="0"/>
+              <a:rPr lang="fr-CH" dirty="0"/>
               <a:t> = positive </a:t>
             </a:r>
             <a:r>
-              <a:rPr lang="fr-CH" dirty="0" err="1" smtClean="0"/>
+              <a:rPr lang="fr-CH" dirty="0" err="1"/>
               <a:t>evaporation</a:t>
             </a:r>
-            <a:endParaRPr lang="fr-CH" dirty="0" smtClean="0"/>
-          </a:p>
-          <a:p>
-            <a:r>
-              <a:rPr lang="fr-CH" dirty="0" smtClean="0"/>
+            <a:endParaRPr lang="fr-CH" dirty="0"/>
+          </a:p>
+          <a:p>
+            <a:r>
+              <a:rPr lang="fr-CH" dirty="0"/>
               <a:t>This </a:t>
             </a:r>
             <a:r>
-              <a:rPr lang="fr-CH" dirty="0" err="1" smtClean="0"/>
+              <a:rPr lang="fr-CH" dirty="0" err="1"/>
               <a:t>is</a:t>
             </a:r>
             <a:r>
-              <a:rPr lang="fr-CH" dirty="0" smtClean="0"/>
+              <a:rPr lang="fr-CH" dirty="0"/>
               <a:t> </a:t>
             </a:r>
             <a:r>
-              <a:rPr lang="fr-CH" dirty="0" err="1" smtClean="0"/>
+              <a:rPr lang="fr-CH" dirty="0" err="1"/>
               <a:t>true</a:t>
             </a:r>
             <a:r>
-              <a:rPr lang="fr-CH" dirty="0" smtClean="0"/>
+              <a:rPr lang="fr-CH" dirty="0"/>
               <a:t> for </a:t>
             </a:r>
             <a:r>
-              <a:rPr lang="fr-CH" dirty="0" err="1" smtClean="0"/>
+              <a:rPr lang="fr-CH" dirty="0" err="1"/>
               <a:t>heat</a:t>
             </a:r>
             <a:r>
-              <a:rPr lang="fr-CH" dirty="0" smtClean="0"/>
+              <a:rPr lang="fr-CH" dirty="0"/>
               <a:t> </a:t>
             </a:r>
             <a:r>
-              <a:rPr lang="fr-CH" dirty="0" err="1" smtClean="0"/>
+              <a:rPr lang="fr-CH" dirty="0" err="1"/>
               <a:t>provided</a:t>
             </a:r>
             <a:r>
-              <a:rPr lang="fr-CH" dirty="0" smtClean="0"/>
+              <a:rPr lang="fr-CH" dirty="0"/>
               <a:t>, </a:t>
             </a:r>
             <a:r>
-              <a:rPr lang="fr-CH" dirty="0" err="1" smtClean="0"/>
+              <a:rPr lang="fr-CH" dirty="0" err="1"/>
               <a:t>is</a:t>
             </a:r>
             <a:r>
-              <a:rPr lang="fr-CH" dirty="0" smtClean="0"/>
+              <a:rPr lang="fr-CH" dirty="0"/>
               <a:t> not </a:t>
             </a:r>
             <a:r>
-              <a:rPr lang="fr-CH" dirty="0" err="1" smtClean="0"/>
+              <a:rPr lang="fr-CH" dirty="0" err="1"/>
               <a:t>necessarily</a:t>
             </a:r>
             <a:r>
-              <a:rPr lang="fr-CH" dirty="0" smtClean="0"/>
+              <a:rPr lang="fr-CH" dirty="0"/>
               <a:t> </a:t>
             </a:r>
             <a:r>
-              <a:rPr lang="fr-CH" dirty="0" err="1" smtClean="0"/>
+              <a:rPr lang="fr-CH" dirty="0" err="1"/>
               <a:t>true</a:t>
             </a:r>
             <a:r>
-              <a:rPr lang="fr-CH" dirty="0" smtClean="0"/>
+              <a:rPr lang="fr-CH" dirty="0"/>
               <a:t> for </a:t>
             </a:r>
             <a:r>
-              <a:rPr lang="fr-CH" dirty="0" err="1" smtClean="0"/>
+              <a:rPr lang="fr-CH" dirty="0" err="1"/>
               <a:t>energy</a:t>
             </a:r>
             <a:r>
-              <a:rPr lang="fr-CH" dirty="0" smtClean="0"/>
+              <a:rPr lang="fr-CH" dirty="0"/>
               <a:t> </a:t>
             </a:r>
             <a:r>
-              <a:rPr lang="fr-CH" dirty="0" err="1" smtClean="0"/>
+              <a:rPr lang="fr-CH" dirty="0" err="1"/>
               <a:t>consumed</a:t>
             </a:r>
-            <a:endParaRPr lang="fr-CH" dirty="0" smtClean="0"/>
+            <a:endParaRPr lang="fr-CH" dirty="0"/>
           </a:p>
           <a:p>
             <a:pPr lvl="1"/>
             <a:r>
-              <a:rPr lang="fr-CH" dirty="0" err="1" smtClean="0"/>
+              <a:rPr lang="fr-CH" dirty="0" err="1"/>
               <a:t>Depends</a:t>
             </a:r>
             <a:r>
-              <a:rPr lang="fr-CH" dirty="0" smtClean="0"/>
+              <a:rPr lang="fr-CH" dirty="0"/>
               <a:t> </a:t>
             </a:r>
             <a:r>
-              <a:rPr lang="fr-CH" dirty="0" err="1" smtClean="0"/>
+              <a:rPr lang="fr-CH" dirty="0" err="1"/>
               <a:t>whether</a:t>
             </a:r>
             <a:r>
-              <a:rPr lang="fr-CH" dirty="0" smtClean="0"/>
+              <a:rPr lang="fr-CH" dirty="0"/>
               <a:t> coefficient of performance e </a:t>
             </a:r>
             <a:r>
-              <a:rPr lang="fr-CH" dirty="0" err="1" smtClean="0"/>
+              <a:rPr lang="fr-CH" dirty="0" err="1"/>
               <a:t>is</a:t>
             </a:r>
             <a:r>
-              <a:rPr lang="fr-CH" dirty="0" smtClean="0"/>
+              <a:rPr lang="fr-CH" dirty="0"/>
               <a:t> constant or not; </a:t>
             </a:r>
             <a:r>
-              <a:rPr lang="fr-CH" dirty="0" err="1" smtClean="0"/>
+              <a:rPr lang="fr-CH" dirty="0" err="1"/>
               <a:t>true</a:t>
             </a:r>
             <a:r>
-              <a:rPr lang="fr-CH" dirty="0" smtClean="0"/>
+              <a:rPr lang="fr-CH" dirty="0"/>
               <a:t> for </a:t>
             </a:r>
             <a:r>
-              <a:rPr lang="fr-CH" dirty="0" err="1" smtClean="0"/>
+              <a:rPr lang="fr-CH" dirty="0" err="1"/>
               <a:t>resistance</a:t>
             </a:r>
             <a:r>
-              <a:rPr lang="fr-CH" dirty="0" smtClean="0"/>
+              <a:rPr lang="fr-CH" dirty="0"/>
               <a:t> </a:t>
             </a:r>
             <a:r>
-              <a:rPr lang="fr-CH" dirty="0" err="1" smtClean="0"/>
+              <a:rPr lang="fr-CH" dirty="0" err="1"/>
               <a:t>based</a:t>
             </a:r>
             <a:r>
-              <a:rPr lang="fr-CH" dirty="0" smtClean="0"/>
+              <a:rPr lang="fr-CH" dirty="0"/>
               <a:t> </a:t>
             </a:r>
             <a:r>
-              <a:rPr lang="fr-CH" dirty="0" err="1" smtClean="0"/>
+              <a:rPr lang="fr-CH" dirty="0" err="1"/>
               <a:t>heating</a:t>
             </a:r>
-            <a:endParaRPr lang="fr-CH" dirty="0" smtClean="0"/>
+            <a:endParaRPr lang="fr-CH" dirty="0"/>
           </a:p>
           <a:p>
             <a:pPr lvl="1"/>
             <a:r>
-              <a:rPr lang="fr-CH" dirty="0" err="1" smtClean="0"/>
+              <a:rPr lang="fr-CH" dirty="0" err="1"/>
               <a:t>Delayed</a:t>
             </a:r>
             <a:r>
-              <a:rPr lang="fr-CH" dirty="0" smtClean="0"/>
+              <a:rPr lang="fr-CH" dirty="0"/>
               <a:t> </a:t>
             </a:r>
             <a:r>
-              <a:rPr lang="fr-CH" dirty="0" err="1" smtClean="0"/>
+              <a:rPr lang="fr-CH" dirty="0" err="1"/>
               <a:t>heating</a:t>
             </a:r>
             <a:r>
-              <a:rPr lang="fr-CH" dirty="0" smtClean="0"/>
+              <a:rPr lang="fr-CH" dirty="0"/>
               <a:t> </a:t>
             </a:r>
             <a:r>
-              <a:rPr lang="fr-CH" dirty="0" err="1" smtClean="0"/>
+              <a:rPr lang="fr-CH" dirty="0" err="1"/>
               <a:t>with</a:t>
             </a:r>
             <a:r>
-              <a:rPr lang="fr-CH" dirty="0" smtClean="0"/>
+              <a:rPr lang="fr-CH" dirty="0"/>
               <a:t> air </a:t>
             </a:r>
             <a:r>
-              <a:rPr lang="fr-CH" dirty="0" err="1" smtClean="0"/>
+              <a:rPr lang="fr-CH" dirty="0" err="1"/>
               <a:t>heat</a:t>
             </a:r>
             <a:r>
-              <a:rPr lang="fr-CH" dirty="0" smtClean="0"/>
+              <a:rPr lang="fr-CH" dirty="0"/>
               <a:t> </a:t>
             </a:r>
             <a:r>
-              <a:rPr lang="fr-CH" dirty="0" err="1" smtClean="0"/>
+              <a:rPr lang="fr-CH" dirty="0" err="1"/>
               <a:t>pump</a:t>
             </a:r>
             <a:r>
-              <a:rPr lang="fr-CH" dirty="0" smtClean="0"/>
+              <a:rPr lang="fr-CH" dirty="0"/>
               <a:t>  </a:t>
             </a:r>
             <a:r>
-              <a:rPr lang="fr-CH" dirty="0" err="1" smtClean="0"/>
+              <a:rPr lang="fr-CH" dirty="0" err="1"/>
               <a:t>with</a:t>
             </a:r>
             <a:r>
-              <a:rPr lang="fr-CH" dirty="0" smtClean="0"/>
+              <a:rPr lang="fr-CH" dirty="0"/>
               <a:t> cold air </a:t>
             </a:r>
             <a:r>
-              <a:rPr lang="fr-CH" dirty="0" err="1" smtClean="0"/>
+              <a:rPr lang="fr-CH" dirty="0" err="1"/>
               <a:t>may</a:t>
             </a:r>
             <a:r>
-              <a:rPr lang="fr-CH" dirty="0" smtClean="0"/>
+              <a:rPr lang="fr-CH" dirty="0"/>
               <a:t> have </a:t>
             </a:r>
             <a:r>
-              <a:rPr lang="fr-CH" dirty="0" err="1" smtClean="0"/>
+              <a:rPr lang="fr-CH" dirty="0" err="1"/>
               <a:t>negative</a:t>
             </a:r>
             <a:r>
-              <a:rPr lang="fr-CH" dirty="0" smtClean="0"/>
+              <a:rPr lang="fr-CH" dirty="0"/>
               <a:t> </a:t>
             </a:r>
             <a:r>
-              <a:rPr lang="fr-CH" dirty="0" err="1" smtClean="0"/>
+              <a:rPr lang="fr-CH" dirty="0" err="1"/>
               <a:t>evaporation</a:t>
             </a:r>
             <a:r>
-              <a:rPr lang="fr-CH" dirty="0" smtClean="0"/>
+              <a:rPr lang="fr-CH" dirty="0"/>
               <a:t> (</a:t>
             </a:r>
             <a:r>
-              <a:rPr lang="fr-CH" dirty="0" err="1" smtClean="0"/>
+              <a:rPr lang="fr-CH" dirty="0" err="1"/>
               <a:t>bad</a:t>
             </a:r>
             <a:r>
-              <a:rPr lang="fr-CH" dirty="0" smtClean="0"/>
+              <a:rPr lang="fr-CH" dirty="0"/>
               <a:t> coefficient of performance </a:t>
             </a:r>
             <a:r>
-              <a:rPr lang="fr-CH" dirty="0" err="1" smtClean="0"/>
+              <a:rPr lang="fr-CH" dirty="0" err="1"/>
               <a:t>when</a:t>
             </a:r>
             <a:r>
-              <a:rPr lang="fr-CH" dirty="0" smtClean="0"/>
+              <a:rPr lang="fr-CH" dirty="0"/>
               <a:t> air </a:t>
             </a:r>
             <a:r>
-              <a:rPr lang="fr-CH" dirty="0" err="1" smtClean="0"/>
+              <a:rPr lang="fr-CH" dirty="0" err="1"/>
               <a:t>is</a:t>
             </a:r>
             <a:r>
-              <a:rPr lang="fr-CH" dirty="0" smtClean="0"/>
+              <a:rPr lang="fr-CH" dirty="0"/>
               <a:t> cold)</a:t>
             </a:r>
           </a:p>
@@ -15157,7 +14992,7 @@
             <a:pPr>
               <a:buNone/>
             </a:pPr>
-            <a:endParaRPr lang="fr-CH" dirty="0" smtClean="0"/>
+            <a:endParaRPr lang="fr-CH" dirty="0"/>
           </a:p>
         </p:txBody>
       </p:sp>
@@ -15288,7 +15123,7 @@
               <a:buNone/>
               <a:tabLst/>
             </a:pPr>
-            <a:endParaRPr kumimoji="0" lang="fr-CH" sz="1800" b="0" i="0" u="none" strike="noStrike" cap="none" normalizeH="0" baseline="0" smtClean="0">
+            <a:endParaRPr kumimoji="0" lang="fr-CH" sz="1800" b="0" i="0" u="none" strike="noStrike" cap="none" normalizeH="0" baseline="0">
               <a:ln>
                 <a:noFill/>
               </a:ln>
@@ -15356,7 +15191,7 @@
               <a:buNone/>
               <a:tabLst/>
             </a:pPr>
-            <a:endParaRPr kumimoji="0" lang="fr-CH" sz="1800" b="0" i="0" u="none" strike="noStrike" cap="none" normalizeH="0" baseline="0" smtClean="0">
+            <a:endParaRPr kumimoji="0" lang="fr-CH" sz="1800" b="0" i="0" u="none" strike="noStrike" cap="none" normalizeH="0" baseline="0">
               <a:ln>
                 <a:noFill/>
               </a:ln>
@@ -15395,7 +15230,7 @@
           <a:lstStyle/>
           <a:p>
             <a:r>
-              <a:rPr lang="fr-CH" dirty="0" err="1" smtClean="0">
+              <a:rPr lang="fr-CH" dirty="0" err="1">
                 <a:solidFill>
                   <a:srgbClr val="00B0F0"/>
                 </a:solidFill>
@@ -15403,7 +15238,7 @@
               </a:rPr>
               <a:t>leakiness</a:t>
             </a:r>
-            <a:endParaRPr lang="fr-CH" dirty="0" smtClean="0">
+            <a:endParaRPr lang="fr-CH" dirty="0">
               <a:solidFill>
                 <a:srgbClr val="00B0F0"/>
               </a:solidFill>
@@ -15438,7 +15273,7 @@
           <a:lstStyle/>
           <a:p>
             <a:r>
-              <a:rPr lang="fr-CH" dirty="0" err="1" smtClean="0">
+              <a:rPr lang="fr-CH" dirty="0" err="1">
                 <a:solidFill>
                   <a:srgbClr val="00B0F0"/>
                 </a:solidFill>
@@ -15446,7 +15281,7 @@
               </a:rPr>
               <a:t>inertia</a:t>
             </a:r>
-            <a:endParaRPr lang="fr-CH" dirty="0" smtClean="0">
+            <a:endParaRPr lang="fr-CH" dirty="0">
               <a:solidFill>
                 <a:srgbClr val="00B0F0"/>
               </a:solidFill>
@@ -15481,7 +15316,7 @@
           <a:lstStyle/>
           <a:p>
             <a:r>
-              <a:rPr lang="fr-CH" dirty="0" err="1" smtClean="0">
+              <a:rPr lang="fr-CH" dirty="0" err="1">
                 <a:solidFill>
                   <a:srgbClr val="00B0F0"/>
                 </a:solidFill>
@@ -15490,7 +15325,7 @@
               <a:t>heat</a:t>
             </a:r>
             <a:r>
-              <a:rPr lang="fr-CH" dirty="0" smtClean="0">
+              <a:rPr lang="fr-CH" dirty="0">
                 <a:solidFill>
                   <a:srgbClr val="00B0F0"/>
                 </a:solidFill>
@@ -15499,7 +15334,7 @@
               <a:t> </a:t>
             </a:r>
             <a:r>
-              <a:rPr lang="fr-CH" dirty="0" err="1" smtClean="0">
+              <a:rPr lang="fr-CH" dirty="0" err="1">
                 <a:solidFill>
                   <a:srgbClr val="00B0F0"/>
                 </a:solidFill>
@@ -15507,7 +15342,7 @@
               </a:rPr>
               <a:t>provided</a:t>
             </a:r>
-            <a:endParaRPr lang="fr-CH" dirty="0" smtClean="0">
+            <a:endParaRPr lang="fr-CH" dirty="0">
               <a:solidFill>
                 <a:srgbClr val="00B0F0"/>
               </a:solidFill>
@@ -15516,7 +15351,7 @@
           </a:p>
           <a:p>
             <a:r>
-              <a:rPr lang="fr-CH" dirty="0" smtClean="0">
+              <a:rPr lang="fr-CH" dirty="0">
                 <a:solidFill>
                   <a:srgbClr val="00B0F0"/>
                 </a:solidFill>
@@ -15553,7 +15388,7 @@
           <a:lstStyle/>
           <a:p>
             <a:r>
-              <a:rPr lang="fr-CH" dirty="0" err="1" smtClean="0">
+              <a:rPr lang="fr-CH" dirty="0" err="1">
                 <a:solidFill>
                   <a:srgbClr val="00B0F0"/>
                 </a:solidFill>
@@ -15561,7 +15396,7 @@
               </a:rPr>
               <a:t>outside</a:t>
             </a:r>
-            <a:endParaRPr lang="fr-CH" dirty="0" smtClean="0">
+            <a:endParaRPr lang="fr-CH" dirty="0">
               <a:solidFill>
                 <a:srgbClr val="00B0F0"/>
               </a:solidFill>
@@ -15575,13 +15410,6 @@
   <p:clrMapOvr>
     <a:masterClrMapping/>
   </p:clrMapOvr>
-  <p:timing>
-    <p:tnLst>
-      <p:par>
-        <p:cTn id="1" dur="indefinite" restart="never" nodeType="tmRoot"/>
-      </p:par>
-    </p:tnLst>
-  </p:timing>
 </p:sld>
 </file>
 
@@ -15618,26 +15446,25 @@
           <a:lstStyle/>
           <a:p>
             <a:r>
-              <a:rPr lang="fr-CH" dirty="0" smtClean="0"/>
+              <a:rPr lang="fr-CH" dirty="0"/>
               <a:t>The </a:t>
             </a:r>
             <a:r>
-              <a:rPr lang="fr-CH" dirty="0" err="1" smtClean="0"/>
+              <a:rPr lang="fr-CH" dirty="0" err="1"/>
               <a:t>Swiss</a:t>
             </a:r>
             <a:r>
-              <a:rPr lang="fr-CH" dirty="0" smtClean="0"/>
+              <a:rPr lang="fr-CH" dirty="0"/>
               <a:t> </a:t>
             </a:r>
             <a:r>
-              <a:rPr lang="fr-CH" dirty="0" err="1" smtClean="0"/>
+              <a:rPr lang="fr-CH" dirty="0" err="1"/>
               <a:t>Dream</a:t>
             </a:r>
             <a:r>
-              <a:rPr lang="fr-CH" dirty="0" smtClean="0"/>
+              <a:rPr lang="fr-CH" dirty="0"/>
               <a:t>…</a:t>
             </a:r>
-            <a:endParaRPr lang="fr-CH" dirty="0"/>
           </a:p>
         </p:txBody>
       </p:sp>
@@ -15662,133 +15489,129 @@
           <a:lstStyle/>
           <a:p>
             <a:r>
-              <a:rPr lang="fr-CH" dirty="0" smtClean="0"/>
+              <a:rPr lang="fr-CH" dirty="0"/>
               <a:t>2000 W society  = </a:t>
             </a:r>
             <a:r>
-              <a:rPr lang="fr-CH" dirty="0" err="1" smtClean="0"/>
+              <a:rPr lang="fr-CH" dirty="0" err="1"/>
               <a:t>energy</a:t>
             </a:r>
             <a:r>
-              <a:rPr lang="fr-CH" dirty="0" smtClean="0"/>
+              <a:rPr lang="fr-CH" dirty="0"/>
               <a:t> </a:t>
             </a:r>
             <a:r>
-              <a:rPr lang="fr-CH" dirty="0" err="1" smtClean="0"/>
+              <a:rPr lang="fr-CH" dirty="0" err="1"/>
               <a:t>expenditure</a:t>
             </a:r>
             <a:r>
-              <a:rPr lang="fr-CH" dirty="0" smtClean="0"/>
+              <a:rPr lang="fr-CH" dirty="0"/>
               <a:t> per capita as </a:t>
             </a:r>
             <a:r>
-              <a:rPr lang="fr-CH" dirty="0" err="1" smtClean="0"/>
+              <a:rPr lang="fr-CH" dirty="0" err="1"/>
               <a:t>it</a:t>
             </a:r>
             <a:r>
-              <a:rPr lang="fr-CH" dirty="0" smtClean="0"/>
+              <a:rPr lang="fr-CH" dirty="0"/>
               <a:t> </a:t>
             </a:r>
             <a:r>
-              <a:rPr lang="fr-CH" dirty="0" err="1" smtClean="0"/>
+              <a:rPr lang="fr-CH" dirty="0" err="1"/>
               <a:t>was</a:t>
             </a:r>
             <a:r>
-              <a:rPr lang="fr-CH" dirty="0" smtClean="0"/>
+              <a:rPr lang="fr-CH" dirty="0"/>
               <a:t> in 1960 in Western Europe </a:t>
             </a:r>
             <a:br>
-              <a:rPr lang="fr-CH" dirty="0" smtClean="0"/>
+              <a:rPr lang="fr-CH" dirty="0"/>
             </a:br>
-            <a:r>
-              <a:rPr lang="fr-CH" dirty="0" smtClean="0"/>
-              <a:t/>
-            </a:r>
             <a:br>
-              <a:rPr lang="fr-CH" dirty="0" smtClean="0"/>
+              <a:rPr lang="fr-CH" dirty="0"/>
             </a:br>
             <a:r>
-              <a:rPr lang="fr-CH" sz="2000" dirty="0" smtClean="0"/>
+              <a:rPr lang="fr-CH" sz="2000" dirty="0"/>
               <a:t>(in CH; = 63.1 GJ per </a:t>
             </a:r>
             <a:r>
-              <a:rPr lang="fr-CH" sz="2000" dirty="0" err="1" smtClean="0"/>
+              <a:rPr lang="fr-CH" sz="2000" dirty="0" err="1"/>
               <a:t>year</a:t>
             </a:r>
             <a:r>
-              <a:rPr lang="fr-CH" sz="2000" dirty="0" smtClean="0"/>
+              <a:rPr lang="fr-CH" sz="2000" dirty="0"/>
               <a:t> per capita)</a:t>
             </a:r>
-            <a:endParaRPr lang="fr-CH" dirty="0" smtClean="0"/>
-          </a:p>
-          <a:p>
-            <a:endParaRPr lang="fr-CH" dirty="0" smtClean="0"/>
-          </a:p>
-          <a:p>
-            <a:r>
-              <a:rPr lang="fr-CH" dirty="0" err="1" smtClean="0"/>
+            <a:endParaRPr lang="fr-CH" dirty="0"/>
+          </a:p>
+          <a:p>
+            <a:endParaRPr lang="fr-CH" dirty="0"/>
+          </a:p>
+          <a:p>
+            <a:r>
+              <a:rPr lang="fr-CH" dirty="0" err="1"/>
               <a:t>Today</a:t>
             </a:r>
             <a:r>
-              <a:rPr lang="fr-CH" dirty="0" smtClean="0"/>
+              <a:rPr lang="fr-CH" dirty="0"/>
               <a:t>: 5000 – 6000 W </a:t>
             </a:r>
           </a:p>
           <a:p>
-            <a:endParaRPr lang="fr-CH" dirty="0" smtClean="0"/>
-          </a:p>
-          <a:p>
-            <a:r>
-              <a:rPr lang="fr-CH" dirty="0" err="1" smtClean="0"/>
+            <a:endParaRPr lang="fr-CH" dirty="0"/>
+          </a:p>
+          <a:p>
+            <a:r>
+              <a:rPr lang="fr-CH" dirty="0" err="1"/>
               <a:t>Realistic</a:t>
             </a:r>
             <a:r>
-              <a:rPr lang="fr-CH" dirty="0" smtClean="0"/>
+              <a:rPr lang="fr-CH" dirty="0"/>
               <a:t> Goal for 2050: </a:t>
             </a:r>
             <a:br>
-              <a:rPr lang="fr-CH" dirty="0" smtClean="0"/>
+              <a:rPr lang="fr-CH" dirty="0"/>
             </a:br>
             <a:r>
-              <a:rPr lang="fr-CH" dirty="0" smtClean="0"/>
+              <a:rPr lang="fr-CH" dirty="0"/>
               <a:t>3500 W</a:t>
             </a:r>
             <a:br>
-              <a:rPr lang="fr-CH" dirty="0" smtClean="0"/>
+              <a:rPr lang="fr-CH" dirty="0"/>
             </a:br>
             <a:r>
-              <a:rPr lang="fr-CH" sz="2000" dirty="0" smtClean="0"/>
+              <a:rPr lang="fr-CH" sz="2000" dirty="0"/>
               <a:t>[</a:t>
             </a:r>
             <a:r>
-              <a:rPr lang="fr-CH" sz="2000" i="1" dirty="0" smtClean="0"/>
+              <a:rPr lang="fr-CH" sz="2000" i="1" dirty="0"/>
               <a:t>The 2000 Watt Society –Standard or </a:t>
             </a:r>
             <a:r>
-              <a:rPr lang="fr-CH" sz="2000" i="1" dirty="0" err="1" smtClean="0"/>
+              <a:rPr lang="fr-CH" sz="2000" i="1" dirty="0" err="1"/>
               <a:t>Guidepost</a:t>
             </a:r>
             <a:r>
-              <a:rPr lang="fr-CH" sz="2000" i="1" dirty="0" smtClean="0"/>
+              <a:rPr lang="fr-CH" sz="2000" i="1" dirty="0"/>
               <a:t>? </a:t>
             </a:r>
             <a:r>
-              <a:rPr lang="fr-CH" sz="2000" dirty="0" err="1" smtClean="0"/>
+              <a:rPr lang="fr-CH" sz="2000" dirty="0" err="1"/>
               <a:t>Energiespiegel</a:t>
             </a:r>
             <a:r>
-              <a:rPr lang="fr-CH" sz="2000" dirty="0" smtClean="0"/>
+              <a:rPr lang="fr-CH" sz="2000" dirty="0"/>
               <a:t> Nr 18, April 2007, PSI, </a:t>
             </a:r>
             <a:r>
-              <a:rPr lang="fr-CH" sz="2000" dirty="0" err="1" smtClean="0"/>
+              <a:rPr lang="fr-CH" sz="2000" dirty="0" err="1"/>
               <a:t>Switzerland</a:t>
             </a:r>
             <a:r>
-              <a:rPr lang="fr-CH" sz="2000" dirty="0" smtClean="0"/>
+              <a:rPr lang="fr-CH" sz="2000" dirty="0"/>
               <a:t>]</a:t>
             </a:r>
-            <a:endParaRPr lang="fr-CH" dirty="0" smtClean="0"/>
+            <a:endParaRPr lang="fr-CH" dirty="0"/>
           </a:p>
         </p:txBody>
       </p:sp>
@@ -15890,13 +15713,6 @@
   <p:clrMapOvr>
     <a:masterClrMapping/>
   </p:clrMapOvr>
-  <p:timing>
-    <p:tnLst>
-      <p:par>
-        <p:cTn id="1" dur="indefinite" restart="never" nodeType="tmRoot"/>
-      </p:par>
-    </p:tnLst>
-  </p:timing>
 </p:sld>
 </file>
 
@@ -15933,10 +15749,9 @@
           <a:lstStyle/>
           <a:p>
             <a:r>
-              <a:rPr lang="fr-CH" dirty="0" smtClean="0"/>
+              <a:rPr lang="fr-CH" dirty="0"/>
               <a:t>Conclusions</a:t>
             </a:r>
-            <a:endParaRPr lang="fr-CH" dirty="0"/>
           </a:p>
         </p:txBody>
       </p:sp>
@@ -15961,223 +15776,223 @@
           <a:lstStyle/>
           <a:p>
             <a:r>
-              <a:rPr lang="fr-CH" dirty="0" smtClean="0"/>
+              <a:rPr lang="fr-CH" dirty="0"/>
               <a:t>A first model of adaptive </a:t>
             </a:r>
             <a:r>
-              <a:rPr lang="fr-CH" dirty="0" err="1" smtClean="0"/>
+              <a:rPr lang="fr-CH" dirty="0" err="1"/>
               <a:t>appliances</a:t>
             </a:r>
             <a:r>
-              <a:rPr lang="fr-CH" dirty="0" smtClean="0"/>
+              <a:rPr lang="fr-CH" dirty="0"/>
               <a:t> </a:t>
             </a:r>
             <a:r>
-              <a:rPr lang="fr-CH" dirty="0" err="1" smtClean="0"/>
+              <a:rPr lang="fr-CH" dirty="0" err="1"/>
               <a:t>with</a:t>
             </a:r>
             <a:r>
-              <a:rPr lang="fr-CH" dirty="0" smtClean="0"/>
+              <a:rPr lang="fr-CH" dirty="0"/>
               <a:t> volatile </a:t>
             </a:r>
             <a:r>
-              <a:rPr lang="fr-CH" dirty="0" err="1" smtClean="0"/>
+              <a:rPr lang="fr-CH" dirty="0" err="1"/>
               <a:t>demand</a:t>
             </a:r>
             <a:r>
-              <a:rPr lang="fr-CH" dirty="0" smtClean="0"/>
+              <a:rPr lang="fr-CH" dirty="0"/>
               <a:t> and </a:t>
             </a:r>
             <a:r>
-              <a:rPr lang="fr-CH" dirty="0" err="1" smtClean="0"/>
+              <a:rPr lang="fr-CH" dirty="0" err="1"/>
               <a:t>supply</a:t>
             </a:r>
-            <a:endParaRPr lang="fr-CH" dirty="0" smtClean="0"/>
-          </a:p>
-          <a:p>
-            <a:endParaRPr lang="fr-CH" dirty="0" smtClean="0"/>
-          </a:p>
-          <a:p>
-            <a:r>
-              <a:rPr lang="fr-CH" dirty="0" err="1" smtClean="0"/>
+            <a:endParaRPr lang="fr-CH" dirty="0"/>
+          </a:p>
+          <a:p>
+            <a:endParaRPr lang="fr-CH" dirty="0"/>
+          </a:p>
+          <a:p>
+            <a:r>
+              <a:rPr lang="fr-CH" dirty="0" err="1"/>
               <a:t>Suggests</a:t>
             </a:r>
             <a:r>
-              <a:rPr lang="fr-CH" dirty="0" smtClean="0"/>
+              <a:rPr lang="fr-CH" dirty="0"/>
               <a:t> </a:t>
             </a:r>
             <a:r>
-              <a:rPr lang="fr-CH" dirty="0" err="1" smtClean="0"/>
+              <a:rPr lang="fr-CH" dirty="0" err="1"/>
               <a:t>that</a:t>
             </a:r>
             <a:r>
-              <a:rPr lang="fr-CH" dirty="0" smtClean="0"/>
+              <a:rPr lang="fr-CH" dirty="0"/>
               <a:t> </a:t>
             </a:r>
             <a:r>
-              <a:rPr lang="fr-CH" dirty="0" err="1" smtClean="0"/>
+              <a:rPr lang="fr-CH" dirty="0" err="1"/>
               <a:t>negative</a:t>
             </a:r>
             <a:r>
-              <a:rPr lang="fr-CH" dirty="0" smtClean="0"/>
+              <a:rPr lang="fr-CH" dirty="0"/>
               <a:t> </a:t>
             </a:r>
             <a:r>
-              <a:rPr lang="fr-CH" dirty="0" err="1" smtClean="0"/>
+              <a:rPr lang="fr-CH" dirty="0" err="1"/>
               <a:t>evaporation</a:t>
             </a:r>
             <a:r>
-              <a:rPr lang="fr-CH" dirty="0" smtClean="0"/>
+              <a:rPr lang="fr-CH" dirty="0"/>
               <a:t> </a:t>
             </a:r>
             <a:r>
-              <a:rPr lang="fr-CH" dirty="0" err="1" smtClean="0"/>
+              <a:rPr lang="fr-CH" dirty="0" err="1"/>
               <a:t>makes</a:t>
             </a:r>
             <a:r>
-              <a:rPr lang="fr-CH" dirty="0" smtClean="0"/>
+              <a:rPr lang="fr-CH" dirty="0"/>
               <a:t> system </a:t>
             </a:r>
             <a:r>
-              <a:rPr lang="fr-CH" dirty="0" err="1" smtClean="0"/>
+              <a:rPr lang="fr-CH" dirty="0" err="1"/>
               <a:t>unstable</a:t>
             </a:r>
             <a:r>
-              <a:rPr lang="fr-CH" dirty="0" smtClean="0"/>
+              <a:rPr lang="fr-CH" dirty="0"/>
               <a:t>, </a:t>
             </a:r>
           </a:p>
           <a:p>
             <a:pPr lvl="1"/>
             <a:r>
-              <a:rPr lang="fr-CH" dirty="0" err="1" smtClean="0"/>
+              <a:rPr lang="fr-CH" dirty="0" err="1"/>
               <a:t>thus</a:t>
             </a:r>
             <a:r>
-              <a:rPr lang="fr-CH" dirty="0" smtClean="0"/>
+              <a:rPr lang="fr-CH" dirty="0"/>
               <a:t> </a:t>
             </a:r>
             <a:r>
-              <a:rPr lang="fr-CH" dirty="0" err="1" smtClean="0"/>
+              <a:rPr lang="fr-CH" dirty="0" err="1"/>
               <a:t>detailed</a:t>
             </a:r>
             <a:r>
-              <a:rPr lang="fr-CH" dirty="0" smtClean="0"/>
+              <a:rPr lang="fr-CH" dirty="0"/>
               <a:t> </a:t>
             </a:r>
             <a:r>
-              <a:rPr lang="fr-CH" dirty="0" err="1" smtClean="0"/>
+              <a:rPr lang="fr-CH" dirty="0" err="1"/>
               <a:t>analysis</a:t>
             </a:r>
             <a:r>
-              <a:rPr lang="fr-CH" dirty="0" smtClean="0"/>
+              <a:rPr lang="fr-CH" dirty="0"/>
               <a:t> </a:t>
             </a:r>
             <a:r>
-              <a:rPr lang="fr-CH" dirty="0" err="1" smtClean="0"/>
+              <a:rPr lang="fr-CH" dirty="0" err="1"/>
               <a:t>is</a:t>
             </a:r>
             <a:r>
-              <a:rPr lang="fr-CH" dirty="0" smtClean="0"/>
+              <a:rPr lang="fr-CH" dirty="0"/>
               <a:t> </a:t>
             </a:r>
             <a:r>
-              <a:rPr lang="fr-CH" dirty="0" err="1" smtClean="0"/>
+              <a:rPr lang="fr-CH" dirty="0" err="1"/>
               <a:t>required</a:t>
             </a:r>
             <a:r>
-              <a:rPr lang="fr-CH" dirty="0" smtClean="0"/>
+              <a:rPr lang="fr-CH" dirty="0"/>
               <a:t> to </a:t>
             </a:r>
             <a:r>
-              <a:rPr lang="fr-CH" dirty="0" err="1" smtClean="0"/>
+              <a:rPr lang="fr-CH" dirty="0" err="1"/>
               <a:t>avoid</a:t>
             </a:r>
             <a:r>
-              <a:rPr lang="fr-CH" dirty="0" smtClean="0"/>
+              <a:rPr lang="fr-CH" dirty="0"/>
               <a:t> </a:t>
             </a:r>
             <a:r>
-              <a:rPr lang="fr-CH" dirty="0" err="1" smtClean="0"/>
+              <a:rPr lang="fr-CH" dirty="0" err="1"/>
               <a:t>it</a:t>
             </a:r>
-            <a:endParaRPr lang="fr-CH" dirty="0" smtClean="0"/>
+            <a:endParaRPr lang="fr-CH" dirty="0"/>
           </a:p>
           <a:p>
             <a:pPr lvl="1"/>
-            <a:endParaRPr lang="fr-CH" dirty="0" smtClean="0"/>
-          </a:p>
-          <a:p>
-            <a:r>
-              <a:rPr lang="fr-CH" dirty="0" smtClean="0"/>
+            <a:endParaRPr lang="fr-CH" dirty="0"/>
+          </a:p>
+          <a:p>
+            <a:r>
+              <a:rPr lang="fr-CH" dirty="0"/>
               <a:t>Model </a:t>
             </a:r>
             <a:r>
-              <a:rPr lang="fr-CH" dirty="0" err="1" smtClean="0"/>
+              <a:rPr lang="fr-CH" dirty="0" err="1"/>
               <a:t>can</a:t>
             </a:r>
             <a:r>
-              <a:rPr lang="fr-CH" dirty="0" smtClean="0"/>
+              <a:rPr lang="fr-CH" dirty="0"/>
               <a:t> </a:t>
             </a:r>
             <a:r>
-              <a:rPr lang="fr-CH" dirty="0" err="1" smtClean="0"/>
+              <a:rPr lang="fr-CH" dirty="0" err="1"/>
               <a:t>be</a:t>
             </a:r>
             <a:r>
-              <a:rPr lang="fr-CH" dirty="0" smtClean="0"/>
+              <a:rPr lang="fr-CH" dirty="0"/>
               <a:t> </a:t>
             </a:r>
             <a:r>
-              <a:rPr lang="fr-CH" dirty="0" err="1" smtClean="0"/>
+              <a:rPr lang="fr-CH" dirty="0" err="1"/>
               <a:t>used</a:t>
             </a:r>
             <a:r>
-              <a:rPr lang="fr-CH" dirty="0" smtClean="0"/>
+              <a:rPr lang="fr-CH" dirty="0"/>
               <a:t> to </a:t>
             </a:r>
             <a:r>
-              <a:rPr lang="fr-CH" dirty="0" err="1" smtClean="0"/>
+              <a:rPr lang="fr-CH" dirty="0" err="1"/>
               <a:t>quantify</a:t>
             </a:r>
             <a:r>
-              <a:rPr lang="fr-CH" dirty="0" smtClean="0"/>
+              <a:rPr lang="fr-CH" dirty="0"/>
               <a:t> more </a:t>
             </a:r>
             <a:r>
-              <a:rPr lang="fr-CH" dirty="0" err="1" smtClean="0"/>
+              <a:rPr lang="fr-CH" dirty="0" err="1"/>
               <a:t>detailed</a:t>
             </a:r>
             <a:r>
-              <a:rPr lang="fr-CH" dirty="0" smtClean="0"/>
+              <a:rPr lang="fr-CH" dirty="0"/>
               <a:t> </a:t>
             </a:r>
             <a:r>
-              <a:rPr lang="fr-CH" dirty="0" err="1" smtClean="0"/>
+              <a:rPr lang="fr-CH" dirty="0" err="1"/>
               <a:t>quantities</a:t>
             </a:r>
-            <a:endParaRPr lang="fr-CH" dirty="0" smtClean="0"/>
+            <a:endParaRPr lang="fr-CH" dirty="0"/>
           </a:p>
           <a:p>
             <a:pPr lvl="1"/>
             <a:r>
-              <a:rPr lang="fr-CH" dirty="0" err="1" smtClean="0"/>
+              <a:rPr lang="fr-CH" dirty="0" err="1"/>
               <a:t>E.g</a:t>
             </a:r>
             <a:r>
-              <a:rPr lang="fr-CH" dirty="0" smtClean="0"/>
+              <a:rPr lang="fr-CH" dirty="0"/>
               <a:t>. </a:t>
             </a:r>
             <a:r>
-              <a:rPr lang="fr-CH" dirty="0" err="1" smtClean="0"/>
+              <a:rPr lang="fr-CH" dirty="0" err="1"/>
               <a:t>amount</a:t>
             </a:r>
             <a:r>
-              <a:rPr lang="fr-CH" dirty="0" smtClean="0"/>
+              <a:rPr lang="fr-CH" dirty="0"/>
               <a:t> of </a:t>
             </a:r>
             <a:r>
-              <a:rPr lang="fr-CH" dirty="0" err="1" smtClean="0"/>
+              <a:rPr lang="fr-CH" dirty="0" err="1"/>
               <a:t>backlog</a:t>
             </a:r>
             <a:endParaRPr lang="fr-CH" dirty="0"/>
@@ -16218,13 +16033,6 @@
   <p:clrMapOvr>
     <a:masterClrMapping/>
   </p:clrMapOvr>
-  <p:timing>
-    <p:tnLst>
-      <p:par>
-        <p:cTn id="1" dur="indefinite" restart="never" nodeType="tmRoot"/>
-      </p:par>
-    </p:tnLst>
-  </p:timing>
 </p:sld>
 </file>
 
@@ -16261,18 +16069,17 @@
           <a:lstStyle/>
           <a:p>
             <a:r>
-              <a:rPr lang="fr-CH" dirty="0" smtClean="0"/>
+              <a:rPr lang="fr-CH" dirty="0"/>
               <a:t>The British </a:t>
             </a:r>
             <a:r>
-              <a:rPr lang="fr-CH" dirty="0" err="1" smtClean="0"/>
+              <a:rPr lang="fr-CH" dirty="0" err="1"/>
               <a:t>Dream</a:t>
             </a:r>
             <a:r>
-              <a:rPr lang="fr-CH" dirty="0" smtClean="0"/>
+              <a:rPr lang="fr-CH" dirty="0"/>
               <a:t>…</a:t>
             </a:r>
-            <a:endParaRPr lang="fr-CH" dirty="0"/>
           </a:p>
         </p:txBody>
       </p:sp>
@@ -16297,9 +16104,27 @@
                 <a:tableStyleId>{5C22544A-7EE6-4342-B048-85BDC9FD1C3A}</a:tableStyleId>
               </a:tblPr>
               <a:tblGrid>
-                <a:gridCol w="1515004"/>
-                <a:gridCol w="1515004"/>
-                <a:gridCol w="1515004"/>
+                <a:gridCol w="1515004">
+                  <a:extLst>
+                    <a:ext uri="{9D8B030D-6E8A-4147-A177-3AD203B41FA5}">
+                      <a16:colId xmlns:a16="http://schemas.microsoft.com/office/drawing/2014/main" val="20000"/>
+                    </a:ext>
+                  </a:extLst>
+                </a:gridCol>
+                <a:gridCol w="1515004">
+                  <a:extLst>
+                    <a:ext uri="{9D8B030D-6E8A-4147-A177-3AD203B41FA5}">
+                      <a16:colId xmlns:a16="http://schemas.microsoft.com/office/drawing/2014/main" val="20001"/>
+                    </a:ext>
+                  </a:extLst>
+                </a:gridCol>
+                <a:gridCol w="1515004">
+                  <a:extLst>
+                    <a:ext uri="{9D8B030D-6E8A-4147-A177-3AD203B41FA5}">
+                      <a16:colId xmlns:a16="http://schemas.microsoft.com/office/drawing/2014/main" val="20002"/>
+                    </a:ext>
+                  </a:extLst>
+                </a:gridCol>
               </a:tblGrid>
               <a:tr h="370840">
                 <a:tc>
@@ -16318,10 +16143,9 @@
                     <a:lstStyle/>
                     <a:p>
                       <a:r>
-                        <a:rPr lang="fr-CH" dirty="0" smtClean="0"/>
+                        <a:rPr lang="fr-CH" dirty="0"/>
                         <a:t>Watts</a:t>
                       </a:r>
-                      <a:endParaRPr lang="fr-CH" dirty="0"/>
                     </a:p>
                   </a:txBody>
                   <a:tcPr/>
@@ -16332,14 +16156,18 @@
                     <a:lstStyle/>
                     <a:p>
                       <a:r>
-                        <a:rPr lang="fr-CH" dirty="0" smtClean="0"/>
+                        <a:rPr lang="fr-CH" dirty="0"/>
                         <a:t>kWh/d</a:t>
                       </a:r>
-                      <a:endParaRPr lang="fr-CH" dirty="0"/>
                     </a:p>
                   </a:txBody>
                   <a:tcPr/>
                 </a:tc>
+                <a:extLst>
+                  <a:ext uri="{0D108BD9-81ED-4DB2-BD59-A6C34878D82A}">
+                    <a16:rowId xmlns:a16="http://schemas.microsoft.com/office/drawing/2014/main" val="10000"/>
+                  </a:ext>
+                </a:extLst>
               </a:tr>
               <a:tr h="370840">
                 <a:tc>
@@ -16348,15 +16176,15 @@
                     <a:lstStyle/>
                     <a:p>
                       <a:r>
-                        <a:rPr lang="fr-CH" dirty="0" err="1" smtClean="0"/>
+                        <a:rPr lang="fr-CH" dirty="0" err="1"/>
                         <a:t>Swiss</a:t>
                       </a:r>
                       <a:r>
-                        <a:rPr lang="fr-CH" baseline="0" dirty="0" smtClean="0"/>
+                        <a:rPr lang="fr-CH" baseline="0" dirty="0"/>
                         <a:t> </a:t>
                       </a:r>
                       <a:r>
-                        <a:rPr lang="fr-CH" baseline="0" dirty="0" err="1" smtClean="0"/>
+                        <a:rPr lang="fr-CH" baseline="0" dirty="0" err="1"/>
                         <a:t>dream</a:t>
                       </a:r>
                       <a:endParaRPr lang="fr-CH" dirty="0"/>
@@ -16370,10 +16198,9 @@
                     <a:lstStyle/>
                     <a:p>
                       <a:r>
-                        <a:rPr lang="fr-CH" dirty="0" smtClean="0"/>
+                        <a:rPr lang="fr-CH" dirty="0"/>
                         <a:t>2000</a:t>
                       </a:r>
-                      <a:endParaRPr lang="fr-CH" dirty="0"/>
                     </a:p>
                   </a:txBody>
                   <a:tcPr/>
@@ -16384,14 +16211,18 @@
                     <a:lstStyle/>
                     <a:p>
                       <a:r>
-                        <a:rPr lang="fr-CH" dirty="0" smtClean="0"/>
+                        <a:rPr lang="fr-CH" dirty="0"/>
                         <a:t>48</a:t>
                       </a:r>
-                      <a:endParaRPr lang="fr-CH" dirty="0"/>
                     </a:p>
                   </a:txBody>
                   <a:tcPr/>
                 </a:tc>
+                <a:extLst>
+                  <a:ext uri="{0D108BD9-81ED-4DB2-BD59-A6C34878D82A}">
+                    <a16:rowId xmlns:a16="http://schemas.microsoft.com/office/drawing/2014/main" val="10001"/>
+                  </a:ext>
+                </a:extLst>
               </a:tr>
               <a:tr h="370840">
                 <a:tc>
@@ -16400,11 +16231,61 @@
                     <a:lstStyle/>
                     <a:p>
                       <a:r>
-                        <a:rPr lang="fr-CH" dirty="0" err="1" smtClean="0"/>
+                        <a:rPr lang="fr-CH" dirty="0" err="1"/>
                         <a:t>Today</a:t>
                       </a:r>
                       <a:r>
-                        <a:rPr lang="fr-CH" dirty="0" smtClean="0"/>
+                        <a:rPr lang="fr-CH" dirty="0"/>
+                        <a:t> CH</a:t>
+                      </a:r>
+                    </a:p>
+                  </a:txBody>
+                  <a:tcPr/>
+                </a:tc>
+                <a:tc>
+                  <a:txBody>
+                    <a:bodyPr/>
+                    <a:lstStyle/>
+                    <a:p>
+                      <a:r>
+                        <a:rPr lang="fr-CH" dirty="0"/>
+                        <a:t>6000</a:t>
+                      </a:r>
+                    </a:p>
+                  </a:txBody>
+                  <a:tcPr/>
+                </a:tc>
+                <a:tc>
+                  <a:txBody>
+                    <a:bodyPr/>
+                    <a:lstStyle/>
+                    <a:p>
+                      <a:r>
+                        <a:rPr lang="fr-CH" dirty="0"/>
+                        <a:t>144</a:t>
+                      </a:r>
+                    </a:p>
+                  </a:txBody>
+                  <a:tcPr/>
+                </a:tc>
+                <a:extLst>
+                  <a:ext uri="{0D108BD9-81ED-4DB2-BD59-A6C34878D82A}">
+                    <a16:rowId xmlns:a16="http://schemas.microsoft.com/office/drawing/2014/main" val="10002"/>
+                  </a:ext>
+                </a:extLst>
+              </a:tr>
+              <a:tr h="370840">
+                <a:tc>
+                  <a:txBody>
+                    <a:bodyPr/>
+                    <a:lstStyle/>
+                    <a:p>
+                      <a:r>
+                        <a:rPr lang="fr-CH" dirty="0"/>
+                        <a:t>2050</a:t>
+                      </a:r>
+                      <a:r>
+                        <a:rPr lang="fr-CH" baseline="0" dirty="0"/>
                         <a:t> CH</a:t>
                       </a:r>
                       <a:endParaRPr lang="fr-CH" dirty="0"/>
@@ -16418,10 +16299,9 @@
                     <a:lstStyle/>
                     <a:p>
                       <a:r>
-                        <a:rPr lang="fr-CH" dirty="0" smtClean="0"/>
-                        <a:t>6000</a:t>
+                        <a:rPr lang="fr-CH" dirty="0"/>
+                        <a:t>3500</a:t>
                       </a:r>
-                      <a:endParaRPr lang="fr-CH" dirty="0"/>
                     </a:p>
                   </a:txBody>
                   <a:tcPr/>
@@ -16432,61 +16312,18 @@
                     <a:lstStyle/>
                     <a:p>
                       <a:r>
-                        <a:rPr lang="fr-CH" dirty="0" smtClean="0"/>
-                        <a:t>144</a:t>
+                        <a:rPr lang="fr-CH" dirty="0"/>
+                        <a:t>84</a:t>
                       </a:r>
                     </a:p>
                   </a:txBody>
                   <a:tcPr/>
                 </a:tc>
-              </a:tr>
-              <a:tr h="370840">
-                <a:tc>
-                  <a:txBody>
-                    <a:bodyPr/>
-                    <a:lstStyle/>
-                    <a:p>
-                      <a:r>
-                        <a:rPr lang="fr-CH" dirty="0" smtClean="0"/>
-                        <a:t>2050</a:t>
-                      </a:r>
-                      <a:r>
-                        <a:rPr lang="fr-CH" baseline="0" dirty="0" smtClean="0"/>
-                        <a:t> CH</a:t>
-                      </a:r>
-                      <a:endParaRPr lang="fr-CH" dirty="0"/>
-                    </a:p>
-                  </a:txBody>
-                  <a:tcPr/>
-                </a:tc>
-                <a:tc>
-                  <a:txBody>
-                    <a:bodyPr/>
-                    <a:lstStyle/>
-                    <a:p>
-                      <a:r>
-                        <a:rPr lang="fr-CH" dirty="0" smtClean="0"/>
-                        <a:t>3500</a:t>
-                      </a:r>
-                      <a:endParaRPr lang="fr-CH" dirty="0"/>
-                    </a:p>
-                  </a:txBody>
-                  <a:tcPr/>
-                </a:tc>
-                <a:tc>
-                  <a:txBody>
-                    <a:bodyPr/>
-                    <a:lstStyle/>
-                    <a:p>
-                      <a:r>
-                        <a:rPr lang="fr-CH" dirty="0" smtClean="0"/>
-                        <a:t>84</a:t>
-                      </a:r>
-                      <a:endParaRPr lang="fr-CH" dirty="0"/>
-                    </a:p>
-                  </a:txBody>
-                  <a:tcPr/>
-                </a:tc>
+                <a:extLst>
+                  <a:ext uri="{0D108BD9-81ED-4DB2-BD59-A6C34878D82A}">
+                    <a16:rowId xmlns:a16="http://schemas.microsoft.com/office/drawing/2014/main" val="10003"/>
+                  </a:ext>
+                </a:extLst>
               </a:tr>
               <a:tr h="370840">
                 <a:tc>
@@ -16519,6 +16356,11 @@
                   </a:txBody>
                   <a:tcPr/>
                 </a:tc>
+                <a:extLst>
+                  <a:ext uri="{0D108BD9-81ED-4DB2-BD59-A6C34878D82A}">
+                    <a16:rowId xmlns:a16="http://schemas.microsoft.com/office/drawing/2014/main" val="10004"/>
+                  </a:ext>
+                </a:extLst>
               </a:tr>
               <a:tr h="370840">
                 <a:tc>
@@ -16527,14 +16369,13 @@
                     <a:lstStyle/>
                     <a:p>
                       <a:r>
-                        <a:rPr lang="fr-CH" dirty="0" err="1" smtClean="0"/>
+                        <a:rPr lang="fr-CH" dirty="0" err="1"/>
                         <a:t>MacKay’s</a:t>
                       </a:r>
                       <a:r>
-                        <a:rPr lang="fr-CH" dirty="0" smtClean="0"/>
+                        <a:rPr lang="fr-CH" dirty="0"/>
                         <a:t> model UK</a:t>
                       </a:r>
-                      <a:endParaRPr lang="fr-CH" dirty="0"/>
                     </a:p>
                   </a:txBody>
                   <a:tcPr/>
@@ -16545,10 +16386,9 @@
                     <a:lstStyle/>
                     <a:p>
                       <a:r>
-                        <a:rPr lang="fr-CH" dirty="0" smtClean="0"/>
+                        <a:rPr lang="fr-CH" dirty="0"/>
                         <a:t>5200</a:t>
                       </a:r>
-                      <a:endParaRPr lang="fr-CH" dirty="0"/>
                     </a:p>
                   </a:txBody>
                   <a:tcPr/>
@@ -16559,14 +16399,18 @@
                     <a:lstStyle/>
                     <a:p>
                       <a:r>
-                        <a:rPr lang="fr-CH" dirty="0" smtClean="0"/>
+                        <a:rPr lang="fr-CH" dirty="0"/>
                         <a:t>125</a:t>
                       </a:r>
-                      <a:endParaRPr lang="fr-CH" dirty="0"/>
                     </a:p>
                   </a:txBody>
                   <a:tcPr/>
                 </a:tc>
+                <a:extLst>
+                  <a:ext uri="{0D108BD9-81ED-4DB2-BD59-A6C34878D82A}">
+                    <a16:rowId xmlns:a16="http://schemas.microsoft.com/office/drawing/2014/main" val="10005"/>
+                  </a:ext>
+                </a:extLst>
               </a:tr>
               <a:tr h="370840">
                 <a:tc>
@@ -16575,10 +16419,9 @@
                     <a:lstStyle/>
                     <a:p>
                       <a:r>
-                        <a:rPr lang="fr-CH" dirty="0" smtClean="0"/>
+                        <a:rPr lang="fr-CH" dirty="0"/>
                         <a:t>2050 UK</a:t>
                       </a:r>
-                      <a:endParaRPr lang="fr-CH" dirty="0"/>
                     </a:p>
                   </a:txBody>
                   <a:tcPr/>
@@ -16589,10 +16432,9 @@
                     <a:lstStyle/>
                     <a:p>
                       <a:r>
-                        <a:rPr lang="fr-CH" dirty="0" smtClean="0"/>
+                        <a:rPr lang="fr-CH" dirty="0"/>
                         <a:t>2833</a:t>
                       </a:r>
-                      <a:endParaRPr lang="fr-CH" dirty="0"/>
                     </a:p>
                   </a:txBody>
                   <a:tcPr/>
@@ -16603,14 +16445,18 @@
                     <a:lstStyle/>
                     <a:p>
                       <a:r>
-                        <a:rPr lang="fr-CH" dirty="0" smtClean="0"/>
+                        <a:rPr lang="fr-CH" dirty="0"/>
                         <a:t>68</a:t>
                       </a:r>
-                      <a:endParaRPr lang="fr-CH" dirty="0"/>
                     </a:p>
                   </a:txBody>
                   <a:tcPr/>
                 </a:tc>
+                <a:extLst>
+                  <a:ext uri="{0D108BD9-81ED-4DB2-BD59-A6C34878D82A}">
+                    <a16:rowId xmlns:a16="http://schemas.microsoft.com/office/drawing/2014/main" val="10006"/>
+                  </a:ext>
+                </a:extLst>
               </a:tr>
               <a:tr h="370840">
                 <a:tc>
@@ -16619,11 +16465,11 @@
                     <a:lstStyle/>
                     <a:p>
                       <a:r>
-                        <a:rPr lang="fr-CH" dirty="0" smtClean="0"/>
+                        <a:rPr lang="fr-CH" dirty="0"/>
                         <a:t>2008 UK </a:t>
                       </a:r>
                       <a:r>
-                        <a:rPr lang="fr-CH" dirty="0" err="1" smtClean="0"/>
+                        <a:rPr lang="fr-CH" dirty="0" err="1"/>
                         <a:t>grid</a:t>
                       </a:r>
                       <a:endParaRPr lang="fr-CH" dirty="0"/>
@@ -16637,10 +16483,9 @@
                     <a:lstStyle/>
                     <a:p>
                       <a:r>
-                        <a:rPr lang="fr-CH" dirty="0" smtClean="0"/>
+                        <a:rPr lang="fr-CH" dirty="0"/>
                         <a:t>750</a:t>
                       </a:r>
-                      <a:endParaRPr lang="fr-CH" dirty="0"/>
                     </a:p>
                   </a:txBody>
                   <a:tcPr/>
@@ -16651,14 +16496,18 @@
                     <a:lstStyle/>
                     <a:p>
                       <a:r>
-                        <a:rPr lang="fr-CH" dirty="0" smtClean="0"/>
+                        <a:rPr lang="fr-CH" dirty="0"/>
                         <a:t>18</a:t>
                       </a:r>
-                      <a:endParaRPr lang="fr-CH" dirty="0"/>
                     </a:p>
                   </a:txBody>
                   <a:tcPr/>
                 </a:tc>
+                <a:extLst>
+                  <a:ext uri="{0D108BD9-81ED-4DB2-BD59-A6C34878D82A}">
+                    <a16:rowId xmlns:a16="http://schemas.microsoft.com/office/drawing/2014/main" val="10007"/>
+                  </a:ext>
+                </a:extLst>
               </a:tr>
               <a:tr h="370840">
                 <a:tc>
@@ -16667,11 +16516,11 @@
                     <a:lstStyle/>
                     <a:p>
                       <a:r>
-                        <a:rPr lang="fr-CH" dirty="0" smtClean="0"/>
+                        <a:rPr lang="fr-CH" dirty="0"/>
                         <a:t>2050 UK </a:t>
                       </a:r>
                       <a:r>
-                        <a:rPr lang="fr-CH" dirty="0" err="1" smtClean="0"/>
+                        <a:rPr lang="fr-CH" dirty="0" err="1"/>
                         <a:t>grid</a:t>
                       </a:r>
                       <a:endParaRPr lang="fr-CH" dirty="0"/>
@@ -16685,10 +16534,9 @@
                     <a:lstStyle/>
                     <a:p>
                       <a:r>
-                        <a:rPr lang="fr-CH" dirty="0" smtClean="0"/>
+                        <a:rPr lang="fr-CH" dirty="0"/>
                         <a:t>2000</a:t>
                       </a:r>
-                      <a:endParaRPr lang="fr-CH" dirty="0"/>
                     </a:p>
                   </a:txBody>
                   <a:tcPr/>
@@ -16699,14 +16547,18 @@
                     <a:lstStyle/>
                     <a:p>
                       <a:r>
-                        <a:rPr lang="fr-CH" dirty="0" smtClean="0"/>
+                        <a:rPr lang="fr-CH" dirty="0"/>
                         <a:t>48</a:t>
                       </a:r>
-                      <a:endParaRPr lang="fr-CH" dirty="0"/>
                     </a:p>
                   </a:txBody>
                   <a:tcPr/>
                 </a:tc>
+                <a:extLst>
+                  <a:ext uri="{0D108BD9-81ED-4DB2-BD59-A6C34878D82A}">
+                    <a16:rowId xmlns:a16="http://schemas.microsoft.com/office/drawing/2014/main" val="10008"/>
+                  </a:ext>
+                </a:extLst>
               </a:tr>
             </a:tbl>
           </a:graphicData>
@@ -16733,99 +16585,99 @@
           <a:lstStyle/>
           <a:p>
             <a:r>
-              <a:rPr lang="fr-CH" dirty="0" smtClean="0"/>
+              <a:rPr lang="fr-CH" dirty="0"/>
               <a:t>David MacKay 2009 « </a:t>
             </a:r>
             <a:r>
-              <a:rPr lang="fr-CH" dirty="0" err="1" smtClean="0"/>
+              <a:rPr lang="fr-CH" dirty="0" err="1"/>
               <a:t>Sustainable</a:t>
             </a:r>
             <a:r>
-              <a:rPr lang="fr-CH" dirty="0" smtClean="0"/>
+              <a:rPr lang="fr-CH" dirty="0"/>
               <a:t> Energy </a:t>
             </a:r>
             <a:r>
-              <a:rPr lang="fr-CH" dirty="0" err="1" smtClean="0"/>
+              <a:rPr lang="fr-CH" dirty="0" err="1"/>
               <a:t>without</a:t>
             </a:r>
             <a:r>
-              <a:rPr lang="fr-CH" dirty="0" smtClean="0"/>
+              <a:rPr lang="fr-CH" dirty="0"/>
               <a:t> the Hot Air »</a:t>
             </a:r>
           </a:p>
           <a:p>
-            <a:endParaRPr lang="fr-CH" dirty="0" smtClean="0"/>
-          </a:p>
-          <a:p>
-            <a:r>
-              <a:rPr lang="fr-CH" dirty="0" smtClean="0"/>
+            <a:endParaRPr lang="fr-CH" dirty="0"/>
+          </a:p>
+          <a:p>
+            <a:r>
+              <a:rPr lang="fr-CH" dirty="0"/>
               <a:t>An </a:t>
             </a:r>
             <a:r>
-              <a:rPr lang="fr-CH" dirty="0" err="1" smtClean="0"/>
+              <a:rPr lang="fr-CH" dirty="0" err="1"/>
               <a:t>aggressive</a:t>
             </a:r>
             <a:r>
-              <a:rPr lang="fr-CH" dirty="0" smtClean="0"/>
+              <a:rPr lang="fr-CH" dirty="0"/>
               <a:t>, </a:t>
             </a:r>
             <a:r>
-              <a:rPr lang="fr-CH" dirty="0" err="1" smtClean="0"/>
+              <a:rPr lang="fr-CH" dirty="0" err="1"/>
               <a:t>though</a:t>
             </a:r>
             <a:r>
-              <a:rPr lang="fr-CH" dirty="0" smtClean="0"/>
+              <a:rPr lang="fr-CH" dirty="0"/>
               <a:t> not </a:t>
             </a:r>
             <a:r>
-              <a:rPr lang="fr-CH" dirty="0" err="1" smtClean="0"/>
+              <a:rPr lang="fr-CH" dirty="0" err="1"/>
               <a:t>unrealistic</a:t>
             </a:r>
             <a:r>
-              <a:rPr lang="fr-CH" dirty="0" smtClean="0"/>
+              <a:rPr lang="fr-CH" dirty="0"/>
               <a:t> plan </a:t>
             </a:r>
             <a:r>
-              <a:rPr lang="fr-CH" dirty="0" err="1" smtClean="0"/>
+              <a:rPr lang="fr-CH" dirty="0" err="1"/>
               <a:t>requires</a:t>
             </a:r>
             <a:r>
-              <a:rPr lang="fr-CH" dirty="0" smtClean="0"/>
+              <a:rPr lang="fr-CH" dirty="0"/>
               <a:t> ca 3000W,  </a:t>
             </a:r>
             <a:br>
-              <a:rPr lang="fr-CH" dirty="0" smtClean="0"/>
+              <a:rPr lang="fr-CH" dirty="0"/>
             </a:br>
             <a:r>
-              <a:rPr lang="fr-CH" dirty="0" smtClean="0"/>
+              <a:rPr lang="fr-CH" dirty="0"/>
               <a:t>¾ of </a:t>
             </a:r>
             <a:r>
-              <a:rPr lang="fr-CH" dirty="0" err="1" smtClean="0"/>
+              <a:rPr lang="fr-CH" dirty="0" err="1"/>
               <a:t>which</a:t>
             </a:r>
             <a:r>
-              <a:rPr lang="fr-CH" dirty="0" smtClean="0"/>
+              <a:rPr lang="fr-CH" dirty="0"/>
               <a:t> </a:t>
             </a:r>
             <a:r>
-              <a:rPr lang="fr-CH" dirty="0" err="1" smtClean="0"/>
+              <a:rPr lang="fr-CH" dirty="0" err="1"/>
               <a:t>is</a:t>
             </a:r>
             <a:r>
-              <a:rPr lang="fr-CH" dirty="0" smtClean="0"/>
+              <a:rPr lang="fr-CH" dirty="0"/>
               <a:t> by the </a:t>
             </a:r>
             <a:r>
-              <a:rPr lang="fr-CH" dirty="0" err="1" smtClean="0"/>
+              <a:rPr lang="fr-CH" dirty="0" err="1"/>
               <a:t>electrical</a:t>
             </a:r>
             <a:r>
-              <a:rPr lang="fr-CH" dirty="0" smtClean="0"/>
+              <a:rPr lang="fr-CH" dirty="0"/>
               <a:t> </a:t>
             </a:r>
             <a:r>
-              <a:rPr lang="fr-CH" dirty="0" err="1" smtClean="0"/>
+              <a:rPr lang="fr-CH" dirty="0" err="1"/>
               <a:t>grid</a:t>
             </a:r>
             <a:endParaRPr lang="fr-CH" dirty="0"/>
@@ -16866,13 +16718,6 @@
   <p:clrMapOvr>
     <a:masterClrMapping/>
   </p:clrMapOvr>
-  <p:timing>
-    <p:tnLst>
-      <p:par>
-        <p:cTn id="1" dur="indefinite" restart="never" nodeType="tmRoot"/>
-      </p:par>
-    </p:tnLst>
-  </p:timing>
 </p:sld>
 </file>
 
@@ -16914,84 +16759,83 @@
           <a:lstStyle/>
           <a:p>
             <a:r>
-              <a:rPr lang="fr-CH" dirty="0" err="1" smtClean="0"/>
+              <a:rPr lang="fr-CH" dirty="0" err="1"/>
               <a:t>Volatility</a:t>
             </a:r>
             <a:r>
-              <a:rPr lang="fr-CH" dirty="0" smtClean="0"/>
+              <a:rPr lang="fr-CH" dirty="0"/>
               <a:t> in </a:t>
             </a:r>
             <a:r>
-              <a:rPr lang="fr-CH" dirty="0" err="1" smtClean="0"/>
+              <a:rPr lang="fr-CH" dirty="0" err="1"/>
               <a:t>demand</a:t>
             </a:r>
-            <a:endParaRPr lang="fr-CH" dirty="0" smtClean="0"/>
-          </a:p>
-          <a:p>
-            <a:r>
-              <a:rPr lang="fr-CH" dirty="0" err="1" smtClean="0"/>
+            <a:endParaRPr lang="fr-CH" dirty="0"/>
+          </a:p>
+          <a:p>
+            <a:r>
+              <a:rPr lang="fr-CH" dirty="0" err="1"/>
               <a:t>Increased</a:t>
             </a:r>
             <a:r>
-              <a:rPr lang="fr-CH" dirty="0" smtClean="0"/>
+              <a:rPr lang="fr-CH" dirty="0"/>
               <a:t> </a:t>
             </a:r>
             <a:r>
-              <a:rPr lang="fr-CH" dirty="0" err="1" smtClean="0"/>
+              <a:rPr lang="fr-CH" dirty="0" err="1"/>
               <a:t>volatility</a:t>
             </a:r>
             <a:r>
-              <a:rPr lang="fr-CH" dirty="0" smtClean="0"/>
+              <a:rPr lang="fr-CH" dirty="0"/>
               <a:t> in </a:t>
             </a:r>
             <a:r>
-              <a:rPr lang="fr-CH" dirty="0" err="1" smtClean="0"/>
+              <a:rPr lang="fr-CH" dirty="0" err="1"/>
               <a:t>supply</a:t>
             </a:r>
-            <a:endParaRPr lang="fr-CH" dirty="0" smtClean="0"/>
-          </a:p>
-          <a:p>
-            <a:endParaRPr lang="fr-CH" dirty="0" smtClean="0"/>
-          </a:p>
-          <a:p>
-            <a:endParaRPr lang="fr-CH" dirty="0" smtClean="0"/>
-          </a:p>
-          <a:p>
-            <a:r>
-              <a:rPr lang="fr-CH" dirty="0" smtClean="0"/>
+            <a:endParaRPr lang="fr-CH" dirty="0"/>
+          </a:p>
+          <a:p>
+            <a:endParaRPr lang="fr-CH" dirty="0"/>
+          </a:p>
+          <a:p>
+            <a:endParaRPr lang="fr-CH" dirty="0"/>
+          </a:p>
+          <a:p>
+            <a:r>
+              <a:rPr lang="fr-CH" dirty="0"/>
               <a:t>Calls for intelligent </a:t>
             </a:r>
             <a:r>
-              <a:rPr lang="fr-CH" dirty="0" err="1" smtClean="0"/>
+              <a:rPr lang="fr-CH" dirty="0" err="1"/>
               <a:t>demand</a:t>
             </a:r>
             <a:r>
-              <a:rPr lang="fr-CH" dirty="0" smtClean="0"/>
+              <a:rPr lang="fr-CH" dirty="0"/>
               <a:t> and </a:t>
             </a:r>
             <a:r>
-              <a:rPr lang="fr-CH" dirty="0" err="1" smtClean="0"/>
+              <a:rPr lang="fr-CH" dirty="0" err="1"/>
               <a:t>supply</a:t>
             </a:r>
-            <a:endParaRPr lang="fr-CH" dirty="0" smtClean="0"/>
+            <a:endParaRPr lang="fr-CH" dirty="0"/>
           </a:p>
           <a:p>
             <a:pPr>
               <a:buNone/>
             </a:pPr>
             <a:r>
-              <a:rPr lang="fr-CH" dirty="0" smtClean="0"/>
+              <a:rPr lang="fr-CH" dirty="0"/>
               <a:t>« Adaptive </a:t>
             </a:r>
             <a:r>
-              <a:rPr lang="fr-CH" dirty="0" err="1" smtClean="0"/>
+              <a:rPr lang="fr-CH" dirty="0" err="1"/>
               <a:t>Appliances</a:t>
             </a:r>
             <a:r>
-              <a:rPr lang="fr-CH" dirty="0" smtClean="0"/>
+              <a:rPr lang="fr-CH" dirty="0"/>
               <a:t> »</a:t>
             </a:r>
-            <a:endParaRPr lang="fr-CH" dirty="0"/>
           </a:p>
         </p:txBody>
       </p:sp>
@@ -17127,19 +16971,19 @@
           <a:lstStyle/>
           <a:p>
             <a:r>
-              <a:rPr lang="fr-CH" dirty="0" smtClean="0"/>
+              <a:rPr lang="fr-CH" dirty="0"/>
               <a:t>Management of </a:t>
             </a:r>
             <a:r>
-              <a:rPr lang="fr-CH" dirty="0" err="1" smtClean="0"/>
+              <a:rPr lang="fr-CH" dirty="0" err="1"/>
               <a:t>Energy</a:t>
             </a:r>
             <a:r>
-              <a:rPr lang="fr-CH" dirty="0" smtClean="0"/>
+              <a:rPr lang="fr-CH" dirty="0"/>
               <a:t> </a:t>
             </a:r>
             <a:r>
-              <a:rPr lang="fr-CH" dirty="0" err="1" smtClean="0"/>
+              <a:rPr lang="fr-CH" dirty="0" err="1"/>
               <a:t>Demand</a:t>
             </a:r>
             <a:endParaRPr lang="fr-CH" dirty="0"/>
@@ -17162,47 +17006,47 @@
           <a:lstStyle/>
           <a:p>
             <a:r>
-              <a:rPr lang="fr-CH" i="1" dirty="0" err="1" smtClean="0"/>
+              <a:rPr lang="fr-CH" i="1" dirty="0" err="1"/>
               <a:t>Managing</a:t>
             </a:r>
             <a:r>
-              <a:rPr lang="fr-CH" i="1" dirty="0" smtClean="0"/>
+              <a:rPr lang="fr-CH" i="1" dirty="0"/>
               <a:t> End-User </a:t>
             </a:r>
             <a:r>
-              <a:rPr lang="fr-CH" i="1" dirty="0" err="1" smtClean="0"/>
+              <a:rPr lang="fr-CH" i="1" dirty="0" err="1"/>
               <a:t>Preferences</a:t>
             </a:r>
             <a:r>
-              <a:rPr lang="fr-CH" i="1" dirty="0" smtClean="0"/>
+              <a:rPr lang="fr-CH" i="1" dirty="0"/>
               <a:t> in the Smart </a:t>
             </a:r>
             <a:r>
-              <a:rPr lang="fr-CH" i="1" dirty="0" err="1" smtClean="0"/>
+              <a:rPr lang="fr-CH" i="1" dirty="0" err="1"/>
               <a:t>Grid</a:t>
             </a:r>
             <a:r>
-              <a:rPr lang="fr-CH" i="1" dirty="0" smtClean="0"/>
+              <a:rPr lang="fr-CH" i="1" dirty="0"/>
               <a:t>, </a:t>
             </a:r>
             <a:r>
-              <a:rPr lang="fr-CH" dirty="0" smtClean="0"/>
+              <a:rPr lang="fr-CH" dirty="0"/>
               <a:t>C. Wang and M. d. </a:t>
             </a:r>
             <a:r>
-              <a:rPr lang="fr-CH" dirty="0" err="1" smtClean="0"/>
+              <a:rPr lang="fr-CH" dirty="0" err="1"/>
               <a:t>Groot</a:t>
             </a:r>
             <a:r>
-              <a:rPr lang="fr-CH" dirty="0" smtClean="0"/>
+              <a:rPr lang="fr-CH" dirty="0"/>
               <a:t>, E-</a:t>
             </a:r>
             <a:r>
-              <a:rPr lang="fr-CH" dirty="0" err="1" smtClean="0"/>
+              <a:rPr lang="fr-CH" dirty="0" err="1"/>
               <a:t>energy</a:t>
             </a:r>
             <a:r>
-              <a:rPr lang="fr-CH" dirty="0" smtClean="0"/>
+              <a:rPr lang="fr-CH" dirty="0"/>
               <a:t> 2010, Passau, Germany, 2010</a:t>
             </a:r>
             <a:endParaRPr lang="fr-CH" i="1" dirty="0"/>
@@ -17230,56 +17074,51 @@
           <a:lstStyle/>
           <a:p>
             <a:r>
-              <a:rPr lang="fr-CH" dirty="0" err="1" smtClean="0"/>
+              <a:rPr lang="fr-CH" dirty="0" err="1"/>
               <a:t>Demand</a:t>
             </a:r>
             <a:r>
-              <a:rPr lang="fr-CH" dirty="0" smtClean="0"/>
+              <a:rPr lang="fr-CH" dirty="0"/>
               <a:t> </a:t>
             </a:r>
             <a:r>
-              <a:rPr lang="fr-CH" dirty="0" err="1" smtClean="0"/>
+              <a:rPr lang="fr-CH" dirty="0" err="1"/>
               <a:t>response</a:t>
             </a:r>
             <a:r>
-              <a:rPr lang="fr-CH" dirty="0" smtClean="0"/>
+              <a:rPr lang="fr-CH" dirty="0"/>
               <a:t> by </a:t>
             </a:r>
             <a:r>
-              <a:rPr lang="fr-CH" dirty="0" err="1" smtClean="0"/>
+              <a:rPr lang="fr-CH" dirty="0" err="1"/>
               <a:t>load</a:t>
             </a:r>
             <a:r>
-              <a:rPr lang="fr-CH" dirty="0" smtClean="0"/>
+              <a:rPr lang="fr-CH" dirty="0"/>
               <a:t> </a:t>
             </a:r>
             <a:r>
-              <a:rPr lang="fr-CH" dirty="0" err="1" smtClean="0"/>
+              <a:rPr lang="fr-CH" dirty="0" err="1"/>
               <a:t>switch</a:t>
             </a:r>
-            <a:endParaRPr lang="fr-CH" dirty="0" smtClean="0"/>
-          </a:p>
-          <a:p>
-            <a:r>
-              <a:rPr lang="fr-CH" dirty="0" smtClean="0"/>
+            <a:endParaRPr lang="fr-CH" dirty="0"/>
+          </a:p>
+          <a:p>
+            <a:r>
+              <a:rPr lang="fr-CH" dirty="0"/>
               <a:t>For thermal </a:t>
             </a:r>
             <a:r>
-              <a:rPr lang="fr-CH" dirty="0" err="1" smtClean="0"/>
+              <a:rPr lang="fr-CH" dirty="0" err="1"/>
               <a:t>load</a:t>
             </a:r>
-            <a:r>
-              <a:rPr lang="fr-CH" dirty="0" smtClean="0"/>
-              <a:t/>
-            </a:r>
             <a:br>
-              <a:rPr lang="fr-CH" dirty="0" smtClean="0"/>
+              <a:rPr lang="fr-CH" dirty="0"/>
             </a:br>
             <a:r>
-              <a:rPr lang="fr-CH" dirty="0" smtClean="0"/>
+              <a:rPr lang="fr-CH" dirty="0"/>
               <a:t>www.voltalis.com</a:t>
             </a:r>
-            <a:endParaRPr lang="fr-CH" dirty="0"/>
           </a:p>
         </p:txBody>
       </p:sp>
@@ -17474,13 +17313,6 @@
   <p:clrMapOvr>
     <a:masterClrMapping/>
   </p:clrMapOvr>
-  <p:timing>
-    <p:tnLst>
-      <p:par>
-        <p:cTn id="1" dur="indefinite" restart="never" nodeType="tmRoot"/>
-      </p:par>
-    </p:tnLst>
-  </p:timing>
 </p:sld>
 </file>
 
@@ -17517,23 +17349,23 @@
           <a:lstStyle/>
           <a:p>
             <a:r>
-              <a:rPr lang="fr-CH" dirty="0" err="1" smtClean="0"/>
+              <a:rPr lang="fr-CH" dirty="0" err="1"/>
               <a:t>Beyond</a:t>
             </a:r>
             <a:r>
-              <a:rPr lang="fr-CH" dirty="0" smtClean="0"/>
+              <a:rPr lang="fr-CH" dirty="0"/>
               <a:t> </a:t>
             </a:r>
             <a:r>
-              <a:rPr lang="fr-CH" dirty="0" err="1" smtClean="0"/>
+              <a:rPr lang="fr-CH" dirty="0" err="1"/>
               <a:t>Demand</a:t>
             </a:r>
             <a:r>
-              <a:rPr lang="fr-CH" dirty="0" smtClean="0"/>
+              <a:rPr lang="fr-CH" dirty="0"/>
               <a:t> </a:t>
             </a:r>
             <a:r>
-              <a:rPr lang="fr-CH" dirty="0" err="1" smtClean="0"/>
+              <a:rPr lang="fr-CH" dirty="0" err="1"/>
               <a:t>Response</a:t>
             </a:r>
             <a:endParaRPr lang="fr-CH" dirty="0"/>
@@ -17556,11 +17388,11 @@
           <a:lstStyle/>
           <a:p>
             <a:r>
-              <a:rPr lang="fr-CH" dirty="0" err="1" smtClean="0"/>
+              <a:rPr lang="fr-CH" dirty="0" err="1"/>
               <a:t>Tomorrow</a:t>
             </a:r>
             <a:r>
-              <a:rPr lang="fr-CH" dirty="0" smtClean="0"/>
+              <a:rPr lang="fr-CH" dirty="0"/>
               <a:t> (2050)</a:t>
             </a:r>
           </a:p>
@@ -17569,51 +17401,51 @@
               <a:buNone/>
             </a:pPr>
             <a:r>
-              <a:rPr lang="fr-CH" dirty="0" smtClean="0"/>
+              <a:rPr lang="fr-CH" dirty="0"/>
               <a:t>	</a:t>
             </a:r>
             <a:r>
-              <a:rPr lang="fr-CH" dirty="0" err="1" smtClean="0"/>
+              <a:rPr lang="fr-CH" dirty="0" err="1"/>
               <a:t>adapt</a:t>
             </a:r>
             <a:r>
-              <a:rPr lang="fr-CH" dirty="0" smtClean="0"/>
+              <a:rPr lang="fr-CH" dirty="0"/>
               <a:t> to </a:t>
             </a:r>
             <a:r>
-              <a:rPr lang="fr-CH" dirty="0" err="1" smtClean="0"/>
+              <a:rPr lang="fr-CH" dirty="0" err="1"/>
               <a:t>wind</a:t>
             </a:r>
             <a:r>
-              <a:rPr lang="fr-CH" dirty="0" smtClean="0"/>
+              <a:rPr lang="fr-CH" dirty="0"/>
               <a:t>, tidal, </a:t>
             </a:r>
             <a:r>
-              <a:rPr lang="fr-CH" dirty="0" err="1" smtClean="0"/>
+              <a:rPr lang="fr-CH" dirty="0" err="1"/>
               <a:t>solar</a:t>
             </a:r>
             <a:r>
-              <a:rPr lang="fr-CH" dirty="0" smtClean="0"/>
+              <a:rPr lang="fr-CH" dirty="0"/>
               <a:t> </a:t>
             </a:r>
             <a:r>
-              <a:rPr lang="fr-CH" dirty="0" err="1" smtClean="0"/>
+              <a:rPr lang="fr-CH" dirty="0" err="1"/>
               <a:t>etc</a:t>
             </a:r>
             <a:r>
-              <a:rPr lang="fr-CH" dirty="0" smtClean="0"/>
+              <a:rPr lang="fr-CH" dirty="0"/>
               <a:t> over </a:t>
             </a:r>
             <a:r>
-              <a:rPr lang="fr-CH" dirty="0" err="1" smtClean="0"/>
+              <a:rPr lang="fr-CH" dirty="0" err="1"/>
               <a:t>several</a:t>
             </a:r>
             <a:r>
-              <a:rPr lang="fr-CH" dirty="0" smtClean="0"/>
+              <a:rPr lang="fr-CH" dirty="0"/>
               <a:t> </a:t>
             </a:r>
             <a:r>
-              <a:rPr lang="fr-CH" dirty="0" err="1" smtClean="0"/>
+              <a:rPr lang="fr-CH" dirty="0" err="1"/>
               <a:t>days</a:t>
             </a:r>
             <a:endParaRPr lang="fr-CH" dirty="0"/>
@@ -17672,7 +17504,7 @@
           <a:p>
             <a:pPr algn="l"/>
             <a:r>
-              <a:rPr lang="en-US" dirty="0" smtClean="0"/>
+              <a:rPr lang="en-US" dirty="0"/>
               <a:t>Wind energy production in MW of Eire in 2006. Source: Sustainable Energy - without the hot air  by David JC MacKay (online)</a:t>
             </a:r>
             <a:endParaRPr lang="fr-CH" dirty="0"/>
@@ -17737,61 +17569,57 @@
           <a:lstStyle/>
           <a:p>
             <a:r>
-              <a:rPr lang="fr-CH" dirty="0" err="1" smtClean="0"/>
+              <a:rPr lang="fr-CH" dirty="0" err="1"/>
               <a:t>Demand</a:t>
             </a:r>
             <a:r>
-              <a:rPr lang="fr-CH" dirty="0" smtClean="0"/>
+              <a:rPr lang="fr-CH" dirty="0"/>
               <a:t> </a:t>
             </a:r>
             <a:r>
-              <a:rPr lang="fr-CH" dirty="0" err="1" smtClean="0"/>
+              <a:rPr lang="fr-CH" dirty="0" err="1"/>
               <a:t>response</a:t>
             </a:r>
             <a:r>
-              <a:rPr lang="fr-CH" dirty="0" smtClean="0"/>
+              <a:rPr lang="fr-CH" dirty="0"/>
               <a:t> = </a:t>
             </a:r>
             <a:r>
-              <a:rPr lang="fr-CH" dirty="0" err="1" smtClean="0"/>
+              <a:rPr lang="fr-CH" dirty="0" err="1"/>
               <a:t>shave</a:t>
             </a:r>
             <a:r>
-              <a:rPr lang="fr-CH" dirty="0" smtClean="0"/>
+              <a:rPr lang="fr-CH" dirty="0"/>
               <a:t> the </a:t>
             </a:r>
             <a:r>
-              <a:rPr lang="fr-CH" dirty="0" err="1" smtClean="0"/>
+              <a:rPr lang="fr-CH" dirty="0" err="1"/>
               <a:t>peak</a:t>
             </a:r>
-            <a:r>
-              <a:rPr lang="fr-CH" dirty="0" smtClean="0"/>
-              <a:t/>
-            </a:r>
             <a:br>
-              <a:rPr lang="fr-CH" dirty="0" smtClean="0"/>
+              <a:rPr lang="fr-CH" dirty="0"/>
             </a:br>
             <a:r>
-              <a:rPr lang="fr-CH" dirty="0" err="1" smtClean="0"/>
+              <a:rPr lang="fr-CH" dirty="0" err="1"/>
               <a:t>mean</a:t>
             </a:r>
             <a:r>
-              <a:rPr lang="fr-CH" dirty="0" smtClean="0"/>
+              <a:rPr lang="fr-CH" dirty="0"/>
               <a:t> </a:t>
             </a:r>
             <a:r>
-              <a:rPr lang="fr-CH" dirty="0" err="1" smtClean="0"/>
+              <a:rPr lang="fr-CH" dirty="0" err="1"/>
               <a:t>does</a:t>
             </a:r>
             <a:r>
-              <a:rPr lang="fr-CH" dirty="0" smtClean="0"/>
+              <a:rPr lang="fr-CH" dirty="0"/>
               <a:t> not </a:t>
             </a:r>
             <a:r>
-              <a:rPr lang="fr-CH" dirty="0" err="1" smtClean="0"/>
+              <a:rPr lang="fr-CH" dirty="0" err="1"/>
               <a:t>adapt</a:t>
             </a:r>
-            <a:endParaRPr lang="fr-CH" dirty="0" smtClean="0"/>
+            <a:endParaRPr lang="fr-CH" dirty="0"/>
           </a:p>
         </p:txBody>
       </p:sp>
@@ -17836,11 +17664,11 @@
           <a:lstStyle/>
           <a:p>
             <a:r>
-              <a:rPr lang="fr-CH" dirty="0" smtClean="0"/>
+              <a:rPr lang="fr-CH" dirty="0"/>
               <a:t>One Day in the Life of Robert </a:t>
             </a:r>
             <a:r>
-              <a:rPr lang="fr-CH" dirty="0" err="1" smtClean="0"/>
+              <a:rPr lang="fr-CH" dirty="0" err="1"/>
               <a:t>Longirod</a:t>
             </a:r>
             <a:endParaRPr lang="fr-CH" dirty="0"/>
@@ -17881,13 +17709,6 @@
   <p:clrMapOvr>
     <a:masterClrMapping/>
   </p:clrMapOvr>
-  <p:timing>
-    <p:tnLst>
-      <p:par>
-        <p:cTn id="1" dur="indefinite" restart="never" nodeType="tmRoot"/>
-      </p:par>
-    </p:tnLst>
-  </p:timing>
 </p:sld>
 </file>
 
@@ -17924,11 +17745,11 @@
           <a:lstStyle/>
           <a:p>
             <a:r>
-              <a:rPr lang="fr-CH" dirty="0" smtClean="0"/>
+              <a:rPr lang="fr-CH" dirty="0"/>
               <a:t>One Day in the Life of Robert </a:t>
             </a:r>
             <a:r>
-              <a:rPr lang="fr-CH" dirty="0" err="1" smtClean="0"/>
+              <a:rPr lang="fr-CH" dirty="0" err="1"/>
               <a:t>Longirod</a:t>
             </a:r>
             <a:endParaRPr lang="fr-CH" dirty="0"/>
@@ -17956,88 +17777,87 @@
           <a:lstStyle/>
           <a:p>
             <a:r>
-              <a:rPr lang="fr-CH" dirty="0" err="1" smtClean="0"/>
+              <a:rPr lang="fr-CH" dirty="0" err="1"/>
               <a:t>We</a:t>
             </a:r>
             <a:r>
-              <a:rPr lang="fr-CH" dirty="0" smtClean="0"/>
+              <a:rPr lang="fr-CH" dirty="0"/>
               <a:t> are in  May 2050, in the 3500W society</a:t>
             </a:r>
             <a:br>
-              <a:rPr lang="fr-CH" dirty="0" smtClean="0"/>
+              <a:rPr lang="fr-CH" dirty="0"/>
             </a:br>
-            <a:endParaRPr lang="fr-CH" dirty="0" smtClean="0"/>
-          </a:p>
-          <a:p>
-            <a:r>
-              <a:rPr lang="fr-CH" dirty="0" smtClean="0"/>
+            <a:endParaRPr lang="fr-CH" dirty="0"/>
+          </a:p>
+          <a:p>
+            <a:r>
+              <a:rPr lang="fr-CH" dirty="0"/>
               <a:t>Robert </a:t>
             </a:r>
             <a:r>
-              <a:rPr lang="fr-CH" dirty="0" err="1" smtClean="0"/>
+              <a:rPr lang="fr-CH" dirty="0" err="1"/>
               <a:t>Longirod</a:t>
             </a:r>
             <a:r>
-              <a:rPr lang="fr-CH" dirty="0" smtClean="0"/>
+              <a:rPr lang="fr-CH" dirty="0"/>
               <a:t> </a:t>
             </a:r>
             <a:r>
-              <a:rPr lang="fr-CH" dirty="0" err="1" smtClean="0"/>
+              <a:rPr lang="fr-CH" dirty="0" err="1"/>
               <a:t>is</a:t>
             </a:r>
             <a:r>
-              <a:rPr lang="fr-CH" dirty="0" smtClean="0"/>
+              <a:rPr lang="fr-CH" dirty="0"/>
               <a:t> </a:t>
             </a:r>
             <a:r>
-              <a:rPr lang="fr-CH" dirty="0" err="1" smtClean="0"/>
+              <a:rPr lang="fr-CH" dirty="0" err="1"/>
               <a:t>telecom</a:t>
             </a:r>
             <a:r>
-              <a:rPr lang="fr-CH" dirty="0" smtClean="0"/>
+              <a:rPr lang="fr-CH" dirty="0"/>
               <a:t> </a:t>
             </a:r>
             <a:r>
-              <a:rPr lang="fr-CH" dirty="0" err="1" smtClean="0"/>
+              <a:rPr lang="fr-CH" dirty="0" err="1"/>
               <a:t>engineer</a:t>
             </a:r>
             <a:r>
-              <a:rPr lang="fr-CH" dirty="0" smtClean="0"/>
+              <a:rPr lang="fr-CH" dirty="0"/>
               <a:t> </a:t>
             </a:r>
             <a:r>
-              <a:rPr lang="fr-CH" dirty="0" err="1" smtClean="0"/>
+              <a:rPr lang="fr-CH" dirty="0" err="1"/>
               <a:t>at</a:t>
             </a:r>
             <a:r>
-              <a:rPr lang="fr-CH" dirty="0" smtClean="0"/>
+              <a:rPr lang="fr-CH" dirty="0"/>
               <a:t> the </a:t>
             </a:r>
             <a:r>
-              <a:rPr lang="fr-CH" dirty="0" err="1" smtClean="0"/>
+              <a:rPr lang="fr-CH" dirty="0" err="1"/>
               <a:t>swiss</a:t>
             </a:r>
             <a:r>
-              <a:rPr lang="fr-CH" dirty="0" smtClean="0"/>
+              <a:rPr lang="fr-CH" dirty="0"/>
               <a:t> </a:t>
             </a:r>
             <a:r>
-              <a:rPr lang="fr-CH" dirty="0" err="1" smtClean="0"/>
+              <a:rPr lang="fr-CH" dirty="0" err="1"/>
               <a:t>branch</a:t>
             </a:r>
             <a:r>
-              <a:rPr lang="fr-CH" dirty="0" smtClean="0"/>
+              <a:rPr lang="fr-CH" dirty="0"/>
               <a:t> of </a:t>
             </a:r>
             <a:r>
-              <a:rPr lang="fr-CH" dirty="0" err="1" smtClean="0"/>
+              <a:rPr lang="fr-CH" dirty="0" err="1"/>
               <a:t>Huawei</a:t>
             </a:r>
             <a:r>
-              <a:rPr lang="fr-CH" dirty="0" smtClean="0"/>
+              <a:rPr lang="fr-CH" dirty="0"/>
               <a:t> Technologies</a:t>
             </a:r>
-            <a:endParaRPr lang="fr-CH" dirty="0"/>
           </a:p>
         </p:txBody>
       </p:sp>
@@ -18112,13 +17932,6 @@
   <p:clrMapOvr>
     <a:masterClrMapping/>
   </p:clrMapOvr>
-  <p:timing>
-    <p:tnLst>
-      <p:par>
-        <p:cTn id="1" dur="indefinite" restart="never" nodeType="tmRoot"/>
-      </p:par>
-    </p:tnLst>
-  </p:timing>
 </p:sld>
 </file>
 
